--- a/doc/입어바라.pptx
+++ b/doc/입어바라.pptx
@@ -1,16 +1,23 @@
 
 <file path=ppt/presentation.xml><?xml version="1.0" encoding="utf-8"?>
-<p:presentation xmlns:a="http://schemas.openxmlformats.org/drawingml/2006/main" xmlns:r="http://schemas.openxmlformats.org/officeDocument/2006/relationships" xmlns:p="http://schemas.openxmlformats.org/presentationml/2006/main" strictFirstAndLastChars="0" saveSubsetFonts="1" autoCompressPictures="0">
+<p:presentation xmlns:a="http://schemas.openxmlformats.org/drawingml/2006/main" xmlns:r="http://schemas.openxmlformats.org/officeDocument/2006/relationships" xmlns:p="http://schemas.openxmlformats.org/presentationml/2006/main" showSpecialPlsOnTitleSld="0" strictFirstAndLastChars="0" saveSubsetFonts="1" autoCompressPictures="0">
   <p:sldMasterIdLst>
     <p:sldMasterId id="2147483659" r:id="rId1"/>
   </p:sldMasterIdLst>
   <p:notesMasterIdLst>
-    <p:notesMasterId r:id="rId5"/>
+    <p:notesMasterId r:id="rId12"/>
   </p:notesMasterIdLst>
   <p:sldIdLst>
     <p:sldId id="256" r:id="rId2"/>
     <p:sldId id="257" r:id="rId3"/>
     <p:sldId id="258" r:id="rId4"/>
+    <p:sldId id="259" r:id="rId5"/>
+    <p:sldId id="260" r:id="rId6"/>
+    <p:sldId id="261" r:id="rId7"/>
+    <p:sldId id="262" r:id="rId8"/>
+    <p:sldId id="263" r:id="rId9"/>
+    <p:sldId id="264" r:id="rId10"/>
+    <p:sldId id="265" r:id="rId11"/>
   </p:sldIdLst>
   <p:sldSz cx="9144000" cy="5143500" type="screen16x9"/>
   <p:notesSz cx="6858000" cy="9144000"/>
@@ -10443,7 +10450,7 @@
     <p:sldLayoutId id="2147483657" r:id="rId10"/>
     <p:sldLayoutId id="2147483658" r:id="rId11"/>
   </p:sldLayoutIdLst>
-  <p:hf sldNum="0" hdr="0" ftr="0" dt="0"/>
+  <p:hf hdr="0" ftr="0" dt="0"/>
   <p:txStyles>
     <p:titleStyle>
       <a:defPPr marR="0" lvl="0" algn="l" rtl="0">
@@ -11522,7 +11529,7 @@
         </p:blipFill>
         <p:spPr>
           <a:xfrm rot="4027161">
-            <a:off x="7798177" y="3589211"/>
+            <a:off x="7847795" y="3589211"/>
             <a:ext cx="2239349" cy="2239343"/>
           </a:xfrm>
           <a:prstGeom prst="rect">
@@ -11580,6 +11587,217 @@
         </p:spPr>
       </p:pic>
     </p:spTree>
+  </p:cSld>
+  <p:clrMapOvr>
+    <a:masterClrMapping/>
+  </p:clrMapOvr>
+  <p:timing>
+    <p:tnLst>
+      <p:par>
+        <p:cTn id="1" dur="indefinite" restart="never" nodeType="tmRoot"/>
+      </p:par>
+    </p:tnLst>
+  </p:timing>
+</p:sld>
+</file>
+
+<file path=ppt/slides/slide10.xml><?xml version="1.0" encoding="utf-8"?>
+<p:sld xmlns:a="http://schemas.openxmlformats.org/drawingml/2006/main" xmlns:r="http://schemas.openxmlformats.org/officeDocument/2006/relationships" xmlns:p="http://schemas.openxmlformats.org/presentationml/2006/main">
+  <p:cSld>
+    <p:spTree>
+      <p:nvGrpSpPr>
+        <p:cNvPr id="1" name=""/>
+        <p:cNvGrpSpPr/>
+        <p:nvPr/>
+      </p:nvGrpSpPr>
+      <p:grpSpPr>
+        <a:xfrm>
+          <a:off x="0" y="0"/>
+          <a:ext cx="0" cy="0"/>
+          <a:chOff x="0" y="0"/>
+          <a:chExt cx="0" cy="0"/>
+        </a:xfrm>
+      </p:grpSpPr>
+      <p:sp>
+        <p:nvSpPr>
+          <p:cNvPr id="2" name="제목 1">
+            <a:extLst>
+              <a:ext uri="{FF2B5EF4-FFF2-40B4-BE49-F238E27FC236}">
+                <a16:creationId xmlns:a16="http://schemas.microsoft.com/office/drawing/2014/main" id="{CBABC1ED-69F5-4AE0-9969-AC5A908C7275}"/>
+              </a:ext>
+            </a:extLst>
+          </p:cNvPr>
+          <p:cNvSpPr>
+            <a:spLocks noGrp="1"/>
+          </p:cNvSpPr>
+          <p:nvPr>
+            <p:ph type="title"/>
+          </p:nvPr>
+        </p:nvSpPr>
+        <p:spPr>
+          <a:xfrm>
+            <a:off x="182083" y="0"/>
+            <a:ext cx="7886700" cy="994200"/>
+          </a:xfrm>
+        </p:spPr>
+        <p:txBody>
+          <a:bodyPr/>
+          <a:lstStyle/>
+          <a:p>
+            <a:r>
+              <a:rPr lang="en-US" altLang="ko-KR" b="1" dirty="0" smtClean="0"/>
+              <a:t>07. Q&amp;A</a:t>
+            </a:r>
+            <a:endParaRPr lang="ko-KR" altLang="en-US" b="1" dirty="0"/>
+          </a:p>
+        </p:txBody>
+      </p:sp>
+      <p:pic>
+        <p:nvPicPr>
+          <p:cNvPr id="4" name="Google Shape;88;p13" descr="작은 원이 있는 그리드"/>
+          <p:cNvPicPr preferRelativeResize="0"/>
+          <p:nvPr/>
+        </p:nvPicPr>
+        <p:blipFill rotWithShape="1">
+          <a:blip r:embed="rId2">
+            <a:alphaModFix/>
+          </a:blip>
+          <a:srcRect/>
+          <a:stretch/>
+        </p:blipFill>
+        <p:spPr>
+          <a:xfrm rot="17572839" flipV="1">
+            <a:off x="7686300" y="-718616"/>
+            <a:ext cx="2239349" cy="2239343"/>
+          </a:xfrm>
+          <a:prstGeom prst="rect">
+            <a:avLst/>
+          </a:prstGeom>
+          <a:noFill/>
+          <a:ln>
+            <a:noFill/>
+          </a:ln>
+        </p:spPr>
+      </p:pic>
+      <p:sp>
+        <p:nvSpPr>
+          <p:cNvPr id="32" name="슬라이드 번호 개체 틀 31"/>
+          <p:cNvSpPr>
+            <a:spLocks noGrp="1"/>
+          </p:cNvSpPr>
+          <p:nvPr>
+            <p:ph type="sldNum" idx="12"/>
+          </p:nvPr>
+        </p:nvSpPr>
+        <p:spPr>
+          <a:xfrm>
+            <a:off x="6968313" y="4767263"/>
+            <a:ext cx="2057400" cy="273900"/>
+          </a:xfrm>
+        </p:spPr>
+        <p:txBody>
+          <a:bodyPr/>
+          <a:lstStyle/>
+          <a:p>
+            <a:pPr marL="0" lvl="0" indent="0" algn="r" rtl="0">
+              <a:spcBef>
+                <a:spcPts val="0"/>
+              </a:spcBef>
+              <a:spcAft>
+                <a:spcPts val="0"/>
+              </a:spcAft>
+              <a:buNone/>
+            </a:pPr>
+            <a:fld id="{00000000-1234-1234-1234-123412341234}" type="slidenum">
+              <a:rPr lang="en-US" altLang="ko" smtClean="0"/>
+              <a:t>10</a:t>
+            </a:fld>
+            <a:endParaRPr lang="ko" altLang="en-US" dirty="0"/>
+          </a:p>
+        </p:txBody>
+      </p:sp>
+      <p:sp>
+        <p:nvSpPr>
+          <p:cNvPr id="5" name="타원 4"/>
+          <p:cNvSpPr/>
+          <p:nvPr/>
+        </p:nvSpPr>
+        <p:spPr>
+          <a:xfrm>
+            <a:off x="2544725" y="797775"/>
+            <a:ext cx="3969488" cy="3969488"/>
+          </a:xfrm>
+          <a:prstGeom prst="ellipse">
+            <a:avLst/>
+          </a:prstGeom>
+          <a:solidFill>
+            <a:schemeClr val="bg1"/>
+          </a:solidFill>
+          <a:ln>
+            <a:noFill/>
+          </a:ln>
+        </p:spPr>
+        <p:style>
+          <a:lnRef idx="2">
+            <a:schemeClr val="accent1">
+              <a:shade val="50000"/>
+            </a:schemeClr>
+          </a:lnRef>
+          <a:fillRef idx="1">
+            <a:schemeClr val="accent1"/>
+          </a:fillRef>
+          <a:effectRef idx="0">
+            <a:schemeClr val="accent1"/>
+          </a:effectRef>
+          <a:fontRef idx="minor">
+            <a:schemeClr val="lt1"/>
+          </a:fontRef>
+        </p:style>
+        <p:txBody>
+          <a:bodyPr rtlCol="0" anchor="ctr"/>
+          <a:lstStyle/>
+          <a:p>
+            <a:pPr algn="ctr"/>
+            <a:endParaRPr lang="ko-KR" altLang="en-US"/>
+          </a:p>
+        </p:txBody>
+      </p:sp>
+      <p:pic>
+        <p:nvPicPr>
+          <p:cNvPr id="3" name="그림 2"/>
+          <p:cNvPicPr>
+            <a:picLocks noChangeAspect="1"/>
+          </p:cNvPicPr>
+          <p:nvPr/>
+        </p:nvPicPr>
+        <p:blipFill>
+          <a:blip r:embed="rId3">
+            <a:extLst>
+              <a:ext uri="{28A0092B-C50C-407E-A947-70E740481C1C}">
+                <a14:useLocalDpi xmlns:a14="http://schemas.microsoft.com/office/drawing/2010/main" val="0"/>
+              </a:ext>
+            </a:extLst>
+          </a:blip>
+          <a:stretch>
+            <a:fillRect/>
+          </a:stretch>
+        </p:blipFill>
+        <p:spPr>
+          <a:xfrm>
+            <a:off x="3028623" y="1380142"/>
+            <a:ext cx="3001691" cy="3001691"/>
+          </a:xfrm>
+          <a:prstGeom prst="rect">
+            <a:avLst/>
+          </a:prstGeom>
+        </p:spPr>
+      </p:pic>
+    </p:spTree>
+    <p:extLst>
+      <p:ext uri="{BB962C8B-B14F-4D97-AF65-F5344CB8AC3E}">
+        <p14:creationId xmlns:p14="http://schemas.microsoft.com/office/powerpoint/2010/main" val="1621655199"/>
+      </p:ext>
+    </p:extLst>
   </p:cSld>
   <p:clrMapOvr>
     <a:masterClrMapping/>
@@ -15943,6 +16161,43 @@
           </a:graphicData>
         </a:graphic>
       </p:graphicFrame>
+      <p:sp>
+        <p:nvSpPr>
+          <p:cNvPr id="2" name="슬라이드 번호 개체 틀 1"/>
+          <p:cNvSpPr>
+            <a:spLocks noGrp="1"/>
+          </p:cNvSpPr>
+          <p:nvPr>
+            <p:ph type="sldNum" idx="12"/>
+          </p:nvPr>
+        </p:nvSpPr>
+        <p:spPr>
+          <a:xfrm>
+            <a:off x="7012532" y="4767263"/>
+            <a:ext cx="2057400" cy="273900"/>
+          </a:xfrm>
+        </p:spPr>
+        <p:txBody>
+          <a:bodyPr/>
+          <a:lstStyle/>
+          <a:p>
+            <a:pPr marL="0" lvl="0" indent="0" algn="r" rtl="0">
+              <a:spcBef>
+                <a:spcPts val="0"/>
+              </a:spcBef>
+              <a:spcAft>
+                <a:spcPts val="0"/>
+              </a:spcAft>
+              <a:buNone/>
+            </a:pPr>
+            <a:fld id="{00000000-1234-1234-1234-123412341234}" type="slidenum">
+              <a:rPr lang="en-US" altLang="ko" smtClean="0"/>
+              <a:t>2</a:t>
+            </a:fld>
+            <a:endParaRPr lang="ko" altLang="en-US"/>
+          </a:p>
+        </p:txBody>
+      </p:sp>
     </p:spTree>
   </p:cSld>
   <p:clrMapOvr>
@@ -15991,21 +16246,1194 @@
             <p:ph type="title"/>
           </p:nvPr>
         </p:nvSpPr>
-        <p:spPr/>
+        <p:spPr>
+          <a:xfrm>
+            <a:off x="182083" y="0"/>
+            <a:ext cx="7886700" cy="994200"/>
+          </a:xfrm>
+        </p:spPr>
         <p:txBody>
           <a:bodyPr/>
           <a:lstStyle/>
           <a:p>
+            <a:r>
+              <a:rPr lang="ko-KR" altLang="en-US" b="1" dirty="0" smtClean="0"/>
+              <a:t>목차</a:t>
+            </a:r>
+            <a:endParaRPr lang="ko-KR" altLang="en-US" b="1" dirty="0"/>
+          </a:p>
+        </p:txBody>
+      </p:sp>
+      <p:pic>
+        <p:nvPicPr>
+          <p:cNvPr id="4" name="Google Shape;88;p13" descr="작은 원이 있는 그리드"/>
+          <p:cNvPicPr preferRelativeResize="0"/>
+          <p:nvPr/>
+        </p:nvPicPr>
+        <p:blipFill rotWithShape="1">
+          <a:blip r:embed="rId2">
+            <a:alphaModFix/>
+          </a:blip>
+          <a:srcRect/>
+          <a:stretch/>
+        </p:blipFill>
+        <p:spPr>
+          <a:xfrm rot="17572839" flipV="1">
+            <a:off x="7686300" y="-718616"/>
+            <a:ext cx="2239349" cy="2239343"/>
+          </a:xfrm>
+          <a:prstGeom prst="rect">
+            <a:avLst/>
+          </a:prstGeom>
+          <a:noFill/>
+          <a:ln>
+            <a:noFill/>
+          </a:ln>
+        </p:spPr>
+      </p:pic>
+      <p:cxnSp>
+        <p:nvCxnSpPr>
+          <p:cNvPr id="6" name="직선 연결선 5"/>
+          <p:cNvCxnSpPr/>
+          <p:nvPr/>
+        </p:nvCxnSpPr>
+        <p:spPr>
+          <a:xfrm>
+            <a:off x="496186" y="2461932"/>
+            <a:ext cx="8165805" cy="0"/>
+          </a:xfrm>
+          <a:prstGeom prst="line">
+            <a:avLst/>
+          </a:prstGeom>
+          <a:ln w="12700">
+            <a:solidFill>
+              <a:schemeClr val="bg1"/>
+            </a:solidFill>
+          </a:ln>
+        </p:spPr>
+        <p:style>
+          <a:lnRef idx="1">
+            <a:schemeClr val="accent1"/>
+          </a:lnRef>
+          <a:fillRef idx="0">
+            <a:schemeClr val="accent1"/>
+          </a:fillRef>
+          <a:effectRef idx="0">
+            <a:schemeClr val="accent1"/>
+          </a:effectRef>
+          <a:fontRef idx="minor">
+            <a:schemeClr val="tx1"/>
+          </a:fontRef>
+        </p:style>
+      </p:cxnSp>
+      <p:sp>
+        <p:nvSpPr>
+          <p:cNvPr id="11" name="모서리가 둥근 직사각형 10"/>
+          <p:cNvSpPr/>
+          <p:nvPr/>
+        </p:nvSpPr>
+        <p:spPr>
+          <a:xfrm>
+            <a:off x="496186" y="1846171"/>
+            <a:ext cx="1542206" cy="341384"/>
+          </a:xfrm>
+          <a:prstGeom prst="roundRect">
+            <a:avLst>
+              <a:gd name="adj" fmla="val 50000"/>
+            </a:avLst>
+          </a:prstGeom>
+          <a:solidFill>
+            <a:schemeClr val="bg1"/>
+          </a:solidFill>
+          <a:ln>
+            <a:noFill/>
+          </a:ln>
+        </p:spPr>
+        <p:style>
+          <a:lnRef idx="2">
+            <a:schemeClr val="accent1">
+              <a:shade val="50000"/>
+            </a:schemeClr>
+          </a:lnRef>
+          <a:fillRef idx="1">
+            <a:schemeClr val="accent1"/>
+          </a:fillRef>
+          <a:effectRef idx="0">
+            <a:schemeClr val="accent1"/>
+          </a:effectRef>
+          <a:fontRef idx="minor">
+            <a:schemeClr val="lt1"/>
+          </a:fontRef>
+        </p:style>
+        <p:txBody>
+          <a:bodyPr rtlCol="0" anchor="ctr"/>
+          <a:lstStyle/>
+          <a:p>
+            <a:pPr algn="ctr"/>
             <a:endParaRPr lang="ko-KR" altLang="en-US"/>
           </a:p>
         </p:txBody>
       </p:sp>
       <p:sp>
         <p:nvSpPr>
-          <p:cNvPr id="3" name="텍스트 개체 틀 2">
+          <p:cNvPr id="8" name="TextBox 7"/>
+          <p:cNvSpPr txBox="1"/>
+          <p:nvPr/>
+        </p:nvSpPr>
+        <p:spPr>
+          <a:xfrm>
+            <a:off x="841970" y="1832197"/>
+            <a:ext cx="1107996" cy="369332"/>
+          </a:xfrm>
+          <a:prstGeom prst="rect">
+            <a:avLst/>
+          </a:prstGeom>
+          <a:noFill/>
+        </p:spPr>
+        <p:txBody>
+          <a:bodyPr wrap="none" rtlCol="0">
+            <a:spAutoFit/>
+          </a:bodyPr>
+          <a:lstStyle/>
+          <a:p>
+            <a:r>
+              <a:rPr lang="ko-KR" altLang="en-US" sz="1800" dirty="0" err="1" smtClean="0">
+                <a:solidFill>
+                  <a:srgbClr val="201533"/>
+                </a:solidFill>
+                <a:latin typeface="+mn-ea"/>
+                <a:ea typeface="+mn-ea"/>
+              </a:rPr>
+              <a:t>팀원소개</a:t>
+            </a:r>
+            <a:endParaRPr lang="ko-KR" altLang="en-US" sz="1800" dirty="0">
+              <a:solidFill>
+                <a:srgbClr val="201533"/>
+              </a:solidFill>
+              <a:latin typeface="+mn-ea"/>
+              <a:ea typeface="+mn-ea"/>
+            </a:endParaRPr>
+          </a:p>
+        </p:txBody>
+      </p:sp>
+      <p:sp>
+        <p:nvSpPr>
+          <p:cNvPr id="12" name="타원 11"/>
+          <p:cNvSpPr/>
+          <p:nvPr/>
+        </p:nvSpPr>
+        <p:spPr>
+          <a:xfrm>
+            <a:off x="520642" y="1881362"/>
+            <a:ext cx="271002" cy="271002"/>
+          </a:xfrm>
+          <a:prstGeom prst="ellipse">
+            <a:avLst/>
+          </a:prstGeom>
+          <a:solidFill>
+            <a:srgbClr val="201533"/>
+          </a:solidFill>
+          <a:ln>
+            <a:noFill/>
+          </a:ln>
+        </p:spPr>
+        <p:style>
+          <a:lnRef idx="2">
+            <a:schemeClr val="accent1">
+              <a:shade val="50000"/>
+            </a:schemeClr>
+          </a:lnRef>
+          <a:fillRef idx="1">
+            <a:schemeClr val="accent1"/>
+          </a:fillRef>
+          <a:effectRef idx="0">
+            <a:schemeClr val="accent1"/>
+          </a:effectRef>
+          <a:fontRef idx="minor">
+            <a:schemeClr val="lt1"/>
+          </a:fontRef>
+        </p:style>
+        <p:txBody>
+          <a:bodyPr rtlCol="0" anchor="ctr"/>
+          <a:lstStyle/>
+          <a:p>
+            <a:pPr algn="ctr"/>
+            <a:r>
+              <a:rPr lang="en-US" altLang="ko-KR" sz="1800" dirty="0" smtClean="0">
+                <a:latin typeface="+mn-ea"/>
+              </a:rPr>
+              <a:t>1</a:t>
+            </a:r>
+            <a:endParaRPr lang="ko-KR" altLang="en-US" sz="1800" dirty="0">
+              <a:latin typeface="+mn-ea"/>
+            </a:endParaRPr>
+          </a:p>
+        </p:txBody>
+      </p:sp>
+      <p:sp>
+        <p:nvSpPr>
+          <p:cNvPr id="13" name="모서리가 둥근 직사각형 12"/>
+          <p:cNvSpPr/>
+          <p:nvPr/>
+        </p:nvSpPr>
+        <p:spPr>
+          <a:xfrm>
+            <a:off x="1589597" y="2795682"/>
+            <a:ext cx="1542206" cy="341384"/>
+          </a:xfrm>
+          <a:prstGeom prst="roundRect">
+            <a:avLst>
+              <a:gd name="adj" fmla="val 50000"/>
+            </a:avLst>
+          </a:prstGeom>
+          <a:solidFill>
+            <a:schemeClr val="bg1"/>
+          </a:solidFill>
+          <a:ln>
+            <a:noFill/>
+          </a:ln>
+        </p:spPr>
+        <p:style>
+          <a:lnRef idx="2">
+            <a:schemeClr val="accent1">
+              <a:shade val="50000"/>
+            </a:schemeClr>
+          </a:lnRef>
+          <a:fillRef idx="1">
+            <a:schemeClr val="accent1"/>
+          </a:fillRef>
+          <a:effectRef idx="0">
+            <a:schemeClr val="accent1"/>
+          </a:effectRef>
+          <a:fontRef idx="minor">
+            <a:schemeClr val="lt1"/>
+          </a:fontRef>
+        </p:style>
+        <p:txBody>
+          <a:bodyPr rtlCol="0" anchor="ctr"/>
+          <a:lstStyle/>
+          <a:p>
+            <a:pPr algn="ctr"/>
+            <a:endParaRPr lang="ko-KR" altLang="en-US"/>
+          </a:p>
+        </p:txBody>
+      </p:sp>
+      <p:sp>
+        <p:nvSpPr>
+          <p:cNvPr id="14" name="TextBox 13"/>
+          <p:cNvSpPr txBox="1"/>
+          <p:nvPr/>
+        </p:nvSpPr>
+        <p:spPr>
+          <a:xfrm>
+            <a:off x="1935381" y="2781708"/>
+            <a:ext cx="1189749" cy="369332"/>
+          </a:xfrm>
+          <a:prstGeom prst="rect">
+            <a:avLst/>
+          </a:prstGeom>
+          <a:noFill/>
+        </p:spPr>
+        <p:txBody>
+          <a:bodyPr wrap="none" rtlCol="0">
+            <a:spAutoFit/>
+          </a:bodyPr>
+          <a:lstStyle/>
+          <a:p>
+            <a:r>
+              <a:rPr lang="ko-KR" altLang="en-US" sz="1800" dirty="0" smtClean="0">
+                <a:solidFill>
+                  <a:srgbClr val="201533"/>
+                </a:solidFill>
+                <a:latin typeface="+mn-ea"/>
+                <a:ea typeface="+mn-ea"/>
+              </a:rPr>
+              <a:t>개발 목적</a:t>
+            </a:r>
+            <a:endParaRPr lang="ko-KR" altLang="en-US" sz="1800" dirty="0">
+              <a:solidFill>
+                <a:srgbClr val="201533"/>
+              </a:solidFill>
+              <a:latin typeface="+mn-ea"/>
+              <a:ea typeface="+mn-ea"/>
+            </a:endParaRPr>
+          </a:p>
+        </p:txBody>
+      </p:sp>
+      <p:sp>
+        <p:nvSpPr>
+          <p:cNvPr id="15" name="타원 14"/>
+          <p:cNvSpPr/>
+          <p:nvPr/>
+        </p:nvSpPr>
+        <p:spPr>
+          <a:xfrm>
+            <a:off x="1614053" y="2830873"/>
+            <a:ext cx="271002" cy="271002"/>
+          </a:xfrm>
+          <a:prstGeom prst="ellipse">
+            <a:avLst/>
+          </a:prstGeom>
+          <a:solidFill>
+            <a:srgbClr val="201533"/>
+          </a:solidFill>
+          <a:ln>
+            <a:noFill/>
+          </a:ln>
+        </p:spPr>
+        <p:style>
+          <a:lnRef idx="2">
+            <a:schemeClr val="accent1">
+              <a:shade val="50000"/>
+            </a:schemeClr>
+          </a:lnRef>
+          <a:fillRef idx="1">
+            <a:schemeClr val="accent1"/>
+          </a:fillRef>
+          <a:effectRef idx="0">
+            <a:schemeClr val="accent1"/>
+          </a:effectRef>
+          <a:fontRef idx="minor">
+            <a:schemeClr val="lt1"/>
+          </a:fontRef>
+        </p:style>
+        <p:txBody>
+          <a:bodyPr rtlCol="0" anchor="ctr"/>
+          <a:lstStyle/>
+          <a:p>
+            <a:pPr algn="ctr"/>
+            <a:r>
+              <a:rPr lang="en-US" altLang="ko-KR" sz="1800" dirty="0" smtClean="0">
+                <a:latin typeface="+mn-ea"/>
+              </a:rPr>
+              <a:t>2</a:t>
+            </a:r>
+            <a:endParaRPr lang="ko-KR" altLang="en-US" sz="1800" dirty="0">
+              <a:latin typeface="+mn-ea"/>
+            </a:endParaRPr>
+          </a:p>
+        </p:txBody>
+      </p:sp>
+      <p:sp>
+        <p:nvSpPr>
+          <p:cNvPr id="16" name="모서리가 둥근 직사각형 15"/>
+          <p:cNvSpPr/>
+          <p:nvPr/>
+        </p:nvSpPr>
+        <p:spPr>
+          <a:xfrm>
+            <a:off x="2712059" y="1844684"/>
+            <a:ext cx="1542206" cy="341384"/>
+          </a:xfrm>
+          <a:prstGeom prst="roundRect">
+            <a:avLst>
+              <a:gd name="adj" fmla="val 50000"/>
+            </a:avLst>
+          </a:prstGeom>
+          <a:solidFill>
+            <a:schemeClr val="bg1"/>
+          </a:solidFill>
+          <a:ln>
+            <a:noFill/>
+          </a:ln>
+        </p:spPr>
+        <p:style>
+          <a:lnRef idx="2">
+            <a:schemeClr val="accent1">
+              <a:shade val="50000"/>
+            </a:schemeClr>
+          </a:lnRef>
+          <a:fillRef idx="1">
+            <a:schemeClr val="accent1"/>
+          </a:fillRef>
+          <a:effectRef idx="0">
+            <a:schemeClr val="accent1"/>
+          </a:effectRef>
+          <a:fontRef idx="minor">
+            <a:schemeClr val="lt1"/>
+          </a:fontRef>
+        </p:style>
+        <p:txBody>
+          <a:bodyPr rtlCol="0" anchor="ctr"/>
+          <a:lstStyle/>
+          <a:p>
+            <a:pPr algn="ctr"/>
+            <a:endParaRPr lang="ko-KR" altLang="en-US"/>
+          </a:p>
+        </p:txBody>
+      </p:sp>
+      <p:sp>
+        <p:nvSpPr>
+          <p:cNvPr id="17" name="TextBox 16"/>
+          <p:cNvSpPr txBox="1"/>
+          <p:nvPr/>
+        </p:nvSpPr>
+        <p:spPr>
+          <a:xfrm>
+            <a:off x="3057843" y="1830710"/>
+            <a:ext cx="1107996" cy="369332"/>
+          </a:xfrm>
+          <a:prstGeom prst="rect">
+            <a:avLst/>
+          </a:prstGeom>
+          <a:noFill/>
+        </p:spPr>
+        <p:txBody>
+          <a:bodyPr wrap="none" rtlCol="0">
+            <a:spAutoFit/>
+          </a:bodyPr>
+          <a:lstStyle/>
+          <a:p>
+            <a:r>
+              <a:rPr lang="ko-KR" altLang="en-US" sz="1800" dirty="0" smtClean="0">
+                <a:solidFill>
+                  <a:srgbClr val="201533"/>
+                </a:solidFill>
+                <a:latin typeface="+mn-ea"/>
+                <a:ea typeface="+mn-ea"/>
+              </a:rPr>
+              <a:t>요구사항</a:t>
+            </a:r>
+            <a:endParaRPr lang="ko-KR" altLang="en-US" sz="1800" dirty="0">
+              <a:solidFill>
+                <a:srgbClr val="201533"/>
+              </a:solidFill>
+              <a:latin typeface="+mn-ea"/>
+              <a:ea typeface="+mn-ea"/>
+            </a:endParaRPr>
+          </a:p>
+        </p:txBody>
+      </p:sp>
+      <p:sp>
+        <p:nvSpPr>
+          <p:cNvPr id="18" name="타원 17"/>
+          <p:cNvSpPr/>
+          <p:nvPr/>
+        </p:nvSpPr>
+        <p:spPr>
+          <a:xfrm>
+            <a:off x="2736515" y="1879875"/>
+            <a:ext cx="271002" cy="271002"/>
+          </a:xfrm>
+          <a:prstGeom prst="ellipse">
+            <a:avLst/>
+          </a:prstGeom>
+          <a:solidFill>
+            <a:srgbClr val="201533"/>
+          </a:solidFill>
+          <a:ln>
+            <a:noFill/>
+          </a:ln>
+        </p:spPr>
+        <p:style>
+          <a:lnRef idx="2">
+            <a:schemeClr val="accent1">
+              <a:shade val="50000"/>
+            </a:schemeClr>
+          </a:lnRef>
+          <a:fillRef idx="1">
+            <a:schemeClr val="accent1"/>
+          </a:fillRef>
+          <a:effectRef idx="0">
+            <a:schemeClr val="accent1"/>
+          </a:effectRef>
+          <a:fontRef idx="minor">
+            <a:schemeClr val="lt1"/>
+          </a:fontRef>
+        </p:style>
+        <p:txBody>
+          <a:bodyPr rtlCol="0" anchor="ctr"/>
+          <a:lstStyle/>
+          <a:p>
+            <a:pPr algn="ctr"/>
+            <a:r>
+              <a:rPr lang="en-US" altLang="ko-KR" sz="1800" dirty="0" smtClean="0">
+                <a:latin typeface="+mn-ea"/>
+              </a:rPr>
+              <a:t>3</a:t>
+            </a:r>
+            <a:endParaRPr lang="ko-KR" altLang="en-US" sz="1800" dirty="0">
+              <a:latin typeface="+mn-ea"/>
+            </a:endParaRPr>
+          </a:p>
+        </p:txBody>
+      </p:sp>
+      <p:sp>
+        <p:nvSpPr>
+          <p:cNvPr id="19" name="모서리가 둥근 직사각형 18"/>
+          <p:cNvSpPr/>
+          <p:nvPr/>
+        </p:nvSpPr>
+        <p:spPr>
+          <a:xfrm>
+            <a:off x="3864774" y="2795682"/>
+            <a:ext cx="1542206" cy="341384"/>
+          </a:xfrm>
+          <a:prstGeom prst="roundRect">
+            <a:avLst>
+              <a:gd name="adj" fmla="val 50000"/>
+            </a:avLst>
+          </a:prstGeom>
+          <a:solidFill>
+            <a:schemeClr val="bg1"/>
+          </a:solidFill>
+          <a:ln>
+            <a:noFill/>
+          </a:ln>
+        </p:spPr>
+        <p:style>
+          <a:lnRef idx="2">
+            <a:schemeClr val="accent1">
+              <a:shade val="50000"/>
+            </a:schemeClr>
+          </a:lnRef>
+          <a:fillRef idx="1">
+            <a:schemeClr val="accent1"/>
+          </a:fillRef>
+          <a:effectRef idx="0">
+            <a:schemeClr val="accent1"/>
+          </a:effectRef>
+          <a:fontRef idx="minor">
+            <a:schemeClr val="lt1"/>
+          </a:fontRef>
+        </p:style>
+        <p:txBody>
+          <a:bodyPr rtlCol="0" anchor="ctr"/>
+          <a:lstStyle/>
+          <a:p>
+            <a:pPr algn="ctr"/>
+            <a:endParaRPr lang="ko-KR" altLang="en-US"/>
+          </a:p>
+        </p:txBody>
+      </p:sp>
+      <p:sp>
+        <p:nvSpPr>
+          <p:cNvPr id="20" name="TextBox 19"/>
+          <p:cNvSpPr txBox="1"/>
+          <p:nvPr/>
+        </p:nvSpPr>
+        <p:spPr>
+          <a:xfrm>
+            <a:off x="4210558" y="2781708"/>
+            <a:ext cx="1189749" cy="369332"/>
+          </a:xfrm>
+          <a:prstGeom prst="rect">
+            <a:avLst/>
+          </a:prstGeom>
+          <a:noFill/>
+        </p:spPr>
+        <p:txBody>
+          <a:bodyPr wrap="none" rtlCol="0">
+            <a:spAutoFit/>
+          </a:bodyPr>
+          <a:lstStyle/>
+          <a:p>
+            <a:r>
+              <a:rPr lang="ko-KR" altLang="en-US" sz="1800" dirty="0" smtClean="0">
+                <a:solidFill>
+                  <a:srgbClr val="201533"/>
+                </a:solidFill>
+                <a:latin typeface="+mn-ea"/>
+                <a:ea typeface="+mn-ea"/>
+              </a:rPr>
+              <a:t>시연 영상</a:t>
+            </a:r>
+            <a:endParaRPr lang="ko-KR" altLang="en-US" sz="1800" dirty="0">
+              <a:solidFill>
+                <a:srgbClr val="201533"/>
+              </a:solidFill>
+              <a:latin typeface="+mn-ea"/>
+              <a:ea typeface="+mn-ea"/>
+            </a:endParaRPr>
+          </a:p>
+        </p:txBody>
+      </p:sp>
+      <p:sp>
+        <p:nvSpPr>
+          <p:cNvPr id="21" name="타원 20"/>
+          <p:cNvSpPr/>
+          <p:nvPr/>
+        </p:nvSpPr>
+        <p:spPr>
+          <a:xfrm>
+            <a:off x="3889230" y="2830873"/>
+            <a:ext cx="271002" cy="271002"/>
+          </a:xfrm>
+          <a:prstGeom prst="ellipse">
+            <a:avLst/>
+          </a:prstGeom>
+          <a:solidFill>
+            <a:srgbClr val="201533"/>
+          </a:solidFill>
+          <a:ln>
+            <a:noFill/>
+          </a:ln>
+        </p:spPr>
+        <p:style>
+          <a:lnRef idx="2">
+            <a:schemeClr val="accent1">
+              <a:shade val="50000"/>
+            </a:schemeClr>
+          </a:lnRef>
+          <a:fillRef idx="1">
+            <a:schemeClr val="accent1"/>
+          </a:fillRef>
+          <a:effectRef idx="0">
+            <a:schemeClr val="accent1"/>
+          </a:effectRef>
+          <a:fontRef idx="minor">
+            <a:schemeClr val="lt1"/>
+          </a:fontRef>
+        </p:style>
+        <p:txBody>
+          <a:bodyPr rtlCol="0" anchor="ctr"/>
+          <a:lstStyle/>
+          <a:p>
+            <a:pPr algn="ctr"/>
+            <a:r>
+              <a:rPr lang="en-US" altLang="ko-KR" sz="1800" dirty="0" smtClean="0">
+                <a:latin typeface="+mn-ea"/>
+              </a:rPr>
+              <a:t>4</a:t>
+            </a:r>
+            <a:endParaRPr lang="ko-KR" altLang="en-US" sz="1800" dirty="0">
+              <a:latin typeface="+mn-ea"/>
+            </a:endParaRPr>
+          </a:p>
+        </p:txBody>
+      </p:sp>
+      <p:sp>
+        <p:nvSpPr>
+          <p:cNvPr id="22" name="모서리가 둥근 직사각형 21"/>
+          <p:cNvSpPr/>
+          <p:nvPr/>
+        </p:nvSpPr>
+        <p:spPr>
+          <a:xfrm>
+            <a:off x="5036359" y="1825358"/>
+            <a:ext cx="1542206" cy="341384"/>
+          </a:xfrm>
+          <a:prstGeom prst="roundRect">
+            <a:avLst>
+              <a:gd name="adj" fmla="val 50000"/>
+            </a:avLst>
+          </a:prstGeom>
+          <a:solidFill>
+            <a:schemeClr val="bg1"/>
+          </a:solidFill>
+          <a:ln>
+            <a:noFill/>
+          </a:ln>
+        </p:spPr>
+        <p:style>
+          <a:lnRef idx="2">
+            <a:schemeClr val="accent1">
+              <a:shade val="50000"/>
+            </a:schemeClr>
+          </a:lnRef>
+          <a:fillRef idx="1">
+            <a:schemeClr val="accent1"/>
+          </a:fillRef>
+          <a:effectRef idx="0">
+            <a:schemeClr val="accent1"/>
+          </a:effectRef>
+          <a:fontRef idx="minor">
+            <a:schemeClr val="lt1"/>
+          </a:fontRef>
+        </p:style>
+        <p:txBody>
+          <a:bodyPr rtlCol="0" anchor="ctr"/>
+          <a:lstStyle/>
+          <a:p>
+            <a:pPr algn="ctr"/>
+            <a:endParaRPr lang="ko-KR" altLang="en-US"/>
+          </a:p>
+        </p:txBody>
+      </p:sp>
+      <p:sp>
+        <p:nvSpPr>
+          <p:cNvPr id="23" name="TextBox 22"/>
+          <p:cNvSpPr txBox="1"/>
+          <p:nvPr/>
+        </p:nvSpPr>
+        <p:spPr>
+          <a:xfrm>
+            <a:off x="5382143" y="1811384"/>
+            <a:ext cx="1189749" cy="369332"/>
+          </a:xfrm>
+          <a:prstGeom prst="rect">
+            <a:avLst/>
+          </a:prstGeom>
+          <a:noFill/>
+        </p:spPr>
+        <p:txBody>
+          <a:bodyPr wrap="none" rtlCol="0">
+            <a:spAutoFit/>
+          </a:bodyPr>
+          <a:lstStyle/>
+          <a:p>
+            <a:r>
+              <a:rPr lang="ko-KR" altLang="en-US" sz="1800" dirty="0" smtClean="0">
+                <a:solidFill>
+                  <a:srgbClr val="201533"/>
+                </a:solidFill>
+                <a:latin typeface="+mn-ea"/>
+                <a:ea typeface="+mn-ea"/>
+              </a:rPr>
+              <a:t>코드 리뷰</a:t>
+            </a:r>
+            <a:endParaRPr lang="ko-KR" altLang="en-US" sz="1800" dirty="0">
+              <a:solidFill>
+                <a:srgbClr val="201533"/>
+              </a:solidFill>
+              <a:latin typeface="+mn-ea"/>
+              <a:ea typeface="+mn-ea"/>
+            </a:endParaRPr>
+          </a:p>
+        </p:txBody>
+      </p:sp>
+      <p:sp>
+        <p:nvSpPr>
+          <p:cNvPr id="24" name="타원 23"/>
+          <p:cNvSpPr/>
+          <p:nvPr/>
+        </p:nvSpPr>
+        <p:spPr>
+          <a:xfrm>
+            <a:off x="5060815" y="1860549"/>
+            <a:ext cx="271002" cy="271002"/>
+          </a:xfrm>
+          <a:prstGeom prst="ellipse">
+            <a:avLst/>
+          </a:prstGeom>
+          <a:solidFill>
+            <a:srgbClr val="201533"/>
+          </a:solidFill>
+          <a:ln>
+            <a:noFill/>
+          </a:ln>
+        </p:spPr>
+        <p:style>
+          <a:lnRef idx="2">
+            <a:schemeClr val="accent1">
+              <a:shade val="50000"/>
+            </a:schemeClr>
+          </a:lnRef>
+          <a:fillRef idx="1">
+            <a:schemeClr val="accent1"/>
+          </a:fillRef>
+          <a:effectRef idx="0">
+            <a:schemeClr val="accent1"/>
+          </a:effectRef>
+          <a:fontRef idx="minor">
+            <a:schemeClr val="lt1"/>
+          </a:fontRef>
+        </p:style>
+        <p:txBody>
+          <a:bodyPr rtlCol="0" anchor="ctr"/>
+          <a:lstStyle/>
+          <a:p>
+            <a:pPr algn="ctr"/>
+            <a:r>
+              <a:rPr lang="en-US" altLang="ko-KR" sz="1800" dirty="0" smtClean="0">
+                <a:latin typeface="+mn-ea"/>
+              </a:rPr>
+              <a:t>5</a:t>
+            </a:r>
+            <a:endParaRPr lang="ko-KR" altLang="en-US" sz="1800" dirty="0">
+              <a:latin typeface="+mn-ea"/>
+            </a:endParaRPr>
+          </a:p>
+        </p:txBody>
+      </p:sp>
+      <p:sp>
+        <p:nvSpPr>
+          <p:cNvPr id="26" name="모서리가 둥근 직사각형 25"/>
+          <p:cNvSpPr/>
+          <p:nvPr/>
+        </p:nvSpPr>
+        <p:spPr>
+          <a:xfrm>
+            <a:off x="6130266" y="2795682"/>
+            <a:ext cx="1542206" cy="341384"/>
+          </a:xfrm>
+          <a:prstGeom prst="roundRect">
+            <a:avLst>
+              <a:gd name="adj" fmla="val 50000"/>
+            </a:avLst>
+          </a:prstGeom>
+          <a:solidFill>
+            <a:schemeClr val="bg1"/>
+          </a:solidFill>
+          <a:ln>
+            <a:noFill/>
+          </a:ln>
+        </p:spPr>
+        <p:style>
+          <a:lnRef idx="2">
+            <a:schemeClr val="accent1">
+              <a:shade val="50000"/>
+            </a:schemeClr>
+          </a:lnRef>
+          <a:fillRef idx="1">
+            <a:schemeClr val="accent1"/>
+          </a:fillRef>
+          <a:effectRef idx="0">
+            <a:schemeClr val="accent1"/>
+          </a:effectRef>
+          <a:fontRef idx="minor">
+            <a:schemeClr val="lt1"/>
+          </a:fontRef>
+        </p:style>
+        <p:txBody>
+          <a:bodyPr rtlCol="0" anchor="ctr"/>
+          <a:lstStyle/>
+          <a:p>
+            <a:pPr algn="ctr"/>
+            <a:endParaRPr lang="ko-KR" altLang="en-US"/>
+          </a:p>
+        </p:txBody>
+      </p:sp>
+      <p:sp>
+        <p:nvSpPr>
+          <p:cNvPr id="27" name="TextBox 26"/>
+          <p:cNvSpPr txBox="1"/>
+          <p:nvPr/>
+        </p:nvSpPr>
+        <p:spPr>
+          <a:xfrm>
+            <a:off x="6476050" y="2781708"/>
+            <a:ext cx="1189749" cy="369332"/>
+          </a:xfrm>
+          <a:prstGeom prst="rect">
+            <a:avLst/>
+          </a:prstGeom>
+          <a:noFill/>
+        </p:spPr>
+        <p:txBody>
+          <a:bodyPr wrap="none" rtlCol="0">
+            <a:spAutoFit/>
+          </a:bodyPr>
+          <a:lstStyle/>
+          <a:p>
+            <a:r>
+              <a:rPr lang="ko-KR" altLang="en-US" sz="1800" dirty="0" smtClean="0">
+                <a:solidFill>
+                  <a:srgbClr val="201533"/>
+                </a:solidFill>
+                <a:latin typeface="+mn-ea"/>
+                <a:ea typeface="+mn-ea"/>
+              </a:rPr>
+              <a:t>개선 방안</a:t>
+            </a:r>
+            <a:endParaRPr lang="ko-KR" altLang="en-US" sz="1800" dirty="0">
+              <a:solidFill>
+                <a:srgbClr val="201533"/>
+              </a:solidFill>
+              <a:latin typeface="+mn-ea"/>
+              <a:ea typeface="+mn-ea"/>
+            </a:endParaRPr>
+          </a:p>
+        </p:txBody>
+      </p:sp>
+      <p:sp>
+        <p:nvSpPr>
+          <p:cNvPr id="28" name="타원 27"/>
+          <p:cNvSpPr/>
+          <p:nvPr/>
+        </p:nvSpPr>
+        <p:spPr>
+          <a:xfrm>
+            <a:off x="6154722" y="2830873"/>
+            <a:ext cx="271002" cy="271002"/>
+          </a:xfrm>
+          <a:prstGeom prst="ellipse">
+            <a:avLst/>
+          </a:prstGeom>
+          <a:solidFill>
+            <a:srgbClr val="201533"/>
+          </a:solidFill>
+          <a:ln>
+            <a:noFill/>
+          </a:ln>
+        </p:spPr>
+        <p:style>
+          <a:lnRef idx="2">
+            <a:schemeClr val="accent1">
+              <a:shade val="50000"/>
+            </a:schemeClr>
+          </a:lnRef>
+          <a:fillRef idx="1">
+            <a:schemeClr val="accent1"/>
+          </a:fillRef>
+          <a:effectRef idx="0">
+            <a:schemeClr val="accent1"/>
+          </a:effectRef>
+          <a:fontRef idx="minor">
+            <a:schemeClr val="lt1"/>
+          </a:fontRef>
+        </p:style>
+        <p:txBody>
+          <a:bodyPr rtlCol="0" anchor="ctr"/>
+          <a:lstStyle/>
+          <a:p>
+            <a:pPr algn="ctr"/>
+            <a:r>
+              <a:rPr lang="en-US" altLang="ko-KR" sz="1800" dirty="0" smtClean="0">
+                <a:latin typeface="+mn-ea"/>
+              </a:rPr>
+              <a:t>6</a:t>
+            </a:r>
+            <a:endParaRPr lang="ko-KR" altLang="en-US" sz="1800" dirty="0">
+              <a:latin typeface="+mn-ea"/>
+            </a:endParaRPr>
+          </a:p>
+        </p:txBody>
+      </p:sp>
+      <p:sp>
+        <p:nvSpPr>
+          <p:cNvPr id="29" name="모서리가 둥근 직사각형 28"/>
+          <p:cNvSpPr/>
+          <p:nvPr/>
+        </p:nvSpPr>
+        <p:spPr>
+          <a:xfrm>
+            <a:off x="7119785" y="1825358"/>
+            <a:ext cx="1542206" cy="341384"/>
+          </a:xfrm>
+          <a:prstGeom prst="roundRect">
+            <a:avLst>
+              <a:gd name="adj" fmla="val 50000"/>
+            </a:avLst>
+          </a:prstGeom>
+          <a:solidFill>
+            <a:schemeClr val="bg1"/>
+          </a:solidFill>
+          <a:ln>
+            <a:noFill/>
+          </a:ln>
+        </p:spPr>
+        <p:style>
+          <a:lnRef idx="2">
+            <a:schemeClr val="accent1">
+              <a:shade val="50000"/>
+            </a:schemeClr>
+          </a:lnRef>
+          <a:fillRef idx="1">
+            <a:schemeClr val="accent1"/>
+          </a:fillRef>
+          <a:effectRef idx="0">
+            <a:schemeClr val="accent1"/>
+          </a:effectRef>
+          <a:fontRef idx="minor">
+            <a:schemeClr val="lt1"/>
+          </a:fontRef>
+        </p:style>
+        <p:txBody>
+          <a:bodyPr rtlCol="0" anchor="ctr"/>
+          <a:lstStyle/>
+          <a:p>
+            <a:pPr algn="ctr"/>
+            <a:endParaRPr lang="ko-KR" altLang="en-US"/>
+          </a:p>
+        </p:txBody>
+      </p:sp>
+      <p:sp>
+        <p:nvSpPr>
+          <p:cNvPr id="30" name="TextBox 29"/>
+          <p:cNvSpPr txBox="1"/>
+          <p:nvPr/>
+        </p:nvSpPr>
+        <p:spPr>
+          <a:xfrm>
+            <a:off x="7465569" y="1811384"/>
+            <a:ext cx="683200" cy="369332"/>
+          </a:xfrm>
+          <a:prstGeom prst="rect">
+            <a:avLst/>
+          </a:prstGeom>
+          <a:noFill/>
+        </p:spPr>
+        <p:txBody>
+          <a:bodyPr wrap="none" rtlCol="0">
+            <a:spAutoFit/>
+          </a:bodyPr>
+          <a:lstStyle/>
+          <a:p>
+            <a:r>
+              <a:rPr lang="en-US" altLang="ko-KR" sz="1800" dirty="0" smtClean="0">
+                <a:solidFill>
+                  <a:srgbClr val="201533"/>
+                </a:solidFill>
+                <a:latin typeface="+mn-ea"/>
+                <a:ea typeface="+mn-ea"/>
+              </a:rPr>
+              <a:t>Q</a:t>
+            </a:r>
+            <a:r>
+              <a:rPr lang="en-US" altLang="ko-KR" dirty="0" smtClean="0">
+                <a:solidFill>
+                  <a:srgbClr val="201533"/>
+                </a:solidFill>
+                <a:latin typeface="+mn-ea"/>
+                <a:ea typeface="+mn-ea"/>
+              </a:rPr>
+              <a:t>&amp;</a:t>
+            </a:r>
+            <a:r>
+              <a:rPr lang="en-US" altLang="ko-KR" sz="1800" dirty="0" smtClean="0">
+                <a:solidFill>
+                  <a:srgbClr val="201533"/>
+                </a:solidFill>
+                <a:latin typeface="+mn-ea"/>
+                <a:ea typeface="+mn-ea"/>
+              </a:rPr>
+              <a:t>A</a:t>
+            </a:r>
+            <a:endParaRPr lang="ko-KR" altLang="en-US" sz="1800" dirty="0">
+              <a:solidFill>
+                <a:srgbClr val="201533"/>
+              </a:solidFill>
+              <a:latin typeface="+mn-ea"/>
+              <a:ea typeface="+mn-ea"/>
+            </a:endParaRPr>
+          </a:p>
+        </p:txBody>
+      </p:sp>
+      <p:sp>
+        <p:nvSpPr>
+          <p:cNvPr id="31" name="타원 30"/>
+          <p:cNvSpPr/>
+          <p:nvPr/>
+        </p:nvSpPr>
+        <p:spPr>
+          <a:xfrm>
+            <a:off x="7144241" y="1860549"/>
+            <a:ext cx="271002" cy="271002"/>
+          </a:xfrm>
+          <a:prstGeom prst="ellipse">
+            <a:avLst/>
+          </a:prstGeom>
+          <a:solidFill>
+            <a:srgbClr val="201533"/>
+          </a:solidFill>
+          <a:ln>
+            <a:noFill/>
+          </a:ln>
+        </p:spPr>
+        <p:style>
+          <a:lnRef idx="2">
+            <a:schemeClr val="accent1">
+              <a:shade val="50000"/>
+            </a:schemeClr>
+          </a:lnRef>
+          <a:fillRef idx="1">
+            <a:schemeClr val="accent1"/>
+          </a:fillRef>
+          <a:effectRef idx="0">
+            <a:schemeClr val="accent1"/>
+          </a:effectRef>
+          <a:fontRef idx="minor">
+            <a:schemeClr val="lt1"/>
+          </a:fontRef>
+        </p:style>
+        <p:txBody>
+          <a:bodyPr rtlCol="0" anchor="ctr"/>
+          <a:lstStyle/>
+          <a:p>
+            <a:pPr algn="ctr"/>
+            <a:r>
+              <a:rPr lang="en-US" altLang="ko-KR" sz="1800" dirty="0" smtClean="0">
+                <a:latin typeface="+mn-ea"/>
+              </a:rPr>
+              <a:t>7</a:t>
+            </a:r>
+            <a:endParaRPr lang="ko-KR" altLang="en-US" sz="1800" dirty="0">
+              <a:latin typeface="+mn-ea"/>
+            </a:endParaRPr>
+          </a:p>
+        </p:txBody>
+      </p:sp>
+      <p:sp>
+        <p:nvSpPr>
+          <p:cNvPr id="32" name="슬라이드 번호 개체 틀 31"/>
+          <p:cNvSpPr>
+            <a:spLocks noGrp="1"/>
+          </p:cNvSpPr>
+          <p:nvPr>
+            <p:ph type="sldNum" idx="12"/>
+          </p:nvPr>
+        </p:nvSpPr>
+        <p:spPr>
+          <a:xfrm>
+            <a:off x="6968313" y="4767263"/>
+            <a:ext cx="2057400" cy="273900"/>
+          </a:xfrm>
+        </p:spPr>
+        <p:txBody>
+          <a:bodyPr/>
+          <a:lstStyle/>
+          <a:p>
+            <a:pPr marL="0" lvl="0" indent="0" algn="r" rtl="0">
+              <a:spcBef>
+                <a:spcPts val="0"/>
+              </a:spcBef>
+              <a:spcAft>
+                <a:spcPts val="0"/>
+              </a:spcAft>
+              <a:buNone/>
+            </a:pPr>
+            <a:fld id="{00000000-1234-1234-1234-123412341234}" type="slidenum">
+              <a:rPr lang="en-US" altLang="ko" smtClean="0"/>
+              <a:t>3</a:t>
+            </a:fld>
+            <a:endParaRPr lang="ko" altLang="en-US" dirty="0"/>
+          </a:p>
+        </p:txBody>
+      </p:sp>
+    </p:spTree>
+    <p:extLst>
+      <p:ext uri="{BB962C8B-B14F-4D97-AF65-F5344CB8AC3E}">
+        <p14:creationId xmlns:p14="http://schemas.microsoft.com/office/powerpoint/2010/main" val="3642968249"/>
+      </p:ext>
+    </p:extLst>
+  </p:cSld>
+  <p:clrMapOvr>
+    <a:masterClrMapping/>
+  </p:clrMapOvr>
+  <p:timing>
+    <p:tnLst>
+      <p:par>
+        <p:cTn id="1" dur="indefinite" restart="never" nodeType="tmRoot"/>
+      </p:par>
+    </p:tnLst>
+  </p:timing>
+</p:sld>
+</file>
+
+<file path=ppt/slides/slide4.xml><?xml version="1.0" encoding="utf-8"?>
+<p:sld xmlns:a="http://schemas.openxmlformats.org/drawingml/2006/main" xmlns:r="http://schemas.openxmlformats.org/officeDocument/2006/relationships" xmlns:p="http://schemas.openxmlformats.org/presentationml/2006/main">
+  <p:cSld>
+    <p:spTree>
+      <p:nvGrpSpPr>
+        <p:cNvPr id="1" name=""/>
+        <p:cNvGrpSpPr/>
+        <p:nvPr/>
+      </p:nvGrpSpPr>
+      <p:grpSpPr>
+        <a:xfrm>
+          <a:off x="0" y="0"/>
+          <a:ext cx="0" cy="0"/>
+          <a:chOff x="0" y="0"/>
+          <a:chExt cx="0" cy="0"/>
+        </a:xfrm>
+      </p:grpSpPr>
+      <p:sp>
+        <p:nvSpPr>
+          <p:cNvPr id="2" name="제목 1">
             <a:extLst>
               <a:ext uri="{FF2B5EF4-FFF2-40B4-BE49-F238E27FC236}">
-                <a16:creationId xmlns:a16="http://schemas.microsoft.com/office/drawing/2014/main" id="{55663366-BCD7-43C4-BBB2-2969D8C7125C}"/>
+                <a16:creationId xmlns:a16="http://schemas.microsoft.com/office/drawing/2014/main" id="{CBABC1ED-69F5-4AE0-9969-AC5A908C7275}"/>
               </a:ext>
             </a:extLst>
           </p:cNvPr>
@@ -16013,22 +17441,3657 @@
             <a:spLocks noGrp="1"/>
           </p:cNvSpPr>
           <p:nvPr>
-            <p:ph type="body" idx="1"/>
+            <p:ph type="title"/>
           </p:nvPr>
         </p:nvSpPr>
-        <p:spPr/>
+        <p:spPr>
+          <a:xfrm>
+            <a:off x="182083" y="0"/>
+            <a:ext cx="7886700" cy="994200"/>
+          </a:xfrm>
+        </p:spPr>
         <p:txBody>
           <a:bodyPr/>
           <a:lstStyle/>
           <a:p>
+            <a:r>
+              <a:rPr lang="en-US" altLang="ko-KR" b="1" dirty="0" smtClean="0"/>
+              <a:t>01. </a:t>
+            </a:r>
+            <a:r>
+              <a:rPr lang="ko-KR" altLang="en-US" b="1" dirty="0" smtClean="0"/>
+              <a:t>팀원 소개</a:t>
+            </a:r>
+            <a:endParaRPr lang="ko-KR" altLang="en-US" b="1" dirty="0"/>
+          </a:p>
+        </p:txBody>
+      </p:sp>
+      <p:pic>
+        <p:nvPicPr>
+          <p:cNvPr id="4" name="Google Shape;88;p13" descr="작은 원이 있는 그리드"/>
+          <p:cNvPicPr preferRelativeResize="0"/>
+          <p:nvPr/>
+        </p:nvPicPr>
+        <p:blipFill rotWithShape="1">
+          <a:blip r:embed="rId2">
+            <a:alphaModFix/>
+          </a:blip>
+          <a:srcRect/>
+          <a:stretch/>
+        </p:blipFill>
+        <p:spPr>
+          <a:xfrm rot="17572839" flipV="1">
+            <a:off x="7686300" y="-718616"/>
+            <a:ext cx="2239349" cy="2239343"/>
+          </a:xfrm>
+          <a:prstGeom prst="rect">
+            <a:avLst/>
+          </a:prstGeom>
+          <a:noFill/>
+          <a:ln>
+            <a:noFill/>
+          </a:ln>
+        </p:spPr>
+      </p:pic>
+      <p:sp>
+        <p:nvSpPr>
+          <p:cNvPr id="32" name="슬라이드 번호 개체 틀 31"/>
+          <p:cNvSpPr>
+            <a:spLocks noGrp="1"/>
+          </p:cNvSpPr>
+          <p:nvPr>
+            <p:ph type="sldNum" idx="12"/>
+          </p:nvPr>
+        </p:nvSpPr>
+        <p:spPr>
+          <a:xfrm>
+            <a:off x="6968313" y="4767263"/>
+            <a:ext cx="2057400" cy="273900"/>
+          </a:xfrm>
+        </p:spPr>
+        <p:txBody>
+          <a:bodyPr/>
+          <a:lstStyle/>
+          <a:p>
+            <a:pPr marL="0" lvl="0" indent="0" algn="r" rtl="0">
+              <a:spcBef>
+                <a:spcPts val="0"/>
+              </a:spcBef>
+              <a:spcAft>
+                <a:spcPts val="0"/>
+              </a:spcAft>
+              <a:buNone/>
+            </a:pPr>
+            <a:fld id="{00000000-1234-1234-1234-123412341234}" type="slidenum">
+              <a:rPr lang="en-US" altLang="ko" smtClean="0"/>
+              <a:t>4</a:t>
+            </a:fld>
+            <a:endParaRPr lang="ko" altLang="en-US" dirty="0"/>
+          </a:p>
+        </p:txBody>
+      </p:sp>
+      <p:sp>
+        <p:nvSpPr>
+          <p:cNvPr id="5" name="모서리가 둥근 직사각형 4"/>
+          <p:cNvSpPr/>
+          <p:nvPr/>
+        </p:nvSpPr>
+        <p:spPr>
+          <a:xfrm>
+            <a:off x="536466" y="1132951"/>
+            <a:ext cx="3950474" cy="1674044"/>
+          </a:xfrm>
+          <a:prstGeom prst="roundRect">
+            <a:avLst>
+              <a:gd name="adj" fmla="val 6269"/>
+            </a:avLst>
+          </a:prstGeom>
+          <a:solidFill>
+            <a:schemeClr val="bg1"/>
+          </a:solidFill>
+          <a:ln>
+            <a:noFill/>
+          </a:ln>
+        </p:spPr>
+        <p:style>
+          <a:lnRef idx="2">
+            <a:schemeClr val="accent1">
+              <a:shade val="50000"/>
+            </a:schemeClr>
+          </a:lnRef>
+          <a:fillRef idx="1">
+            <a:schemeClr val="accent1"/>
+          </a:fillRef>
+          <a:effectRef idx="0">
+            <a:schemeClr val="accent1"/>
+          </a:effectRef>
+          <a:fontRef idx="minor">
+            <a:schemeClr val="lt1"/>
+          </a:fontRef>
+        </p:style>
+        <p:txBody>
+          <a:bodyPr rtlCol="0" anchor="ctr"/>
+          <a:lstStyle/>
+          <a:p>
+            <a:pPr algn="ctr"/>
             <a:endParaRPr lang="ko-KR" altLang="en-US"/>
+          </a:p>
+        </p:txBody>
+      </p:sp>
+      <p:grpSp>
+        <p:nvGrpSpPr>
+          <p:cNvPr id="7" name="그룹 6"/>
+          <p:cNvGrpSpPr/>
+          <p:nvPr/>
+        </p:nvGrpSpPr>
+        <p:grpSpPr>
+          <a:xfrm>
+            <a:off x="724309" y="1237834"/>
+            <a:ext cx="3571244" cy="386506"/>
+            <a:chOff x="928576" y="1516908"/>
+            <a:chExt cx="1542206" cy="386506"/>
+          </a:xfrm>
+        </p:grpSpPr>
+        <p:sp>
+          <p:nvSpPr>
+            <p:cNvPr id="41" name="모서리가 둥근 직사각형 40"/>
+            <p:cNvSpPr/>
+            <p:nvPr/>
+          </p:nvSpPr>
+          <p:spPr>
+            <a:xfrm>
+              <a:off x="928576" y="1516908"/>
+              <a:ext cx="1542206" cy="341384"/>
+            </a:xfrm>
+            <a:prstGeom prst="roundRect">
+              <a:avLst>
+                <a:gd name="adj" fmla="val 20931"/>
+              </a:avLst>
+            </a:prstGeom>
+            <a:solidFill>
+              <a:schemeClr val="bg1"/>
+            </a:solidFill>
+            <a:ln w="28575">
+              <a:solidFill>
+                <a:srgbClr val="201533"/>
+              </a:solidFill>
+            </a:ln>
+          </p:spPr>
+          <p:style>
+            <a:lnRef idx="2">
+              <a:schemeClr val="accent1">
+                <a:shade val="50000"/>
+              </a:schemeClr>
+            </a:lnRef>
+            <a:fillRef idx="1">
+              <a:schemeClr val="accent1"/>
+            </a:fillRef>
+            <a:effectRef idx="0">
+              <a:schemeClr val="accent1"/>
+            </a:effectRef>
+            <a:fontRef idx="minor">
+              <a:schemeClr val="lt1"/>
+            </a:fontRef>
+          </p:style>
+          <p:txBody>
+            <a:bodyPr rtlCol="0" anchor="ctr"/>
+            <a:lstStyle/>
+            <a:p>
+              <a:pPr algn="ctr"/>
+              <a:endParaRPr lang="ko-KR" altLang="en-US" sz="1600"/>
+            </a:p>
+          </p:txBody>
+        </p:sp>
+        <p:sp>
+          <p:nvSpPr>
+            <p:cNvPr id="33" name="Google Shape;672;p72">
+              <a:extLst>
+                <a:ext uri="{FF2B5EF4-FFF2-40B4-BE49-F238E27FC236}">
+                  <a16:creationId xmlns:a16="http://schemas.microsoft.com/office/drawing/2014/main" id="{2ED4213A-D4CA-FA06-B4D9-32BD1C41A5FA}"/>
+                </a:ext>
+              </a:extLst>
+            </p:cNvPr>
+            <p:cNvSpPr txBox="1">
+              <a:spLocks/>
+            </p:cNvSpPr>
+            <p:nvPr/>
+          </p:nvSpPr>
+          <p:spPr>
+            <a:xfrm>
+              <a:off x="928576" y="1582346"/>
+              <a:ext cx="1542206" cy="321068"/>
+            </a:xfrm>
+            <a:prstGeom prst="rect">
+              <a:avLst/>
+            </a:prstGeom>
+          </p:spPr>
+          <p:txBody>
+            <a:bodyPr spcFirstLastPara="1" wrap="square" lIns="91425" tIns="91425" rIns="91425" bIns="91425" anchor="b" anchorCtr="0">
+              <a:noAutofit/>
+            </a:bodyPr>
+            <a:lstStyle>
+              <a:defPPr marR="0" lvl="0" algn="l" rtl="0">
+                <a:lnSpc>
+                  <a:spcPct val="100000"/>
+                </a:lnSpc>
+                <a:spcBef>
+                  <a:spcPts val="0"/>
+                </a:spcBef>
+                <a:spcAft>
+                  <a:spcPts val="0"/>
+                </a:spcAft>
+              </a:defPPr>
+              <a:lvl1pPr marR="0" lvl="0" algn="l" rtl="0">
+                <a:lnSpc>
+                  <a:spcPct val="80000"/>
+                </a:lnSpc>
+                <a:spcBef>
+                  <a:spcPts val="0"/>
+                </a:spcBef>
+                <a:spcAft>
+                  <a:spcPts val="0"/>
+                </a:spcAft>
+                <a:buClr>
+                  <a:srgbClr val="000000"/>
+                </a:buClr>
+                <a:buSzPts val="2800"/>
+                <a:buFont typeface="Arial"/>
+                <a:buNone/>
+                <a:defRPr sz="1400" b="0" i="0" u="none" strike="noStrike" cap="none">
+                  <a:solidFill>
+                    <a:srgbClr val="000000"/>
+                  </a:solidFill>
+                  <a:latin typeface="Arial"/>
+                  <a:ea typeface="Arial"/>
+                  <a:cs typeface="Arial"/>
+                  <a:sym typeface="Arial"/>
+                </a:defRPr>
+              </a:lvl1pPr>
+              <a:lvl2pPr marR="0" lvl="1" algn="l" rtl="0">
+                <a:lnSpc>
+                  <a:spcPct val="80000"/>
+                </a:lnSpc>
+                <a:spcBef>
+                  <a:spcPts val="0"/>
+                </a:spcBef>
+                <a:spcAft>
+                  <a:spcPts val="0"/>
+                </a:spcAft>
+                <a:buClr>
+                  <a:srgbClr val="000000"/>
+                </a:buClr>
+                <a:buSzPts val="2800"/>
+                <a:buFont typeface="Arial"/>
+                <a:buNone/>
+                <a:defRPr sz="1400" b="0" i="0" u="none" strike="noStrike" cap="none">
+                  <a:solidFill>
+                    <a:srgbClr val="000000"/>
+                  </a:solidFill>
+                  <a:latin typeface="Arial"/>
+                  <a:ea typeface="Arial"/>
+                  <a:cs typeface="Arial"/>
+                  <a:sym typeface="Arial"/>
+                </a:defRPr>
+              </a:lvl2pPr>
+              <a:lvl3pPr marR="0" lvl="2" algn="l" rtl="0">
+                <a:lnSpc>
+                  <a:spcPct val="80000"/>
+                </a:lnSpc>
+                <a:spcBef>
+                  <a:spcPts val="0"/>
+                </a:spcBef>
+                <a:spcAft>
+                  <a:spcPts val="0"/>
+                </a:spcAft>
+                <a:buClr>
+                  <a:srgbClr val="000000"/>
+                </a:buClr>
+                <a:buSzPts val="2800"/>
+                <a:buFont typeface="Arial"/>
+                <a:buNone/>
+                <a:defRPr sz="1400" b="0" i="0" u="none" strike="noStrike" cap="none">
+                  <a:solidFill>
+                    <a:srgbClr val="000000"/>
+                  </a:solidFill>
+                  <a:latin typeface="Arial"/>
+                  <a:ea typeface="Arial"/>
+                  <a:cs typeface="Arial"/>
+                  <a:sym typeface="Arial"/>
+                </a:defRPr>
+              </a:lvl3pPr>
+              <a:lvl4pPr marR="0" lvl="3" algn="l" rtl="0">
+                <a:lnSpc>
+                  <a:spcPct val="80000"/>
+                </a:lnSpc>
+                <a:spcBef>
+                  <a:spcPts val="0"/>
+                </a:spcBef>
+                <a:spcAft>
+                  <a:spcPts val="0"/>
+                </a:spcAft>
+                <a:buClr>
+                  <a:srgbClr val="000000"/>
+                </a:buClr>
+                <a:buSzPts val="2800"/>
+                <a:buFont typeface="Arial"/>
+                <a:buNone/>
+                <a:defRPr sz="1400" b="0" i="0" u="none" strike="noStrike" cap="none">
+                  <a:solidFill>
+                    <a:srgbClr val="000000"/>
+                  </a:solidFill>
+                  <a:latin typeface="Arial"/>
+                  <a:ea typeface="Arial"/>
+                  <a:cs typeface="Arial"/>
+                  <a:sym typeface="Arial"/>
+                </a:defRPr>
+              </a:lvl4pPr>
+              <a:lvl5pPr marR="0" lvl="4" algn="l" rtl="0">
+                <a:lnSpc>
+                  <a:spcPct val="80000"/>
+                </a:lnSpc>
+                <a:spcBef>
+                  <a:spcPts val="0"/>
+                </a:spcBef>
+                <a:spcAft>
+                  <a:spcPts val="0"/>
+                </a:spcAft>
+                <a:buClr>
+                  <a:srgbClr val="000000"/>
+                </a:buClr>
+                <a:buSzPts val="2800"/>
+                <a:buFont typeface="Arial"/>
+                <a:buNone/>
+                <a:defRPr sz="1400" b="0" i="0" u="none" strike="noStrike" cap="none">
+                  <a:solidFill>
+                    <a:srgbClr val="000000"/>
+                  </a:solidFill>
+                  <a:latin typeface="Arial"/>
+                  <a:ea typeface="Arial"/>
+                  <a:cs typeface="Arial"/>
+                  <a:sym typeface="Arial"/>
+                </a:defRPr>
+              </a:lvl5pPr>
+              <a:lvl6pPr marR="0" lvl="5" algn="l" rtl="0">
+                <a:lnSpc>
+                  <a:spcPct val="80000"/>
+                </a:lnSpc>
+                <a:spcBef>
+                  <a:spcPts val="0"/>
+                </a:spcBef>
+                <a:spcAft>
+                  <a:spcPts val="0"/>
+                </a:spcAft>
+                <a:buClr>
+                  <a:srgbClr val="000000"/>
+                </a:buClr>
+                <a:buSzPts val="2800"/>
+                <a:buFont typeface="Arial"/>
+                <a:buNone/>
+                <a:defRPr sz="1400" b="0" i="0" u="none" strike="noStrike" cap="none">
+                  <a:solidFill>
+                    <a:srgbClr val="000000"/>
+                  </a:solidFill>
+                  <a:latin typeface="Arial"/>
+                  <a:ea typeface="Arial"/>
+                  <a:cs typeface="Arial"/>
+                  <a:sym typeface="Arial"/>
+                </a:defRPr>
+              </a:lvl6pPr>
+              <a:lvl7pPr marR="0" lvl="6" algn="l" rtl="0">
+                <a:lnSpc>
+                  <a:spcPct val="80000"/>
+                </a:lnSpc>
+                <a:spcBef>
+                  <a:spcPts val="0"/>
+                </a:spcBef>
+                <a:spcAft>
+                  <a:spcPts val="0"/>
+                </a:spcAft>
+                <a:buClr>
+                  <a:srgbClr val="000000"/>
+                </a:buClr>
+                <a:buSzPts val="2800"/>
+                <a:buFont typeface="Arial"/>
+                <a:buNone/>
+                <a:defRPr sz="1400" b="0" i="0" u="none" strike="noStrike" cap="none">
+                  <a:solidFill>
+                    <a:srgbClr val="000000"/>
+                  </a:solidFill>
+                  <a:latin typeface="Arial"/>
+                  <a:ea typeface="Arial"/>
+                  <a:cs typeface="Arial"/>
+                  <a:sym typeface="Arial"/>
+                </a:defRPr>
+              </a:lvl7pPr>
+              <a:lvl8pPr marR="0" lvl="7" algn="l" rtl="0">
+                <a:lnSpc>
+                  <a:spcPct val="80000"/>
+                </a:lnSpc>
+                <a:spcBef>
+                  <a:spcPts val="0"/>
+                </a:spcBef>
+                <a:spcAft>
+                  <a:spcPts val="0"/>
+                </a:spcAft>
+                <a:buClr>
+                  <a:srgbClr val="000000"/>
+                </a:buClr>
+                <a:buSzPts val="2800"/>
+                <a:buFont typeface="Arial"/>
+                <a:buNone/>
+                <a:defRPr sz="1400" b="0" i="0" u="none" strike="noStrike" cap="none">
+                  <a:solidFill>
+                    <a:srgbClr val="000000"/>
+                  </a:solidFill>
+                  <a:latin typeface="Arial"/>
+                  <a:ea typeface="Arial"/>
+                  <a:cs typeface="Arial"/>
+                  <a:sym typeface="Arial"/>
+                </a:defRPr>
+              </a:lvl8pPr>
+              <a:lvl9pPr marR="0" lvl="8" algn="l" rtl="0">
+                <a:lnSpc>
+                  <a:spcPct val="80000"/>
+                </a:lnSpc>
+                <a:spcBef>
+                  <a:spcPts val="0"/>
+                </a:spcBef>
+                <a:spcAft>
+                  <a:spcPts val="0"/>
+                </a:spcAft>
+                <a:buClr>
+                  <a:srgbClr val="000000"/>
+                </a:buClr>
+                <a:buSzPts val="2800"/>
+                <a:buFont typeface="Arial"/>
+                <a:buNone/>
+                <a:defRPr sz="1400" b="0" i="0" u="none" strike="noStrike" cap="none">
+                  <a:solidFill>
+                    <a:srgbClr val="000000"/>
+                  </a:solidFill>
+                  <a:latin typeface="Arial"/>
+                  <a:ea typeface="Arial"/>
+                  <a:cs typeface="Arial"/>
+                  <a:sym typeface="Arial"/>
+                </a:defRPr>
+              </a:lvl9pPr>
+            </a:lstStyle>
+            <a:p>
+              <a:pPr algn="ctr"/>
+              <a:r>
+                <a:rPr lang="ko-KR" altLang="en-US" sz="1600" b="1" dirty="0" smtClean="0">
+                  <a:solidFill>
+                    <a:srgbClr val="201533"/>
+                  </a:solidFill>
+                  <a:latin typeface="+mn-ea"/>
+                  <a:ea typeface="+mn-ea"/>
+                </a:rPr>
+                <a:t>김원희</a:t>
+              </a:r>
+              <a:endParaRPr lang="ko-KR" altLang="en-US" sz="1600" b="1" dirty="0">
+                <a:solidFill>
+                  <a:srgbClr val="201533"/>
+                </a:solidFill>
+                <a:latin typeface="+mn-ea"/>
+                <a:ea typeface="+mn-ea"/>
+              </a:endParaRPr>
+            </a:p>
+          </p:txBody>
+        </p:sp>
+      </p:grpSp>
+      <p:sp>
+        <p:nvSpPr>
+          <p:cNvPr id="43" name="모서리가 둥근 직사각형 42"/>
+          <p:cNvSpPr/>
+          <p:nvPr/>
+        </p:nvSpPr>
+        <p:spPr>
+          <a:xfrm>
+            <a:off x="4668671" y="1132951"/>
+            <a:ext cx="3963877" cy="1674044"/>
+          </a:xfrm>
+          <a:prstGeom prst="roundRect">
+            <a:avLst>
+              <a:gd name="adj" fmla="val 6269"/>
+            </a:avLst>
+          </a:prstGeom>
+          <a:solidFill>
+            <a:schemeClr val="bg1"/>
+          </a:solidFill>
+          <a:ln>
+            <a:noFill/>
+          </a:ln>
+        </p:spPr>
+        <p:style>
+          <a:lnRef idx="2">
+            <a:schemeClr val="accent1">
+              <a:shade val="50000"/>
+            </a:schemeClr>
+          </a:lnRef>
+          <a:fillRef idx="1">
+            <a:schemeClr val="accent1"/>
+          </a:fillRef>
+          <a:effectRef idx="0">
+            <a:schemeClr val="accent1"/>
+          </a:effectRef>
+          <a:fontRef idx="minor">
+            <a:schemeClr val="lt1"/>
+          </a:fontRef>
+        </p:style>
+        <p:txBody>
+          <a:bodyPr rtlCol="0" anchor="ctr"/>
+          <a:lstStyle/>
+          <a:p>
+            <a:pPr algn="ctr"/>
+            <a:endParaRPr lang="ko-KR" altLang="en-US"/>
+          </a:p>
+        </p:txBody>
+      </p:sp>
+      <p:grpSp>
+        <p:nvGrpSpPr>
+          <p:cNvPr id="44" name="그룹 43"/>
+          <p:cNvGrpSpPr/>
+          <p:nvPr/>
+        </p:nvGrpSpPr>
+        <p:grpSpPr>
+          <a:xfrm>
+            <a:off x="4862623" y="1237834"/>
+            <a:ext cx="3565451" cy="386506"/>
+            <a:chOff x="928576" y="1516908"/>
+            <a:chExt cx="1542206" cy="386506"/>
+          </a:xfrm>
+        </p:grpSpPr>
+        <p:sp>
+          <p:nvSpPr>
+            <p:cNvPr id="45" name="모서리가 둥근 직사각형 44"/>
+            <p:cNvSpPr/>
+            <p:nvPr/>
+          </p:nvSpPr>
+          <p:spPr>
+            <a:xfrm>
+              <a:off x="928576" y="1516908"/>
+              <a:ext cx="1542206" cy="341384"/>
+            </a:xfrm>
+            <a:prstGeom prst="roundRect">
+              <a:avLst>
+                <a:gd name="adj" fmla="val 20931"/>
+              </a:avLst>
+            </a:prstGeom>
+            <a:solidFill>
+              <a:schemeClr val="bg1"/>
+            </a:solidFill>
+            <a:ln w="28575">
+              <a:solidFill>
+                <a:srgbClr val="201533"/>
+              </a:solidFill>
+            </a:ln>
+          </p:spPr>
+          <p:style>
+            <a:lnRef idx="2">
+              <a:schemeClr val="accent1">
+                <a:shade val="50000"/>
+              </a:schemeClr>
+            </a:lnRef>
+            <a:fillRef idx="1">
+              <a:schemeClr val="accent1"/>
+            </a:fillRef>
+            <a:effectRef idx="0">
+              <a:schemeClr val="accent1"/>
+            </a:effectRef>
+            <a:fontRef idx="minor">
+              <a:schemeClr val="lt1"/>
+            </a:fontRef>
+          </p:style>
+          <p:txBody>
+            <a:bodyPr rtlCol="0" anchor="ctr"/>
+            <a:lstStyle/>
+            <a:p>
+              <a:pPr algn="ctr"/>
+              <a:endParaRPr lang="ko-KR" altLang="en-US" sz="1600"/>
+            </a:p>
+          </p:txBody>
+        </p:sp>
+        <p:sp>
+          <p:nvSpPr>
+            <p:cNvPr id="46" name="Google Shape;672;p72">
+              <a:extLst>
+                <a:ext uri="{FF2B5EF4-FFF2-40B4-BE49-F238E27FC236}">
+                  <a16:creationId xmlns:a16="http://schemas.microsoft.com/office/drawing/2014/main" id="{2ED4213A-D4CA-FA06-B4D9-32BD1C41A5FA}"/>
+                </a:ext>
+              </a:extLst>
+            </p:cNvPr>
+            <p:cNvSpPr txBox="1">
+              <a:spLocks/>
+            </p:cNvSpPr>
+            <p:nvPr/>
+          </p:nvSpPr>
+          <p:spPr>
+            <a:xfrm>
+              <a:off x="928576" y="1582346"/>
+              <a:ext cx="1542206" cy="321068"/>
+            </a:xfrm>
+            <a:prstGeom prst="rect">
+              <a:avLst/>
+            </a:prstGeom>
+          </p:spPr>
+          <p:txBody>
+            <a:bodyPr spcFirstLastPara="1" wrap="square" lIns="91425" tIns="91425" rIns="91425" bIns="91425" anchor="b" anchorCtr="0">
+              <a:noAutofit/>
+            </a:bodyPr>
+            <a:lstStyle>
+              <a:defPPr marR="0" lvl="0" algn="l" rtl="0">
+                <a:lnSpc>
+                  <a:spcPct val="100000"/>
+                </a:lnSpc>
+                <a:spcBef>
+                  <a:spcPts val="0"/>
+                </a:spcBef>
+                <a:spcAft>
+                  <a:spcPts val="0"/>
+                </a:spcAft>
+              </a:defPPr>
+              <a:lvl1pPr marR="0" lvl="0" algn="l" rtl="0">
+                <a:lnSpc>
+                  <a:spcPct val="80000"/>
+                </a:lnSpc>
+                <a:spcBef>
+                  <a:spcPts val="0"/>
+                </a:spcBef>
+                <a:spcAft>
+                  <a:spcPts val="0"/>
+                </a:spcAft>
+                <a:buClr>
+                  <a:srgbClr val="000000"/>
+                </a:buClr>
+                <a:buSzPts val="2800"/>
+                <a:buFont typeface="Arial"/>
+                <a:buNone/>
+                <a:defRPr sz="1400" b="0" i="0" u="none" strike="noStrike" cap="none">
+                  <a:solidFill>
+                    <a:srgbClr val="000000"/>
+                  </a:solidFill>
+                  <a:latin typeface="Arial"/>
+                  <a:ea typeface="Arial"/>
+                  <a:cs typeface="Arial"/>
+                  <a:sym typeface="Arial"/>
+                </a:defRPr>
+              </a:lvl1pPr>
+              <a:lvl2pPr marR="0" lvl="1" algn="l" rtl="0">
+                <a:lnSpc>
+                  <a:spcPct val="80000"/>
+                </a:lnSpc>
+                <a:spcBef>
+                  <a:spcPts val="0"/>
+                </a:spcBef>
+                <a:spcAft>
+                  <a:spcPts val="0"/>
+                </a:spcAft>
+                <a:buClr>
+                  <a:srgbClr val="000000"/>
+                </a:buClr>
+                <a:buSzPts val="2800"/>
+                <a:buFont typeface="Arial"/>
+                <a:buNone/>
+                <a:defRPr sz="1400" b="0" i="0" u="none" strike="noStrike" cap="none">
+                  <a:solidFill>
+                    <a:srgbClr val="000000"/>
+                  </a:solidFill>
+                  <a:latin typeface="Arial"/>
+                  <a:ea typeface="Arial"/>
+                  <a:cs typeface="Arial"/>
+                  <a:sym typeface="Arial"/>
+                </a:defRPr>
+              </a:lvl2pPr>
+              <a:lvl3pPr marR="0" lvl="2" algn="l" rtl="0">
+                <a:lnSpc>
+                  <a:spcPct val="80000"/>
+                </a:lnSpc>
+                <a:spcBef>
+                  <a:spcPts val="0"/>
+                </a:spcBef>
+                <a:spcAft>
+                  <a:spcPts val="0"/>
+                </a:spcAft>
+                <a:buClr>
+                  <a:srgbClr val="000000"/>
+                </a:buClr>
+                <a:buSzPts val="2800"/>
+                <a:buFont typeface="Arial"/>
+                <a:buNone/>
+                <a:defRPr sz="1400" b="0" i="0" u="none" strike="noStrike" cap="none">
+                  <a:solidFill>
+                    <a:srgbClr val="000000"/>
+                  </a:solidFill>
+                  <a:latin typeface="Arial"/>
+                  <a:ea typeface="Arial"/>
+                  <a:cs typeface="Arial"/>
+                  <a:sym typeface="Arial"/>
+                </a:defRPr>
+              </a:lvl3pPr>
+              <a:lvl4pPr marR="0" lvl="3" algn="l" rtl="0">
+                <a:lnSpc>
+                  <a:spcPct val="80000"/>
+                </a:lnSpc>
+                <a:spcBef>
+                  <a:spcPts val="0"/>
+                </a:spcBef>
+                <a:spcAft>
+                  <a:spcPts val="0"/>
+                </a:spcAft>
+                <a:buClr>
+                  <a:srgbClr val="000000"/>
+                </a:buClr>
+                <a:buSzPts val="2800"/>
+                <a:buFont typeface="Arial"/>
+                <a:buNone/>
+                <a:defRPr sz="1400" b="0" i="0" u="none" strike="noStrike" cap="none">
+                  <a:solidFill>
+                    <a:srgbClr val="000000"/>
+                  </a:solidFill>
+                  <a:latin typeface="Arial"/>
+                  <a:ea typeface="Arial"/>
+                  <a:cs typeface="Arial"/>
+                  <a:sym typeface="Arial"/>
+                </a:defRPr>
+              </a:lvl4pPr>
+              <a:lvl5pPr marR="0" lvl="4" algn="l" rtl="0">
+                <a:lnSpc>
+                  <a:spcPct val="80000"/>
+                </a:lnSpc>
+                <a:spcBef>
+                  <a:spcPts val="0"/>
+                </a:spcBef>
+                <a:spcAft>
+                  <a:spcPts val="0"/>
+                </a:spcAft>
+                <a:buClr>
+                  <a:srgbClr val="000000"/>
+                </a:buClr>
+                <a:buSzPts val="2800"/>
+                <a:buFont typeface="Arial"/>
+                <a:buNone/>
+                <a:defRPr sz="1400" b="0" i="0" u="none" strike="noStrike" cap="none">
+                  <a:solidFill>
+                    <a:srgbClr val="000000"/>
+                  </a:solidFill>
+                  <a:latin typeface="Arial"/>
+                  <a:ea typeface="Arial"/>
+                  <a:cs typeface="Arial"/>
+                  <a:sym typeface="Arial"/>
+                </a:defRPr>
+              </a:lvl5pPr>
+              <a:lvl6pPr marR="0" lvl="5" algn="l" rtl="0">
+                <a:lnSpc>
+                  <a:spcPct val="80000"/>
+                </a:lnSpc>
+                <a:spcBef>
+                  <a:spcPts val="0"/>
+                </a:spcBef>
+                <a:spcAft>
+                  <a:spcPts val="0"/>
+                </a:spcAft>
+                <a:buClr>
+                  <a:srgbClr val="000000"/>
+                </a:buClr>
+                <a:buSzPts val="2800"/>
+                <a:buFont typeface="Arial"/>
+                <a:buNone/>
+                <a:defRPr sz="1400" b="0" i="0" u="none" strike="noStrike" cap="none">
+                  <a:solidFill>
+                    <a:srgbClr val="000000"/>
+                  </a:solidFill>
+                  <a:latin typeface="Arial"/>
+                  <a:ea typeface="Arial"/>
+                  <a:cs typeface="Arial"/>
+                  <a:sym typeface="Arial"/>
+                </a:defRPr>
+              </a:lvl6pPr>
+              <a:lvl7pPr marR="0" lvl="6" algn="l" rtl="0">
+                <a:lnSpc>
+                  <a:spcPct val="80000"/>
+                </a:lnSpc>
+                <a:spcBef>
+                  <a:spcPts val="0"/>
+                </a:spcBef>
+                <a:spcAft>
+                  <a:spcPts val="0"/>
+                </a:spcAft>
+                <a:buClr>
+                  <a:srgbClr val="000000"/>
+                </a:buClr>
+                <a:buSzPts val="2800"/>
+                <a:buFont typeface="Arial"/>
+                <a:buNone/>
+                <a:defRPr sz="1400" b="0" i="0" u="none" strike="noStrike" cap="none">
+                  <a:solidFill>
+                    <a:srgbClr val="000000"/>
+                  </a:solidFill>
+                  <a:latin typeface="Arial"/>
+                  <a:ea typeface="Arial"/>
+                  <a:cs typeface="Arial"/>
+                  <a:sym typeface="Arial"/>
+                </a:defRPr>
+              </a:lvl7pPr>
+              <a:lvl8pPr marR="0" lvl="7" algn="l" rtl="0">
+                <a:lnSpc>
+                  <a:spcPct val="80000"/>
+                </a:lnSpc>
+                <a:spcBef>
+                  <a:spcPts val="0"/>
+                </a:spcBef>
+                <a:spcAft>
+                  <a:spcPts val="0"/>
+                </a:spcAft>
+                <a:buClr>
+                  <a:srgbClr val="000000"/>
+                </a:buClr>
+                <a:buSzPts val="2800"/>
+                <a:buFont typeface="Arial"/>
+                <a:buNone/>
+                <a:defRPr sz="1400" b="0" i="0" u="none" strike="noStrike" cap="none">
+                  <a:solidFill>
+                    <a:srgbClr val="000000"/>
+                  </a:solidFill>
+                  <a:latin typeface="Arial"/>
+                  <a:ea typeface="Arial"/>
+                  <a:cs typeface="Arial"/>
+                  <a:sym typeface="Arial"/>
+                </a:defRPr>
+              </a:lvl8pPr>
+              <a:lvl9pPr marR="0" lvl="8" algn="l" rtl="0">
+                <a:lnSpc>
+                  <a:spcPct val="80000"/>
+                </a:lnSpc>
+                <a:spcBef>
+                  <a:spcPts val="0"/>
+                </a:spcBef>
+                <a:spcAft>
+                  <a:spcPts val="0"/>
+                </a:spcAft>
+                <a:buClr>
+                  <a:srgbClr val="000000"/>
+                </a:buClr>
+                <a:buSzPts val="2800"/>
+                <a:buFont typeface="Arial"/>
+                <a:buNone/>
+                <a:defRPr sz="1400" b="0" i="0" u="none" strike="noStrike" cap="none">
+                  <a:solidFill>
+                    <a:srgbClr val="000000"/>
+                  </a:solidFill>
+                  <a:latin typeface="Arial"/>
+                  <a:ea typeface="Arial"/>
+                  <a:cs typeface="Arial"/>
+                  <a:sym typeface="Arial"/>
+                </a:defRPr>
+              </a:lvl9pPr>
+            </a:lstStyle>
+            <a:p>
+              <a:pPr algn="ctr"/>
+              <a:r>
+                <a:rPr lang="ko-KR" altLang="en-US" sz="1600" b="1" dirty="0" smtClean="0">
+                  <a:solidFill>
+                    <a:srgbClr val="201533"/>
+                  </a:solidFill>
+                  <a:latin typeface="+mn-ea"/>
+                  <a:ea typeface="+mn-ea"/>
+                </a:rPr>
+                <a:t>강진구</a:t>
+              </a:r>
+              <a:endParaRPr lang="ko-KR" altLang="en-US" sz="1600" b="1" dirty="0">
+                <a:solidFill>
+                  <a:srgbClr val="201533"/>
+                </a:solidFill>
+                <a:latin typeface="+mn-ea"/>
+                <a:ea typeface="+mn-ea"/>
+              </a:endParaRPr>
+            </a:p>
+          </p:txBody>
+        </p:sp>
+      </p:grpSp>
+      <p:sp>
+        <p:nvSpPr>
+          <p:cNvPr id="48" name="모서리가 둥근 직사각형 47"/>
+          <p:cNvSpPr/>
+          <p:nvPr/>
+        </p:nvSpPr>
+        <p:spPr>
+          <a:xfrm>
+            <a:off x="536466" y="3041516"/>
+            <a:ext cx="3950474" cy="1674044"/>
+          </a:xfrm>
+          <a:prstGeom prst="roundRect">
+            <a:avLst>
+              <a:gd name="adj" fmla="val 6269"/>
+            </a:avLst>
+          </a:prstGeom>
+          <a:solidFill>
+            <a:schemeClr val="bg1"/>
+          </a:solidFill>
+          <a:ln>
+            <a:noFill/>
+          </a:ln>
+        </p:spPr>
+        <p:style>
+          <a:lnRef idx="2">
+            <a:schemeClr val="accent1">
+              <a:shade val="50000"/>
+            </a:schemeClr>
+          </a:lnRef>
+          <a:fillRef idx="1">
+            <a:schemeClr val="accent1"/>
+          </a:fillRef>
+          <a:effectRef idx="0">
+            <a:schemeClr val="accent1"/>
+          </a:effectRef>
+          <a:fontRef idx="minor">
+            <a:schemeClr val="lt1"/>
+          </a:fontRef>
+        </p:style>
+        <p:txBody>
+          <a:bodyPr rtlCol="0" anchor="ctr"/>
+          <a:lstStyle/>
+          <a:p>
+            <a:pPr algn="ctr"/>
+            <a:endParaRPr lang="ko-KR" altLang="en-US"/>
+          </a:p>
+        </p:txBody>
+      </p:sp>
+      <p:grpSp>
+        <p:nvGrpSpPr>
+          <p:cNvPr id="49" name="그룹 48"/>
+          <p:cNvGrpSpPr/>
+          <p:nvPr/>
+        </p:nvGrpSpPr>
+        <p:grpSpPr>
+          <a:xfrm>
+            <a:off x="724309" y="3146399"/>
+            <a:ext cx="3571244" cy="386506"/>
+            <a:chOff x="928576" y="1516908"/>
+            <a:chExt cx="1542206" cy="386506"/>
+          </a:xfrm>
+        </p:grpSpPr>
+        <p:sp>
+          <p:nvSpPr>
+            <p:cNvPr id="50" name="모서리가 둥근 직사각형 49"/>
+            <p:cNvSpPr/>
+            <p:nvPr/>
+          </p:nvSpPr>
+          <p:spPr>
+            <a:xfrm>
+              <a:off x="928576" y="1516908"/>
+              <a:ext cx="1542206" cy="341384"/>
+            </a:xfrm>
+            <a:prstGeom prst="roundRect">
+              <a:avLst>
+                <a:gd name="adj" fmla="val 20931"/>
+              </a:avLst>
+            </a:prstGeom>
+            <a:solidFill>
+              <a:schemeClr val="bg1"/>
+            </a:solidFill>
+            <a:ln w="28575">
+              <a:solidFill>
+                <a:srgbClr val="201533"/>
+              </a:solidFill>
+            </a:ln>
+          </p:spPr>
+          <p:style>
+            <a:lnRef idx="2">
+              <a:schemeClr val="accent1">
+                <a:shade val="50000"/>
+              </a:schemeClr>
+            </a:lnRef>
+            <a:fillRef idx="1">
+              <a:schemeClr val="accent1"/>
+            </a:fillRef>
+            <a:effectRef idx="0">
+              <a:schemeClr val="accent1"/>
+            </a:effectRef>
+            <a:fontRef idx="minor">
+              <a:schemeClr val="lt1"/>
+            </a:fontRef>
+          </p:style>
+          <p:txBody>
+            <a:bodyPr rtlCol="0" anchor="ctr"/>
+            <a:lstStyle/>
+            <a:p>
+              <a:pPr algn="ctr"/>
+              <a:endParaRPr lang="ko-KR" altLang="en-US" sz="1600"/>
+            </a:p>
+          </p:txBody>
+        </p:sp>
+        <p:sp>
+          <p:nvSpPr>
+            <p:cNvPr id="51" name="Google Shape;672;p72">
+              <a:extLst>
+                <a:ext uri="{FF2B5EF4-FFF2-40B4-BE49-F238E27FC236}">
+                  <a16:creationId xmlns:a16="http://schemas.microsoft.com/office/drawing/2014/main" id="{2ED4213A-D4CA-FA06-B4D9-32BD1C41A5FA}"/>
+                </a:ext>
+              </a:extLst>
+            </p:cNvPr>
+            <p:cNvSpPr txBox="1">
+              <a:spLocks/>
+            </p:cNvSpPr>
+            <p:nvPr/>
+          </p:nvSpPr>
+          <p:spPr>
+            <a:xfrm>
+              <a:off x="928576" y="1582346"/>
+              <a:ext cx="1542206" cy="321068"/>
+            </a:xfrm>
+            <a:prstGeom prst="rect">
+              <a:avLst/>
+            </a:prstGeom>
+          </p:spPr>
+          <p:txBody>
+            <a:bodyPr spcFirstLastPara="1" wrap="square" lIns="91425" tIns="91425" rIns="91425" bIns="91425" anchor="b" anchorCtr="0">
+              <a:noAutofit/>
+            </a:bodyPr>
+            <a:lstStyle>
+              <a:defPPr marR="0" lvl="0" algn="l" rtl="0">
+                <a:lnSpc>
+                  <a:spcPct val="100000"/>
+                </a:lnSpc>
+                <a:spcBef>
+                  <a:spcPts val="0"/>
+                </a:spcBef>
+                <a:spcAft>
+                  <a:spcPts val="0"/>
+                </a:spcAft>
+              </a:defPPr>
+              <a:lvl1pPr marR="0" lvl="0" algn="l" rtl="0">
+                <a:lnSpc>
+                  <a:spcPct val="80000"/>
+                </a:lnSpc>
+                <a:spcBef>
+                  <a:spcPts val="0"/>
+                </a:spcBef>
+                <a:spcAft>
+                  <a:spcPts val="0"/>
+                </a:spcAft>
+                <a:buClr>
+                  <a:srgbClr val="000000"/>
+                </a:buClr>
+                <a:buSzPts val="2800"/>
+                <a:buFont typeface="Arial"/>
+                <a:buNone/>
+                <a:defRPr sz="1400" b="0" i="0" u="none" strike="noStrike" cap="none">
+                  <a:solidFill>
+                    <a:srgbClr val="000000"/>
+                  </a:solidFill>
+                  <a:latin typeface="Arial"/>
+                  <a:ea typeface="Arial"/>
+                  <a:cs typeface="Arial"/>
+                  <a:sym typeface="Arial"/>
+                </a:defRPr>
+              </a:lvl1pPr>
+              <a:lvl2pPr marR="0" lvl="1" algn="l" rtl="0">
+                <a:lnSpc>
+                  <a:spcPct val="80000"/>
+                </a:lnSpc>
+                <a:spcBef>
+                  <a:spcPts val="0"/>
+                </a:spcBef>
+                <a:spcAft>
+                  <a:spcPts val="0"/>
+                </a:spcAft>
+                <a:buClr>
+                  <a:srgbClr val="000000"/>
+                </a:buClr>
+                <a:buSzPts val="2800"/>
+                <a:buFont typeface="Arial"/>
+                <a:buNone/>
+                <a:defRPr sz="1400" b="0" i="0" u="none" strike="noStrike" cap="none">
+                  <a:solidFill>
+                    <a:srgbClr val="000000"/>
+                  </a:solidFill>
+                  <a:latin typeface="Arial"/>
+                  <a:ea typeface="Arial"/>
+                  <a:cs typeface="Arial"/>
+                  <a:sym typeface="Arial"/>
+                </a:defRPr>
+              </a:lvl2pPr>
+              <a:lvl3pPr marR="0" lvl="2" algn="l" rtl="0">
+                <a:lnSpc>
+                  <a:spcPct val="80000"/>
+                </a:lnSpc>
+                <a:spcBef>
+                  <a:spcPts val="0"/>
+                </a:spcBef>
+                <a:spcAft>
+                  <a:spcPts val="0"/>
+                </a:spcAft>
+                <a:buClr>
+                  <a:srgbClr val="000000"/>
+                </a:buClr>
+                <a:buSzPts val="2800"/>
+                <a:buFont typeface="Arial"/>
+                <a:buNone/>
+                <a:defRPr sz="1400" b="0" i="0" u="none" strike="noStrike" cap="none">
+                  <a:solidFill>
+                    <a:srgbClr val="000000"/>
+                  </a:solidFill>
+                  <a:latin typeface="Arial"/>
+                  <a:ea typeface="Arial"/>
+                  <a:cs typeface="Arial"/>
+                  <a:sym typeface="Arial"/>
+                </a:defRPr>
+              </a:lvl3pPr>
+              <a:lvl4pPr marR="0" lvl="3" algn="l" rtl="0">
+                <a:lnSpc>
+                  <a:spcPct val="80000"/>
+                </a:lnSpc>
+                <a:spcBef>
+                  <a:spcPts val="0"/>
+                </a:spcBef>
+                <a:spcAft>
+                  <a:spcPts val="0"/>
+                </a:spcAft>
+                <a:buClr>
+                  <a:srgbClr val="000000"/>
+                </a:buClr>
+                <a:buSzPts val="2800"/>
+                <a:buFont typeface="Arial"/>
+                <a:buNone/>
+                <a:defRPr sz="1400" b="0" i="0" u="none" strike="noStrike" cap="none">
+                  <a:solidFill>
+                    <a:srgbClr val="000000"/>
+                  </a:solidFill>
+                  <a:latin typeface="Arial"/>
+                  <a:ea typeface="Arial"/>
+                  <a:cs typeface="Arial"/>
+                  <a:sym typeface="Arial"/>
+                </a:defRPr>
+              </a:lvl4pPr>
+              <a:lvl5pPr marR="0" lvl="4" algn="l" rtl="0">
+                <a:lnSpc>
+                  <a:spcPct val="80000"/>
+                </a:lnSpc>
+                <a:spcBef>
+                  <a:spcPts val="0"/>
+                </a:spcBef>
+                <a:spcAft>
+                  <a:spcPts val="0"/>
+                </a:spcAft>
+                <a:buClr>
+                  <a:srgbClr val="000000"/>
+                </a:buClr>
+                <a:buSzPts val="2800"/>
+                <a:buFont typeface="Arial"/>
+                <a:buNone/>
+                <a:defRPr sz="1400" b="0" i="0" u="none" strike="noStrike" cap="none">
+                  <a:solidFill>
+                    <a:srgbClr val="000000"/>
+                  </a:solidFill>
+                  <a:latin typeface="Arial"/>
+                  <a:ea typeface="Arial"/>
+                  <a:cs typeface="Arial"/>
+                  <a:sym typeface="Arial"/>
+                </a:defRPr>
+              </a:lvl5pPr>
+              <a:lvl6pPr marR="0" lvl="5" algn="l" rtl="0">
+                <a:lnSpc>
+                  <a:spcPct val="80000"/>
+                </a:lnSpc>
+                <a:spcBef>
+                  <a:spcPts val="0"/>
+                </a:spcBef>
+                <a:spcAft>
+                  <a:spcPts val="0"/>
+                </a:spcAft>
+                <a:buClr>
+                  <a:srgbClr val="000000"/>
+                </a:buClr>
+                <a:buSzPts val="2800"/>
+                <a:buFont typeface="Arial"/>
+                <a:buNone/>
+                <a:defRPr sz="1400" b="0" i="0" u="none" strike="noStrike" cap="none">
+                  <a:solidFill>
+                    <a:srgbClr val="000000"/>
+                  </a:solidFill>
+                  <a:latin typeface="Arial"/>
+                  <a:ea typeface="Arial"/>
+                  <a:cs typeface="Arial"/>
+                  <a:sym typeface="Arial"/>
+                </a:defRPr>
+              </a:lvl6pPr>
+              <a:lvl7pPr marR="0" lvl="6" algn="l" rtl="0">
+                <a:lnSpc>
+                  <a:spcPct val="80000"/>
+                </a:lnSpc>
+                <a:spcBef>
+                  <a:spcPts val="0"/>
+                </a:spcBef>
+                <a:spcAft>
+                  <a:spcPts val="0"/>
+                </a:spcAft>
+                <a:buClr>
+                  <a:srgbClr val="000000"/>
+                </a:buClr>
+                <a:buSzPts val="2800"/>
+                <a:buFont typeface="Arial"/>
+                <a:buNone/>
+                <a:defRPr sz="1400" b="0" i="0" u="none" strike="noStrike" cap="none">
+                  <a:solidFill>
+                    <a:srgbClr val="000000"/>
+                  </a:solidFill>
+                  <a:latin typeface="Arial"/>
+                  <a:ea typeface="Arial"/>
+                  <a:cs typeface="Arial"/>
+                  <a:sym typeface="Arial"/>
+                </a:defRPr>
+              </a:lvl7pPr>
+              <a:lvl8pPr marR="0" lvl="7" algn="l" rtl="0">
+                <a:lnSpc>
+                  <a:spcPct val="80000"/>
+                </a:lnSpc>
+                <a:spcBef>
+                  <a:spcPts val="0"/>
+                </a:spcBef>
+                <a:spcAft>
+                  <a:spcPts val="0"/>
+                </a:spcAft>
+                <a:buClr>
+                  <a:srgbClr val="000000"/>
+                </a:buClr>
+                <a:buSzPts val="2800"/>
+                <a:buFont typeface="Arial"/>
+                <a:buNone/>
+                <a:defRPr sz="1400" b="0" i="0" u="none" strike="noStrike" cap="none">
+                  <a:solidFill>
+                    <a:srgbClr val="000000"/>
+                  </a:solidFill>
+                  <a:latin typeface="Arial"/>
+                  <a:ea typeface="Arial"/>
+                  <a:cs typeface="Arial"/>
+                  <a:sym typeface="Arial"/>
+                </a:defRPr>
+              </a:lvl8pPr>
+              <a:lvl9pPr marR="0" lvl="8" algn="l" rtl="0">
+                <a:lnSpc>
+                  <a:spcPct val="80000"/>
+                </a:lnSpc>
+                <a:spcBef>
+                  <a:spcPts val="0"/>
+                </a:spcBef>
+                <a:spcAft>
+                  <a:spcPts val="0"/>
+                </a:spcAft>
+                <a:buClr>
+                  <a:srgbClr val="000000"/>
+                </a:buClr>
+                <a:buSzPts val="2800"/>
+                <a:buFont typeface="Arial"/>
+                <a:buNone/>
+                <a:defRPr sz="1400" b="0" i="0" u="none" strike="noStrike" cap="none">
+                  <a:solidFill>
+                    <a:srgbClr val="000000"/>
+                  </a:solidFill>
+                  <a:latin typeface="Arial"/>
+                  <a:ea typeface="Arial"/>
+                  <a:cs typeface="Arial"/>
+                  <a:sym typeface="Arial"/>
+                </a:defRPr>
+              </a:lvl9pPr>
+            </a:lstStyle>
+            <a:p>
+              <a:pPr algn="ctr"/>
+              <a:r>
+                <a:rPr lang="ko-KR" altLang="en-US" sz="1600" b="1" dirty="0" smtClean="0">
+                  <a:solidFill>
+                    <a:srgbClr val="201533"/>
+                  </a:solidFill>
+                  <a:latin typeface="+mn-ea"/>
+                  <a:ea typeface="+mn-ea"/>
+                </a:rPr>
+                <a:t>박승진</a:t>
+              </a:r>
+              <a:endParaRPr lang="ko-KR" altLang="en-US" sz="1600" b="1" dirty="0">
+                <a:solidFill>
+                  <a:srgbClr val="201533"/>
+                </a:solidFill>
+                <a:latin typeface="+mn-ea"/>
+                <a:ea typeface="+mn-ea"/>
+              </a:endParaRPr>
+            </a:p>
+          </p:txBody>
+        </p:sp>
+      </p:grpSp>
+      <p:sp>
+        <p:nvSpPr>
+          <p:cNvPr id="53" name="모서리가 둥근 직사각형 52"/>
+          <p:cNvSpPr/>
+          <p:nvPr/>
+        </p:nvSpPr>
+        <p:spPr>
+          <a:xfrm>
+            <a:off x="4668671" y="3041516"/>
+            <a:ext cx="3963877" cy="1674044"/>
+          </a:xfrm>
+          <a:prstGeom prst="roundRect">
+            <a:avLst>
+              <a:gd name="adj" fmla="val 6269"/>
+            </a:avLst>
+          </a:prstGeom>
+          <a:solidFill>
+            <a:schemeClr val="bg1"/>
+          </a:solidFill>
+          <a:ln>
+            <a:noFill/>
+          </a:ln>
+        </p:spPr>
+        <p:style>
+          <a:lnRef idx="2">
+            <a:schemeClr val="accent1">
+              <a:shade val="50000"/>
+            </a:schemeClr>
+          </a:lnRef>
+          <a:fillRef idx="1">
+            <a:schemeClr val="accent1"/>
+          </a:fillRef>
+          <a:effectRef idx="0">
+            <a:schemeClr val="accent1"/>
+          </a:effectRef>
+          <a:fontRef idx="minor">
+            <a:schemeClr val="lt1"/>
+          </a:fontRef>
+        </p:style>
+        <p:txBody>
+          <a:bodyPr rtlCol="0" anchor="ctr"/>
+          <a:lstStyle/>
+          <a:p>
+            <a:pPr algn="ctr"/>
+            <a:endParaRPr lang="ko-KR" altLang="en-US"/>
+          </a:p>
+        </p:txBody>
+      </p:sp>
+      <p:grpSp>
+        <p:nvGrpSpPr>
+          <p:cNvPr id="54" name="그룹 53"/>
+          <p:cNvGrpSpPr/>
+          <p:nvPr/>
+        </p:nvGrpSpPr>
+        <p:grpSpPr>
+          <a:xfrm>
+            <a:off x="4862623" y="3146399"/>
+            <a:ext cx="3565451" cy="386506"/>
+            <a:chOff x="928576" y="1516908"/>
+            <a:chExt cx="1542206" cy="386506"/>
+          </a:xfrm>
+        </p:grpSpPr>
+        <p:sp>
+          <p:nvSpPr>
+            <p:cNvPr id="55" name="모서리가 둥근 직사각형 54"/>
+            <p:cNvSpPr/>
+            <p:nvPr/>
+          </p:nvSpPr>
+          <p:spPr>
+            <a:xfrm>
+              <a:off x="928576" y="1516908"/>
+              <a:ext cx="1542206" cy="341384"/>
+            </a:xfrm>
+            <a:prstGeom prst="roundRect">
+              <a:avLst>
+                <a:gd name="adj" fmla="val 20931"/>
+              </a:avLst>
+            </a:prstGeom>
+            <a:solidFill>
+              <a:schemeClr val="bg1"/>
+            </a:solidFill>
+            <a:ln w="28575">
+              <a:solidFill>
+                <a:srgbClr val="201533"/>
+              </a:solidFill>
+            </a:ln>
+          </p:spPr>
+          <p:style>
+            <a:lnRef idx="2">
+              <a:schemeClr val="accent1">
+                <a:shade val="50000"/>
+              </a:schemeClr>
+            </a:lnRef>
+            <a:fillRef idx="1">
+              <a:schemeClr val="accent1"/>
+            </a:fillRef>
+            <a:effectRef idx="0">
+              <a:schemeClr val="accent1"/>
+            </a:effectRef>
+            <a:fontRef idx="minor">
+              <a:schemeClr val="lt1"/>
+            </a:fontRef>
+          </p:style>
+          <p:txBody>
+            <a:bodyPr rtlCol="0" anchor="ctr"/>
+            <a:lstStyle/>
+            <a:p>
+              <a:pPr algn="ctr"/>
+              <a:endParaRPr lang="ko-KR" altLang="en-US" sz="1600"/>
+            </a:p>
+          </p:txBody>
+        </p:sp>
+        <p:sp>
+          <p:nvSpPr>
+            <p:cNvPr id="56" name="Google Shape;672;p72">
+              <a:extLst>
+                <a:ext uri="{FF2B5EF4-FFF2-40B4-BE49-F238E27FC236}">
+                  <a16:creationId xmlns:a16="http://schemas.microsoft.com/office/drawing/2014/main" id="{2ED4213A-D4CA-FA06-B4D9-32BD1C41A5FA}"/>
+                </a:ext>
+              </a:extLst>
+            </p:cNvPr>
+            <p:cNvSpPr txBox="1">
+              <a:spLocks/>
+            </p:cNvSpPr>
+            <p:nvPr/>
+          </p:nvSpPr>
+          <p:spPr>
+            <a:xfrm>
+              <a:off x="928576" y="1582346"/>
+              <a:ext cx="1542206" cy="321068"/>
+            </a:xfrm>
+            <a:prstGeom prst="rect">
+              <a:avLst/>
+            </a:prstGeom>
+          </p:spPr>
+          <p:txBody>
+            <a:bodyPr spcFirstLastPara="1" wrap="square" lIns="91425" tIns="91425" rIns="91425" bIns="91425" anchor="b" anchorCtr="0">
+              <a:noAutofit/>
+            </a:bodyPr>
+            <a:lstStyle>
+              <a:defPPr marR="0" lvl="0" algn="l" rtl="0">
+                <a:lnSpc>
+                  <a:spcPct val="100000"/>
+                </a:lnSpc>
+                <a:spcBef>
+                  <a:spcPts val="0"/>
+                </a:spcBef>
+                <a:spcAft>
+                  <a:spcPts val="0"/>
+                </a:spcAft>
+              </a:defPPr>
+              <a:lvl1pPr marR="0" lvl="0" algn="l" rtl="0">
+                <a:lnSpc>
+                  <a:spcPct val="80000"/>
+                </a:lnSpc>
+                <a:spcBef>
+                  <a:spcPts val="0"/>
+                </a:spcBef>
+                <a:spcAft>
+                  <a:spcPts val="0"/>
+                </a:spcAft>
+                <a:buClr>
+                  <a:srgbClr val="000000"/>
+                </a:buClr>
+                <a:buSzPts val="2800"/>
+                <a:buFont typeface="Arial"/>
+                <a:buNone/>
+                <a:defRPr sz="1400" b="0" i="0" u="none" strike="noStrike" cap="none">
+                  <a:solidFill>
+                    <a:srgbClr val="000000"/>
+                  </a:solidFill>
+                  <a:latin typeface="Arial"/>
+                  <a:ea typeface="Arial"/>
+                  <a:cs typeface="Arial"/>
+                  <a:sym typeface="Arial"/>
+                </a:defRPr>
+              </a:lvl1pPr>
+              <a:lvl2pPr marR="0" lvl="1" algn="l" rtl="0">
+                <a:lnSpc>
+                  <a:spcPct val="80000"/>
+                </a:lnSpc>
+                <a:spcBef>
+                  <a:spcPts val="0"/>
+                </a:spcBef>
+                <a:spcAft>
+                  <a:spcPts val="0"/>
+                </a:spcAft>
+                <a:buClr>
+                  <a:srgbClr val="000000"/>
+                </a:buClr>
+                <a:buSzPts val="2800"/>
+                <a:buFont typeface="Arial"/>
+                <a:buNone/>
+                <a:defRPr sz="1400" b="0" i="0" u="none" strike="noStrike" cap="none">
+                  <a:solidFill>
+                    <a:srgbClr val="000000"/>
+                  </a:solidFill>
+                  <a:latin typeface="Arial"/>
+                  <a:ea typeface="Arial"/>
+                  <a:cs typeface="Arial"/>
+                  <a:sym typeface="Arial"/>
+                </a:defRPr>
+              </a:lvl2pPr>
+              <a:lvl3pPr marR="0" lvl="2" algn="l" rtl="0">
+                <a:lnSpc>
+                  <a:spcPct val="80000"/>
+                </a:lnSpc>
+                <a:spcBef>
+                  <a:spcPts val="0"/>
+                </a:spcBef>
+                <a:spcAft>
+                  <a:spcPts val="0"/>
+                </a:spcAft>
+                <a:buClr>
+                  <a:srgbClr val="000000"/>
+                </a:buClr>
+                <a:buSzPts val="2800"/>
+                <a:buFont typeface="Arial"/>
+                <a:buNone/>
+                <a:defRPr sz="1400" b="0" i="0" u="none" strike="noStrike" cap="none">
+                  <a:solidFill>
+                    <a:srgbClr val="000000"/>
+                  </a:solidFill>
+                  <a:latin typeface="Arial"/>
+                  <a:ea typeface="Arial"/>
+                  <a:cs typeface="Arial"/>
+                  <a:sym typeface="Arial"/>
+                </a:defRPr>
+              </a:lvl3pPr>
+              <a:lvl4pPr marR="0" lvl="3" algn="l" rtl="0">
+                <a:lnSpc>
+                  <a:spcPct val="80000"/>
+                </a:lnSpc>
+                <a:spcBef>
+                  <a:spcPts val="0"/>
+                </a:spcBef>
+                <a:spcAft>
+                  <a:spcPts val="0"/>
+                </a:spcAft>
+                <a:buClr>
+                  <a:srgbClr val="000000"/>
+                </a:buClr>
+                <a:buSzPts val="2800"/>
+                <a:buFont typeface="Arial"/>
+                <a:buNone/>
+                <a:defRPr sz="1400" b="0" i="0" u="none" strike="noStrike" cap="none">
+                  <a:solidFill>
+                    <a:srgbClr val="000000"/>
+                  </a:solidFill>
+                  <a:latin typeface="Arial"/>
+                  <a:ea typeface="Arial"/>
+                  <a:cs typeface="Arial"/>
+                  <a:sym typeface="Arial"/>
+                </a:defRPr>
+              </a:lvl4pPr>
+              <a:lvl5pPr marR="0" lvl="4" algn="l" rtl="0">
+                <a:lnSpc>
+                  <a:spcPct val="80000"/>
+                </a:lnSpc>
+                <a:spcBef>
+                  <a:spcPts val="0"/>
+                </a:spcBef>
+                <a:spcAft>
+                  <a:spcPts val="0"/>
+                </a:spcAft>
+                <a:buClr>
+                  <a:srgbClr val="000000"/>
+                </a:buClr>
+                <a:buSzPts val="2800"/>
+                <a:buFont typeface="Arial"/>
+                <a:buNone/>
+                <a:defRPr sz="1400" b="0" i="0" u="none" strike="noStrike" cap="none">
+                  <a:solidFill>
+                    <a:srgbClr val="000000"/>
+                  </a:solidFill>
+                  <a:latin typeface="Arial"/>
+                  <a:ea typeface="Arial"/>
+                  <a:cs typeface="Arial"/>
+                  <a:sym typeface="Arial"/>
+                </a:defRPr>
+              </a:lvl5pPr>
+              <a:lvl6pPr marR="0" lvl="5" algn="l" rtl="0">
+                <a:lnSpc>
+                  <a:spcPct val="80000"/>
+                </a:lnSpc>
+                <a:spcBef>
+                  <a:spcPts val="0"/>
+                </a:spcBef>
+                <a:spcAft>
+                  <a:spcPts val="0"/>
+                </a:spcAft>
+                <a:buClr>
+                  <a:srgbClr val="000000"/>
+                </a:buClr>
+                <a:buSzPts val="2800"/>
+                <a:buFont typeface="Arial"/>
+                <a:buNone/>
+                <a:defRPr sz="1400" b="0" i="0" u="none" strike="noStrike" cap="none">
+                  <a:solidFill>
+                    <a:srgbClr val="000000"/>
+                  </a:solidFill>
+                  <a:latin typeface="Arial"/>
+                  <a:ea typeface="Arial"/>
+                  <a:cs typeface="Arial"/>
+                  <a:sym typeface="Arial"/>
+                </a:defRPr>
+              </a:lvl6pPr>
+              <a:lvl7pPr marR="0" lvl="6" algn="l" rtl="0">
+                <a:lnSpc>
+                  <a:spcPct val="80000"/>
+                </a:lnSpc>
+                <a:spcBef>
+                  <a:spcPts val="0"/>
+                </a:spcBef>
+                <a:spcAft>
+                  <a:spcPts val="0"/>
+                </a:spcAft>
+                <a:buClr>
+                  <a:srgbClr val="000000"/>
+                </a:buClr>
+                <a:buSzPts val="2800"/>
+                <a:buFont typeface="Arial"/>
+                <a:buNone/>
+                <a:defRPr sz="1400" b="0" i="0" u="none" strike="noStrike" cap="none">
+                  <a:solidFill>
+                    <a:srgbClr val="000000"/>
+                  </a:solidFill>
+                  <a:latin typeface="Arial"/>
+                  <a:ea typeface="Arial"/>
+                  <a:cs typeface="Arial"/>
+                  <a:sym typeface="Arial"/>
+                </a:defRPr>
+              </a:lvl7pPr>
+              <a:lvl8pPr marR="0" lvl="7" algn="l" rtl="0">
+                <a:lnSpc>
+                  <a:spcPct val="80000"/>
+                </a:lnSpc>
+                <a:spcBef>
+                  <a:spcPts val="0"/>
+                </a:spcBef>
+                <a:spcAft>
+                  <a:spcPts val="0"/>
+                </a:spcAft>
+                <a:buClr>
+                  <a:srgbClr val="000000"/>
+                </a:buClr>
+                <a:buSzPts val="2800"/>
+                <a:buFont typeface="Arial"/>
+                <a:buNone/>
+                <a:defRPr sz="1400" b="0" i="0" u="none" strike="noStrike" cap="none">
+                  <a:solidFill>
+                    <a:srgbClr val="000000"/>
+                  </a:solidFill>
+                  <a:latin typeface="Arial"/>
+                  <a:ea typeface="Arial"/>
+                  <a:cs typeface="Arial"/>
+                  <a:sym typeface="Arial"/>
+                </a:defRPr>
+              </a:lvl8pPr>
+              <a:lvl9pPr marR="0" lvl="8" algn="l" rtl="0">
+                <a:lnSpc>
+                  <a:spcPct val="80000"/>
+                </a:lnSpc>
+                <a:spcBef>
+                  <a:spcPts val="0"/>
+                </a:spcBef>
+                <a:spcAft>
+                  <a:spcPts val="0"/>
+                </a:spcAft>
+                <a:buClr>
+                  <a:srgbClr val="000000"/>
+                </a:buClr>
+                <a:buSzPts val="2800"/>
+                <a:buFont typeface="Arial"/>
+                <a:buNone/>
+                <a:defRPr sz="1400" b="0" i="0" u="none" strike="noStrike" cap="none">
+                  <a:solidFill>
+                    <a:srgbClr val="000000"/>
+                  </a:solidFill>
+                  <a:latin typeface="Arial"/>
+                  <a:ea typeface="Arial"/>
+                  <a:cs typeface="Arial"/>
+                  <a:sym typeface="Arial"/>
+                </a:defRPr>
+              </a:lvl9pPr>
+            </a:lstStyle>
+            <a:p>
+              <a:pPr algn="ctr"/>
+              <a:r>
+                <a:rPr lang="ko-KR" altLang="en-US" sz="1600" b="1" dirty="0" smtClean="0">
+                  <a:solidFill>
+                    <a:srgbClr val="201533"/>
+                  </a:solidFill>
+                  <a:latin typeface="+mn-ea"/>
+                  <a:ea typeface="+mn-ea"/>
+                </a:rPr>
+                <a:t>조우성</a:t>
+              </a:r>
+              <a:endParaRPr lang="ko-KR" altLang="en-US" sz="1600" b="1" dirty="0">
+                <a:solidFill>
+                  <a:srgbClr val="201533"/>
+                </a:solidFill>
+                <a:latin typeface="+mn-ea"/>
+                <a:ea typeface="+mn-ea"/>
+              </a:endParaRPr>
+            </a:p>
+          </p:txBody>
+        </p:sp>
+      </p:grpSp>
+    </p:spTree>
+    <p:extLst>
+      <p:ext uri="{BB962C8B-B14F-4D97-AF65-F5344CB8AC3E}">
+        <p14:creationId xmlns:p14="http://schemas.microsoft.com/office/powerpoint/2010/main" val="152764828"/>
+      </p:ext>
+    </p:extLst>
+  </p:cSld>
+  <p:clrMapOvr>
+    <a:masterClrMapping/>
+  </p:clrMapOvr>
+  <p:timing>
+    <p:tnLst>
+      <p:par>
+        <p:cTn id="1" dur="indefinite" restart="never" nodeType="tmRoot"/>
+      </p:par>
+    </p:tnLst>
+  </p:timing>
+</p:sld>
+</file>
+
+<file path=ppt/slides/slide5.xml><?xml version="1.0" encoding="utf-8"?>
+<p:sld xmlns:a="http://schemas.openxmlformats.org/drawingml/2006/main" xmlns:r="http://schemas.openxmlformats.org/officeDocument/2006/relationships" xmlns:p="http://schemas.openxmlformats.org/presentationml/2006/main">
+  <p:cSld>
+    <p:spTree>
+      <p:nvGrpSpPr>
+        <p:cNvPr id="1" name=""/>
+        <p:cNvGrpSpPr/>
+        <p:nvPr/>
+      </p:nvGrpSpPr>
+      <p:grpSpPr>
+        <a:xfrm>
+          <a:off x="0" y="0"/>
+          <a:ext cx="0" cy="0"/>
+          <a:chOff x="0" y="0"/>
+          <a:chExt cx="0" cy="0"/>
+        </a:xfrm>
+      </p:grpSpPr>
+      <p:sp>
+        <p:nvSpPr>
+          <p:cNvPr id="2" name="제목 1">
+            <a:extLst>
+              <a:ext uri="{FF2B5EF4-FFF2-40B4-BE49-F238E27FC236}">
+                <a16:creationId xmlns:a16="http://schemas.microsoft.com/office/drawing/2014/main" id="{CBABC1ED-69F5-4AE0-9969-AC5A908C7275}"/>
+              </a:ext>
+            </a:extLst>
+          </p:cNvPr>
+          <p:cNvSpPr>
+            <a:spLocks noGrp="1"/>
+          </p:cNvSpPr>
+          <p:nvPr>
+            <p:ph type="title"/>
+          </p:nvPr>
+        </p:nvSpPr>
+        <p:spPr>
+          <a:xfrm>
+            <a:off x="182083" y="0"/>
+            <a:ext cx="7886700" cy="994200"/>
+          </a:xfrm>
+        </p:spPr>
+        <p:txBody>
+          <a:bodyPr/>
+          <a:lstStyle/>
+          <a:p>
+            <a:r>
+              <a:rPr lang="en-US" altLang="ko-KR" b="1" dirty="0" smtClean="0"/>
+              <a:t>02. </a:t>
+            </a:r>
+            <a:r>
+              <a:rPr lang="ko-KR" altLang="en-US" b="1" dirty="0" smtClean="0"/>
+              <a:t>개발 목적</a:t>
+            </a:r>
+            <a:endParaRPr lang="ko-KR" altLang="en-US" b="1" dirty="0"/>
+          </a:p>
+        </p:txBody>
+      </p:sp>
+      <p:pic>
+        <p:nvPicPr>
+          <p:cNvPr id="4" name="Google Shape;88;p13" descr="작은 원이 있는 그리드"/>
+          <p:cNvPicPr preferRelativeResize="0"/>
+          <p:nvPr/>
+        </p:nvPicPr>
+        <p:blipFill rotWithShape="1">
+          <a:blip r:embed="rId2">
+            <a:alphaModFix/>
+          </a:blip>
+          <a:srcRect/>
+          <a:stretch/>
+        </p:blipFill>
+        <p:spPr>
+          <a:xfrm rot="17572839" flipV="1">
+            <a:off x="7686300" y="-718616"/>
+            <a:ext cx="2239349" cy="2239343"/>
+          </a:xfrm>
+          <a:prstGeom prst="rect">
+            <a:avLst/>
+          </a:prstGeom>
+          <a:noFill/>
+          <a:ln>
+            <a:noFill/>
+          </a:ln>
+        </p:spPr>
+      </p:pic>
+      <p:sp>
+        <p:nvSpPr>
+          <p:cNvPr id="32" name="슬라이드 번호 개체 틀 31"/>
+          <p:cNvSpPr>
+            <a:spLocks noGrp="1"/>
+          </p:cNvSpPr>
+          <p:nvPr>
+            <p:ph type="sldNum" idx="12"/>
+          </p:nvPr>
+        </p:nvSpPr>
+        <p:spPr>
+          <a:xfrm>
+            <a:off x="6968313" y="4767263"/>
+            <a:ext cx="2057400" cy="273900"/>
+          </a:xfrm>
+        </p:spPr>
+        <p:txBody>
+          <a:bodyPr/>
+          <a:lstStyle/>
+          <a:p>
+            <a:pPr marL="0" lvl="0" indent="0" algn="r" rtl="0">
+              <a:spcBef>
+                <a:spcPts val="0"/>
+              </a:spcBef>
+              <a:spcAft>
+                <a:spcPts val="0"/>
+              </a:spcAft>
+              <a:buNone/>
+            </a:pPr>
+            <a:fld id="{00000000-1234-1234-1234-123412341234}" type="slidenum">
+              <a:rPr lang="en-US" altLang="ko" smtClean="0"/>
+              <a:t>5</a:t>
+            </a:fld>
+            <a:endParaRPr lang="ko" altLang="en-US" dirty="0"/>
+          </a:p>
+        </p:txBody>
+      </p:sp>
+      <p:sp>
+        <p:nvSpPr>
+          <p:cNvPr id="28" name="말풍선: 모서리가 둥근 사각형 9">
+            <a:extLst>
+              <a:ext uri="{FF2B5EF4-FFF2-40B4-BE49-F238E27FC236}">
+                <a16:creationId xmlns:a16="http://schemas.microsoft.com/office/drawing/2014/main" id="{F0D72F9F-800B-2C34-BE96-40D870576919}"/>
+              </a:ext>
+            </a:extLst>
+          </p:cNvPr>
+          <p:cNvSpPr/>
+          <p:nvPr/>
+        </p:nvSpPr>
+        <p:spPr>
+          <a:xfrm>
+            <a:off x="3082066" y="1122507"/>
+            <a:ext cx="2979868" cy="773878"/>
+          </a:xfrm>
+          <a:prstGeom prst="wedgeRoundRectCallout">
+            <a:avLst>
+              <a:gd name="adj1" fmla="val -68126"/>
+              <a:gd name="adj2" fmla="val -12565"/>
+              <a:gd name="adj3" fmla="val 16667"/>
+            </a:avLst>
+          </a:prstGeom>
+          <a:solidFill>
+            <a:schemeClr val="bg1"/>
+          </a:solidFill>
+          <a:ln>
+            <a:noFill/>
+          </a:ln>
+        </p:spPr>
+        <p:style>
+          <a:lnRef idx="2">
+            <a:schemeClr val="accent1">
+              <a:shade val="50000"/>
+            </a:schemeClr>
+          </a:lnRef>
+          <a:fillRef idx="1">
+            <a:schemeClr val="accent1"/>
+          </a:fillRef>
+          <a:effectRef idx="0">
+            <a:schemeClr val="accent1"/>
+          </a:effectRef>
+          <a:fontRef idx="minor">
+            <a:schemeClr val="lt1"/>
+          </a:fontRef>
+        </p:style>
+        <p:txBody>
+          <a:bodyPr rtlCol="0" anchor="ctr"/>
+          <a:lstStyle/>
+          <a:p>
+            <a:pPr algn="ctr"/>
+            <a:r>
+              <a:rPr lang="ko-KR" altLang="en-US" sz="1300" dirty="0">
+                <a:solidFill>
+                  <a:srgbClr val="201533"/>
+                </a:solidFill>
+                <a:latin typeface="+mn-ea"/>
+              </a:rPr>
+              <a:t>내일 중요한 날인데</a:t>
+            </a:r>
+            <a:endParaRPr lang="en-US" altLang="ko-KR" sz="1300" dirty="0">
+              <a:solidFill>
+                <a:srgbClr val="201533"/>
+              </a:solidFill>
+              <a:latin typeface="+mn-ea"/>
+            </a:endParaRPr>
+          </a:p>
+          <a:p>
+            <a:pPr algn="ctr"/>
+            <a:r>
+              <a:rPr lang="ko-KR" altLang="en-US" sz="1300" dirty="0">
+                <a:solidFill>
+                  <a:srgbClr val="201533"/>
+                </a:solidFill>
+                <a:latin typeface="+mn-ea"/>
+              </a:rPr>
+              <a:t>입을 옷이 없어</a:t>
+            </a:r>
+            <a:r>
+              <a:rPr lang="en-US" altLang="ko-KR" sz="1300" dirty="0">
+                <a:solidFill>
+                  <a:srgbClr val="201533"/>
+                </a:solidFill>
+                <a:latin typeface="+mn-ea"/>
+              </a:rPr>
+              <a:t>..</a:t>
+            </a:r>
+          </a:p>
+          <a:p>
+            <a:pPr algn="ctr"/>
+            <a:r>
+              <a:rPr lang="ko-KR" altLang="en-US" sz="1300" dirty="0">
+                <a:solidFill>
+                  <a:srgbClr val="201533"/>
+                </a:solidFill>
+                <a:latin typeface="+mn-ea"/>
+              </a:rPr>
+              <a:t>대여는 너무 오래 걸리고 비싸</a:t>
+            </a:r>
+            <a:r>
+              <a:rPr lang="en-US" altLang="ko-KR" sz="1300" dirty="0">
+                <a:solidFill>
+                  <a:srgbClr val="201533"/>
+                </a:solidFill>
+                <a:latin typeface="+mn-ea"/>
+              </a:rPr>
+              <a:t>!</a:t>
+            </a:r>
+            <a:endParaRPr lang="ko-KR" altLang="en-US" sz="1300" dirty="0">
+              <a:solidFill>
+                <a:srgbClr val="201533"/>
+              </a:solidFill>
+              <a:latin typeface="+mn-ea"/>
+            </a:endParaRPr>
+          </a:p>
+        </p:txBody>
+      </p:sp>
+      <p:sp>
+        <p:nvSpPr>
+          <p:cNvPr id="29" name="말풍선: 모서리가 둥근 사각형 10">
+            <a:extLst>
+              <a:ext uri="{FF2B5EF4-FFF2-40B4-BE49-F238E27FC236}">
+                <a16:creationId xmlns:a16="http://schemas.microsoft.com/office/drawing/2014/main" id="{38C77EDB-EA26-057E-E163-AA8D52F14BBE}"/>
+              </a:ext>
+            </a:extLst>
+          </p:cNvPr>
+          <p:cNvSpPr/>
+          <p:nvPr/>
+        </p:nvSpPr>
+        <p:spPr>
+          <a:xfrm>
+            <a:off x="3769487" y="1985833"/>
+            <a:ext cx="2979868" cy="773878"/>
+          </a:xfrm>
+          <a:prstGeom prst="wedgeRoundRectCallout">
+            <a:avLst>
+              <a:gd name="adj1" fmla="val 62921"/>
+              <a:gd name="adj2" fmla="val -7005"/>
+              <a:gd name="adj3" fmla="val 16667"/>
+            </a:avLst>
+          </a:prstGeom>
+          <a:solidFill>
+            <a:schemeClr val="bg1"/>
+          </a:solidFill>
+          <a:ln>
+            <a:noFill/>
+          </a:ln>
+        </p:spPr>
+        <p:style>
+          <a:lnRef idx="2">
+            <a:schemeClr val="accent1">
+              <a:shade val="50000"/>
+            </a:schemeClr>
+          </a:lnRef>
+          <a:fillRef idx="1">
+            <a:schemeClr val="accent1"/>
+          </a:fillRef>
+          <a:effectRef idx="0">
+            <a:schemeClr val="accent1"/>
+          </a:effectRef>
+          <a:fontRef idx="minor">
+            <a:schemeClr val="lt1"/>
+          </a:fontRef>
+        </p:style>
+        <p:txBody>
+          <a:bodyPr rtlCol="0" anchor="ctr"/>
+          <a:lstStyle/>
+          <a:p>
+            <a:pPr algn="ctr"/>
+            <a:r>
+              <a:rPr lang="ko-KR" altLang="en-US" sz="1300" dirty="0">
+                <a:solidFill>
+                  <a:srgbClr val="201533"/>
+                </a:solidFill>
+                <a:latin typeface="+mn-ea"/>
+              </a:rPr>
+              <a:t>옷을 사기 전에</a:t>
+            </a:r>
+            <a:endParaRPr lang="en-US" altLang="ko-KR" sz="1300" dirty="0">
+              <a:solidFill>
+                <a:srgbClr val="201533"/>
+              </a:solidFill>
+              <a:latin typeface="+mn-ea"/>
+            </a:endParaRPr>
+          </a:p>
+          <a:p>
+            <a:pPr algn="ctr"/>
+            <a:r>
+              <a:rPr lang="ko-KR" altLang="en-US" sz="1300" dirty="0">
+                <a:solidFill>
+                  <a:srgbClr val="201533"/>
+                </a:solidFill>
+                <a:latin typeface="+mn-ea"/>
+              </a:rPr>
+              <a:t>잠깐 입어보고 싶은데</a:t>
+            </a:r>
+            <a:r>
+              <a:rPr lang="en-US" altLang="ko-KR" sz="1300" dirty="0">
+                <a:solidFill>
+                  <a:srgbClr val="201533"/>
+                </a:solidFill>
+                <a:latin typeface="+mn-ea"/>
+              </a:rPr>
+              <a:t>..</a:t>
+            </a:r>
+          </a:p>
+          <a:p>
+            <a:pPr algn="ctr"/>
+            <a:r>
+              <a:rPr lang="ko-KR" altLang="en-US" sz="1300" dirty="0">
+                <a:solidFill>
+                  <a:srgbClr val="201533"/>
+                </a:solidFill>
+                <a:latin typeface="+mn-ea"/>
+              </a:rPr>
+              <a:t>방법이 없을까</a:t>
+            </a:r>
+            <a:r>
+              <a:rPr lang="en-US" altLang="ko-KR" sz="1300" dirty="0">
+                <a:solidFill>
+                  <a:srgbClr val="201533"/>
+                </a:solidFill>
+                <a:latin typeface="+mn-ea"/>
+              </a:rPr>
+              <a:t>??</a:t>
+            </a:r>
+            <a:endParaRPr lang="ko-KR" altLang="en-US" sz="1300" dirty="0">
+              <a:solidFill>
+                <a:srgbClr val="201533"/>
+              </a:solidFill>
+              <a:latin typeface="+mn-ea"/>
+            </a:endParaRPr>
+          </a:p>
+        </p:txBody>
+      </p:sp>
+      <p:sp>
+        <p:nvSpPr>
+          <p:cNvPr id="30" name="말풍선: 모서리가 둥근 사각형 11">
+            <a:extLst>
+              <a:ext uri="{FF2B5EF4-FFF2-40B4-BE49-F238E27FC236}">
+                <a16:creationId xmlns:a16="http://schemas.microsoft.com/office/drawing/2014/main" id="{EEED9ABC-170E-6866-B454-F623C9A03257}"/>
+              </a:ext>
+            </a:extLst>
+          </p:cNvPr>
+          <p:cNvSpPr/>
+          <p:nvPr/>
+        </p:nvSpPr>
+        <p:spPr>
+          <a:xfrm>
+            <a:off x="3071308" y="2876311"/>
+            <a:ext cx="2979868" cy="773878"/>
+          </a:xfrm>
+          <a:prstGeom prst="wedgeRoundRectCallout">
+            <a:avLst>
+              <a:gd name="adj1" fmla="val -67043"/>
+              <a:gd name="adj2" fmla="val -15346"/>
+              <a:gd name="adj3" fmla="val 16667"/>
+            </a:avLst>
+          </a:prstGeom>
+          <a:solidFill>
+            <a:schemeClr val="bg1"/>
+          </a:solidFill>
+          <a:ln>
+            <a:noFill/>
+          </a:ln>
+        </p:spPr>
+        <p:style>
+          <a:lnRef idx="2">
+            <a:schemeClr val="accent1">
+              <a:shade val="50000"/>
+            </a:schemeClr>
+          </a:lnRef>
+          <a:fillRef idx="1">
+            <a:schemeClr val="accent1"/>
+          </a:fillRef>
+          <a:effectRef idx="0">
+            <a:schemeClr val="accent1"/>
+          </a:effectRef>
+          <a:fontRef idx="minor">
+            <a:schemeClr val="lt1"/>
+          </a:fontRef>
+        </p:style>
+        <p:txBody>
+          <a:bodyPr rtlCol="0" anchor="ctr"/>
+          <a:lstStyle/>
+          <a:p>
+            <a:pPr algn="ctr"/>
+            <a:r>
+              <a:rPr lang="ko-KR" altLang="en-US" sz="1300" dirty="0">
+                <a:solidFill>
+                  <a:srgbClr val="201533"/>
+                </a:solidFill>
+                <a:latin typeface="+mn-ea"/>
+              </a:rPr>
+              <a:t>옷이 </a:t>
+            </a:r>
+            <a:r>
+              <a:rPr lang="ko-KR" altLang="en-US" sz="1300">
+                <a:solidFill>
+                  <a:srgbClr val="201533"/>
+                </a:solidFill>
+                <a:latin typeface="+mn-ea"/>
+              </a:rPr>
+              <a:t>너무 많은데</a:t>
+            </a:r>
+            <a:endParaRPr lang="en-US" altLang="ko-KR" sz="1300" dirty="0">
+              <a:solidFill>
+                <a:srgbClr val="201533"/>
+              </a:solidFill>
+              <a:latin typeface="+mn-ea"/>
+            </a:endParaRPr>
+          </a:p>
+          <a:p>
+            <a:pPr algn="ctr"/>
+            <a:r>
+              <a:rPr lang="ko-KR" altLang="en-US" sz="1300" dirty="0">
+                <a:solidFill>
+                  <a:srgbClr val="201533"/>
+                </a:solidFill>
+                <a:latin typeface="+mn-ea"/>
+              </a:rPr>
+              <a:t>빌려주고 용돈을 </a:t>
+            </a:r>
+            <a:r>
+              <a:rPr lang="ko-KR" altLang="en-US" sz="1300">
+                <a:solidFill>
+                  <a:srgbClr val="201533"/>
+                </a:solidFill>
+                <a:latin typeface="+mn-ea"/>
+              </a:rPr>
+              <a:t>벌고 싶어</a:t>
+            </a:r>
+            <a:r>
+              <a:rPr lang="en-US" altLang="ko-KR" sz="1300" dirty="0">
+                <a:solidFill>
+                  <a:srgbClr val="201533"/>
+                </a:solidFill>
+                <a:latin typeface="+mn-ea"/>
+              </a:rPr>
+              <a:t>..!</a:t>
+            </a:r>
+          </a:p>
+        </p:txBody>
+      </p:sp>
+      <p:sp>
+        <p:nvSpPr>
+          <p:cNvPr id="31" name="Google Shape;315;p50">
+            <a:extLst>
+              <a:ext uri="{FF2B5EF4-FFF2-40B4-BE49-F238E27FC236}">
+                <a16:creationId xmlns:a16="http://schemas.microsoft.com/office/drawing/2014/main" id="{302F02AB-B8D1-3001-613C-4E4895850B30}"/>
+              </a:ext>
+            </a:extLst>
+          </p:cNvPr>
+          <p:cNvSpPr txBox="1">
+            <a:spLocks/>
+          </p:cNvSpPr>
+          <p:nvPr/>
+        </p:nvSpPr>
+        <p:spPr>
+          <a:xfrm>
+            <a:off x="2262467" y="4029996"/>
+            <a:ext cx="4619065" cy="874217"/>
+          </a:xfrm>
+          <a:prstGeom prst="rect">
+            <a:avLst/>
+          </a:prstGeom>
+          <a:noFill/>
+          <a:ln>
+            <a:noFill/>
+          </a:ln>
+        </p:spPr>
+        <p:txBody>
+          <a:bodyPr spcFirstLastPara="1" wrap="square" lIns="91425" tIns="91425" rIns="91425" bIns="91425" anchor="t" anchorCtr="0">
+            <a:noAutofit/>
+          </a:bodyPr>
+          <a:lstStyle>
+            <a:defPPr marR="0" lvl="0" algn="l" rtl="0">
+              <a:lnSpc>
+                <a:spcPct val="100000"/>
+              </a:lnSpc>
+              <a:spcBef>
+                <a:spcPts val="0"/>
+              </a:spcBef>
+              <a:spcAft>
+                <a:spcPts val="0"/>
+              </a:spcAft>
+            </a:defPPr>
+            <a:lvl1pPr marL="457200" marR="0" lvl="0" indent="-342900" algn="ctr" rtl="0">
+              <a:lnSpc>
+                <a:spcPct val="90000"/>
+              </a:lnSpc>
+              <a:spcBef>
+                <a:spcPts val="0"/>
+              </a:spcBef>
+              <a:spcAft>
+                <a:spcPts val="0"/>
+              </a:spcAft>
+              <a:buClr>
+                <a:schemeClr val="dk2"/>
+              </a:buClr>
+              <a:buSzPts val="1400"/>
+              <a:buFont typeface="Roboto Mono Medium"/>
+              <a:buNone/>
+              <a:defRPr sz="1400" b="0" i="0" u="none" strike="noStrike" cap="none">
+                <a:solidFill>
+                  <a:schemeClr val="dk2"/>
+                </a:solidFill>
+                <a:latin typeface="Roboto Mono Medium"/>
+                <a:ea typeface="Roboto Mono Medium"/>
+                <a:cs typeface="Roboto Mono Medium"/>
+                <a:sym typeface="Roboto Mono Medium"/>
+              </a:defRPr>
+            </a:lvl1pPr>
+            <a:lvl2pPr marL="914400" marR="0" lvl="1" indent="-317500" algn="ctr" rtl="0">
+              <a:lnSpc>
+                <a:spcPct val="90000"/>
+              </a:lnSpc>
+              <a:spcBef>
+                <a:spcPts val="0"/>
+              </a:spcBef>
+              <a:spcAft>
+                <a:spcPts val="0"/>
+              </a:spcAft>
+              <a:buClr>
+                <a:srgbClr val="0B5394"/>
+              </a:buClr>
+              <a:buSzPts val="1800"/>
+              <a:buFont typeface="Coming Soon"/>
+              <a:buNone/>
+              <a:defRPr sz="1800" b="1" i="0" u="none" strike="noStrike" cap="none">
+                <a:solidFill>
+                  <a:srgbClr val="0B5394"/>
+                </a:solidFill>
+                <a:latin typeface="Coming Soon"/>
+                <a:ea typeface="Coming Soon"/>
+                <a:cs typeface="Coming Soon"/>
+                <a:sym typeface="Coming Soon"/>
+              </a:defRPr>
+            </a:lvl2pPr>
+            <a:lvl3pPr marL="1371600" marR="0" lvl="2" indent="-317500" algn="ctr" rtl="0">
+              <a:lnSpc>
+                <a:spcPct val="90000"/>
+              </a:lnSpc>
+              <a:spcBef>
+                <a:spcPts val="0"/>
+              </a:spcBef>
+              <a:spcAft>
+                <a:spcPts val="0"/>
+              </a:spcAft>
+              <a:buClr>
+                <a:srgbClr val="0B5394"/>
+              </a:buClr>
+              <a:buSzPts val="1800"/>
+              <a:buFont typeface="Coming Soon"/>
+              <a:buNone/>
+              <a:defRPr sz="1800" b="1" i="0" u="none" strike="noStrike" cap="none">
+                <a:solidFill>
+                  <a:srgbClr val="0B5394"/>
+                </a:solidFill>
+                <a:latin typeface="Coming Soon"/>
+                <a:ea typeface="Coming Soon"/>
+                <a:cs typeface="Coming Soon"/>
+                <a:sym typeface="Coming Soon"/>
+              </a:defRPr>
+            </a:lvl3pPr>
+            <a:lvl4pPr marL="1828800" marR="0" lvl="3" indent="-317500" algn="ctr" rtl="0">
+              <a:lnSpc>
+                <a:spcPct val="90000"/>
+              </a:lnSpc>
+              <a:spcBef>
+                <a:spcPts val="0"/>
+              </a:spcBef>
+              <a:spcAft>
+                <a:spcPts val="0"/>
+              </a:spcAft>
+              <a:buClr>
+                <a:srgbClr val="0B5394"/>
+              </a:buClr>
+              <a:buSzPts val="1800"/>
+              <a:buFont typeface="Coming Soon"/>
+              <a:buNone/>
+              <a:defRPr sz="1800" b="1" i="0" u="none" strike="noStrike" cap="none">
+                <a:solidFill>
+                  <a:srgbClr val="0B5394"/>
+                </a:solidFill>
+                <a:latin typeface="Coming Soon"/>
+                <a:ea typeface="Coming Soon"/>
+                <a:cs typeface="Coming Soon"/>
+                <a:sym typeface="Coming Soon"/>
+              </a:defRPr>
+            </a:lvl4pPr>
+            <a:lvl5pPr marL="2286000" marR="0" lvl="4" indent="-317500" algn="ctr" rtl="0">
+              <a:lnSpc>
+                <a:spcPct val="90000"/>
+              </a:lnSpc>
+              <a:spcBef>
+                <a:spcPts val="0"/>
+              </a:spcBef>
+              <a:spcAft>
+                <a:spcPts val="0"/>
+              </a:spcAft>
+              <a:buClr>
+                <a:srgbClr val="0B5394"/>
+              </a:buClr>
+              <a:buSzPts val="1800"/>
+              <a:buFont typeface="Coming Soon"/>
+              <a:buNone/>
+              <a:defRPr sz="1800" b="1" i="0" u="none" strike="noStrike" cap="none">
+                <a:solidFill>
+                  <a:srgbClr val="0B5394"/>
+                </a:solidFill>
+                <a:latin typeface="Coming Soon"/>
+                <a:ea typeface="Coming Soon"/>
+                <a:cs typeface="Coming Soon"/>
+                <a:sym typeface="Coming Soon"/>
+              </a:defRPr>
+            </a:lvl5pPr>
+            <a:lvl6pPr marL="2743200" marR="0" lvl="5" indent="-317500" algn="ctr" rtl="0">
+              <a:lnSpc>
+                <a:spcPct val="90000"/>
+              </a:lnSpc>
+              <a:spcBef>
+                <a:spcPts val="0"/>
+              </a:spcBef>
+              <a:spcAft>
+                <a:spcPts val="0"/>
+              </a:spcAft>
+              <a:buClr>
+                <a:srgbClr val="0B5394"/>
+              </a:buClr>
+              <a:buSzPts val="1800"/>
+              <a:buFont typeface="Coming Soon"/>
+              <a:buNone/>
+              <a:defRPr sz="1800" b="1" i="0" u="none" strike="noStrike" cap="none">
+                <a:solidFill>
+                  <a:srgbClr val="0B5394"/>
+                </a:solidFill>
+                <a:latin typeface="Coming Soon"/>
+                <a:ea typeface="Coming Soon"/>
+                <a:cs typeface="Coming Soon"/>
+                <a:sym typeface="Coming Soon"/>
+              </a:defRPr>
+            </a:lvl6pPr>
+            <a:lvl7pPr marL="3200400" marR="0" lvl="6" indent="-317500" algn="ctr" rtl="0">
+              <a:lnSpc>
+                <a:spcPct val="90000"/>
+              </a:lnSpc>
+              <a:spcBef>
+                <a:spcPts val="0"/>
+              </a:spcBef>
+              <a:spcAft>
+                <a:spcPts val="0"/>
+              </a:spcAft>
+              <a:buClr>
+                <a:srgbClr val="0B5394"/>
+              </a:buClr>
+              <a:buSzPts val="1800"/>
+              <a:buFont typeface="Coming Soon"/>
+              <a:buNone/>
+              <a:defRPr sz="1800" b="1" i="0" u="none" strike="noStrike" cap="none">
+                <a:solidFill>
+                  <a:srgbClr val="0B5394"/>
+                </a:solidFill>
+                <a:latin typeface="Coming Soon"/>
+                <a:ea typeface="Coming Soon"/>
+                <a:cs typeface="Coming Soon"/>
+                <a:sym typeface="Coming Soon"/>
+              </a:defRPr>
+            </a:lvl7pPr>
+            <a:lvl8pPr marL="3657600" marR="0" lvl="7" indent="-317500" algn="ctr" rtl="0">
+              <a:lnSpc>
+                <a:spcPct val="90000"/>
+              </a:lnSpc>
+              <a:spcBef>
+                <a:spcPts val="0"/>
+              </a:spcBef>
+              <a:spcAft>
+                <a:spcPts val="0"/>
+              </a:spcAft>
+              <a:buClr>
+                <a:srgbClr val="0B5394"/>
+              </a:buClr>
+              <a:buSzPts val="1800"/>
+              <a:buFont typeface="Coming Soon"/>
+              <a:buNone/>
+              <a:defRPr sz="1800" b="1" i="0" u="none" strike="noStrike" cap="none">
+                <a:solidFill>
+                  <a:srgbClr val="0B5394"/>
+                </a:solidFill>
+                <a:latin typeface="Coming Soon"/>
+                <a:ea typeface="Coming Soon"/>
+                <a:cs typeface="Coming Soon"/>
+                <a:sym typeface="Coming Soon"/>
+              </a:defRPr>
+            </a:lvl8pPr>
+            <a:lvl9pPr marL="4114800" marR="0" lvl="8" indent="-317500" algn="ctr" rtl="0">
+              <a:lnSpc>
+                <a:spcPct val="90000"/>
+              </a:lnSpc>
+              <a:spcBef>
+                <a:spcPts val="0"/>
+              </a:spcBef>
+              <a:spcAft>
+                <a:spcPts val="0"/>
+              </a:spcAft>
+              <a:buClr>
+                <a:srgbClr val="0B5394"/>
+              </a:buClr>
+              <a:buSzPts val="1800"/>
+              <a:buFont typeface="Coming Soon"/>
+              <a:buNone/>
+              <a:defRPr sz="1800" b="1" i="0" u="none" strike="noStrike" cap="none">
+                <a:solidFill>
+                  <a:srgbClr val="0B5394"/>
+                </a:solidFill>
+                <a:latin typeface="Coming Soon"/>
+                <a:ea typeface="Coming Soon"/>
+                <a:cs typeface="Coming Soon"/>
+                <a:sym typeface="Coming Soon"/>
+              </a:defRPr>
+            </a:lvl9pPr>
+          </a:lstStyle>
+          <a:p>
+            <a:pPr marL="0" indent="0"/>
+            <a:r>
+              <a:rPr lang="ko-KR" altLang="en-US" sz="1800" dirty="0">
+                <a:solidFill>
+                  <a:srgbClr val="00B0F0"/>
+                </a:solidFill>
+                <a:latin typeface="+mn-ea"/>
+                <a:ea typeface="+mn-ea"/>
+              </a:rPr>
+              <a:t>본인의 옷을 유저에게</a:t>
+            </a:r>
+            <a:endParaRPr lang="en-US" altLang="ko-KR" sz="1800" dirty="0">
+              <a:solidFill>
+                <a:srgbClr val="00B0F0"/>
+              </a:solidFill>
+              <a:latin typeface="+mn-ea"/>
+              <a:ea typeface="+mn-ea"/>
+            </a:endParaRPr>
+          </a:p>
+          <a:p>
+            <a:pPr marL="0" indent="0"/>
+            <a:r>
+              <a:rPr lang="ko-KR" altLang="en-US" sz="1800" dirty="0">
+                <a:solidFill>
+                  <a:srgbClr val="00B0F0"/>
+                </a:solidFill>
+                <a:latin typeface="+mn-ea"/>
+                <a:ea typeface="+mn-ea"/>
+              </a:rPr>
+              <a:t>대여해 줄 수 있는</a:t>
+            </a:r>
+            <a:endParaRPr lang="en-US" altLang="ko-KR" sz="1800" dirty="0">
+              <a:solidFill>
+                <a:srgbClr val="00B0F0"/>
+              </a:solidFill>
+              <a:latin typeface="+mn-ea"/>
+              <a:ea typeface="+mn-ea"/>
+            </a:endParaRPr>
+          </a:p>
+          <a:p>
+            <a:pPr marL="0" indent="0"/>
+            <a:r>
+              <a:rPr lang="ko-KR" altLang="en-US" sz="2800" b="1" dirty="0" err="1" smtClean="0">
+                <a:solidFill>
+                  <a:srgbClr val="00B0F0"/>
+                </a:solidFill>
+                <a:latin typeface="+mn-ea"/>
+                <a:ea typeface="+mn-ea"/>
+              </a:rPr>
+              <a:t>입어바라</a:t>
+            </a:r>
+            <a:endParaRPr lang="ko-KR" altLang="en-US" sz="2000" dirty="0">
+              <a:solidFill>
+                <a:srgbClr val="00B0F0"/>
+              </a:solidFill>
+              <a:latin typeface="+mn-ea"/>
+              <a:ea typeface="+mn-ea"/>
+            </a:endParaRPr>
+          </a:p>
+        </p:txBody>
+      </p:sp>
+      <p:grpSp>
+        <p:nvGrpSpPr>
+          <p:cNvPr id="8" name="그룹 7"/>
+          <p:cNvGrpSpPr/>
+          <p:nvPr/>
+        </p:nvGrpSpPr>
+        <p:grpSpPr>
+          <a:xfrm>
+            <a:off x="1329543" y="963461"/>
+            <a:ext cx="932924" cy="932924"/>
+            <a:chOff x="496186" y="1268819"/>
+            <a:chExt cx="1842976" cy="1842976"/>
+          </a:xfrm>
+        </p:grpSpPr>
+        <p:sp>
+          <p:nvSpPr>
+            <p:cNvPr id="6" name="타원 5"/>
+            <p:cNvSpPr/>
+            <p:nvPr/>
+          </p:nvSpPr>
+          <p:spPr>
+            <a:xfrm>
+              <a:off x="496186" y="1268819"/>
+              <a:ext cx="1842976" cy="1842976"/>
+            </a:xfrm>
+            <a:prstGeom prst="ellipse">
+              <a:avLst/>
+            </a:prstGeom>
+            <a:solidFill>
+              <a:schemeClr val="bg1"/>
+            </a:solidFill>
+            <a:ln>
+              <a:noFill/>
+            </a:ln>
+          </p:spPr>
+          <p:style>
+            <a:lnRef idx="2">
+              <a:schemeClr val="accent1">
+                <a:shade val="50000"/>
+              </a:schemeClr>
+            </a:lnRef>
+            <a:fillRef idx="1">
+              <a:schemeClr val="accent1"/>
+            </a:fillRef>
+            <a:effectRef idx="0">
+              <a:schemeClr val="accent1"/>
+            </a:effectRef>
+            <a:fontRef idx="minor">
+              <a:schemeClr val="lt1"/>
+            </a:fontRef>
+          </p:style>
+          <p:txBody>
+            <a:bodyPr rtlCol="0" anchor="ctr"/>
+            <a:lstStyle/>
+            <a:p>
+              <a:pPr algn="ctr"/>
+              <a:endParaRPr lang="ko-KR" altLang="en-US"/>
+            </a:p>
+          </p:txBody>
+        </p:sp>
+        <p:pic>
+          <p:nvPicPr>
+            <p:cNvPr id="3" name="그림 2"/>
+            <p:cNvPicPr>
+              <a:picLocks noChangeAspect="1"/>
+            </p:cNvPicPr>
+            <p:nvPr/>
+          </p:nvPicPr>
+          <p:blipFill>
+            <a:blip r:embed="rId3">
+              <a:extLst>
+                <a:ext uri="{28A0092B-C50C-407E-A947-70E740481C1C}">
+                  <a14:useLocalDpi xmlns:a14="http://schemas.microsoft.com/office/drawing/2010/main" val="0"/>
+                </a:ext>
+              </a:extLst>
+            </a:blip>
+            <a:stretch>
+              <a:fillRect/>
+            </a:stretch>
+          </p:blipFill>
+          <p:spPr>
+            <a:xfrm>
+              <a:off x="567315" y="1339949"/>
+              <a:ext cx="1700712" cy="1700711"/>
+            </a:xfrm>
+            <a:prstGeom prst="rect">
+              <a:avLst/>
+            </a:prstGeom>
+          </p:spPr>
+        </p:pic>
+      </p:grpSp>
+      <p:grpSp>
+        <p:nvGrpSpPr>
+          <p:cNvPr id="38" name="그룹 37"/>
+          <p:cNvGrpSpPr/>
+          <p:nvPr/>
+        </p:nvGrpSpPr>
+        <p:grpSpPr>
+          <a:xfrm>
+            <a:off x="1329543" y="2798650"/>
+            <a:ext cx="932924" cy="932924"/>
+            <a:chOff x="496186" y="1268819"/>
+            <a:chExt cx="1842976" cy="1842976"/>
+          </a:xfrm>
+        </p:grpSpPr>
+        <p:sp>
+          <p:nvSpPr>
+            <p:cNvPr id="39" name="타원 38"/>
+            <p:cNvSpPr/>
+            <p:nvPr/>
+          </p:nvSpPr>
+          <p:spPr>
+            <a:xfrm>
+              <a:off x="496186" y="1268819"/>
+              <a:ext cx="1842976" cy="1842976"/>
+            </a:xfrm>
+            <a:prstGeom prst="ellipse">
+              <a:avLst/>
+            </a:prstGeom>
+            <a:solidFill>
+              <a:schemeClr val="bg1"/>
+            </a:solidFill>
+            <a:ln>
+              <a:noFill/>
+            </a:ln>
+          </p:spPr>
+          <p:style>
+            <a:lnRef idx="2">
+              <a:schemeClr val="accent1">
+                <a:shade val="50000"/>
+              </a:schemeClr>
+            </a:lnRef>
+            <a:fillRef idx="1">
+              <a:schemeClr val="accent1"/>
+            </a:fillRef>
+            <a:effectRef idx="0">
+              <a:schemeClr val="accent1"/>
+            </a:effectRef>
+            <a:fontRef idx="minor">
+              <a:schemeClr val="lt1"/>
+            </a:fontRef>
+          </p:style>
+          <p:txBody>
+            <a:bodyPr rtlCol="0" anchor="ctr"/>
+            <a:lstStyle/>
+            <a:p>
+              <a:pPr algn="ctr"/>
+              <a:endParaRPr lang="ko-KR" altLang="en-US"/>
+            </a:p>
+          </p:txBody>
+        </p:sp>
+        <p:pic>
+          <p:nvPicPr>
+            <p:cNvPr id="40" name="그림 39"/>
+            <p:cNvPicPr>
+              <a:picLocks noChangeAspect="1"/>
+            </p:cNvPicPr>
+            <p:nvPr/>
+          </p:nvPicPr>
+          <p:blipFill>
+            <a:blip r:embed="rId3">
+              <a:extLst>
+                <a:ext uri="{28A0092B-C50C-407E-A947-70E740481C1C}">
+                  <a14:useLocalDpi xmlns:a14="http://schemas.microsoft.com/office/drawing/2010/main" val="0"/>
+                </a:ext>
+              </a:extLst>
+            </a:blip>
+            <a:stretch>
+              <a:fillRect/>
+            </a:stretch>
+          </p:blipFill>
+          <p:spPr>
+            <a:xfrm>
+              <a:off x="567315" y="1339949"/>
+              <a:ext cx="1700712" cy="1700711"/>
+            </a:xfrm>
+            <a:prstGeom prst="rect">
+              <a:avLst/>
+            </a:prstGeom>
+          </p:spPr>
+        </p:pic>
+      </p:grpSp>
+      <p:grpSp>
+        <p:nvGrpSpPr>
+          <p:cNvPr id="42" name="그룹 41"/>
+          <p:cNvGrpSpPr/>
+          <p:nvPr/>
+        </p:nvGrpSpPr>
+        <p:grpSpPr>
+          <a:xfrm>
+            <a:off x="7339058" y="1896385"/>
+            <a:ext cx="932924" cy="932924"/>
+            <a:chOff x="496186" y="1268819"/>
+            <a:chExt cx="1842976" cy="1842976"/>
+          </a:xfrm>
+        </p:grpSpPr>
+        <p:sp>
+          <p:nvSpPr>
+            <p:cNvPr id="58" name="타원 57"/>
+            <p:cNvSpPr/>
+            <p:nvPr/>
+          </p:nvSpPr>
+          <p:spPr>
+            <a:xfrm>
+              <a:off x="496186" y="1268819"/>
+              <a:ext cx="1842976" cy="1842976"/>
+            </a:xfrm>
+            <a:prstGeom prst="ellipse">
+              <a:avLst/>
+            </a:prstGeom>
+            <a:solidFill>
+              <a:schemeClr val="bg1"/>
+            </a:solidFill>
+            <a:ln>
+              <a:noFill/>
+            </a:ln>
+          </p:spPr>
+          <p:style>
+            <a:lnRef idx="2">
+              <a:schemeClr val="accent1">
+                <a:shade val="50000"/>
+              </a:schemeClr>
+            </a:lnRef>
+            <a:fillRef idx="1">
+              <a:schemeClr val="accent1"/>
+            </a:fillRef>
+            <a:effectRef idx="0">
+              <a:schemeClr val="accent1"/>
+            </a:effectRef>
+            <a:fontRef idx="minor">
+              <a:schemeClr val="lt1"/>
+            </a:fontRef>
+          </p:style>
+          <p:txBody>
+            <a:bodyPr rtlCol="0" anchor="ctr"/>
+            <a:lstStyle/>
+            <a:p>
+              <a:pPr algn="ctr"/>
+              <a:endParaRPr lang="ko-KR" altLang="en-US"/>
+            </a:p>
+          </p:txBody>
+        </p:sp>
+        <p:pic>
+          <p:nvPicPr>
+            <p:cNvPr id="59" name="그림 58"/>
+            <p:cNvPicPr>
+              <a:picLocks noChangeAspect="1"/>
+            </p:cNvPicPr>
+            <p:nvPr/>
+          </p:nvPicPr>
+          <p:blipFill>
+            <a:blip r:embed="rId3">
+              <a:extLst>
+                <a:ext uri="{28A0092B-C50C-407E-A947-70E740481C1C}">
+                  <a14:useLocalDpi xmlns:a14="http://schemas.microsoft.com/office/drawing/2010/main" val="0"/>
+                </a:ext>
+              </a:extLst>
+            </a:blip>
+            <a:stretch>
+              <a:fillRect/>
+            </a:stretch>
+          </p:blipFill>
+          <p:spPr>
+            <a:xfrm>
+              <a:off x="567315" y="1339949"/>
+              <a:ext cx="1700712" cy="1700711"/>
+            </a:xfrm>
+            <a:prstGeom prst="rect">
+              <a:avLst/>
+            </a:prstGeom>
+          </p:spPr>
+        </p:pic>
+      </p:grpSp>
+    </p:spTree>
+    <p:extLst>
+      <p:ext uri="{BB962C8B-B14F-4D97-AF65-F5344CB8AC3E}">
+        <p14:creationId xmlns:p14="http://schemas.microsoft.com/office/powerpoint/2010/main" val="1705624432"/>
+      </p:ext>
+    </p:extLst>
+  </p:cSld>
+  <p:clrMapOvr>
+    <a:masterClrMapping/>
+  </p:clrMapOvr>
+  <p:timing>
+    <p:tnLst>
+      <p:par>
+        <p:cTn id="1" dur="indefinite" restart="never" nodeType="tmRoot"/>
+      </p:par>
+    </p:tnLst>
+  </p:timing>
+</p:sld>
+</file>
+
+<file path=ppt/slides/slide6.xml><?xml version="1.0" encoding="utf-8"?>
+<p:sld xmlns:a="http://schemas.openxmlformats.org/drawingml/2006/main" xmlns:r="http://schemas.openxmlformats.org/officeDocument/2006/relationships" xmlns:p="http://schemas.openxmlformats.org/presentationml/2006/main">
+  <p:cSld>
+    <p:spTree>
+      <p:nvGrpSpPr>
+        <p:cNvPr id="1" name=""/>
+        <p:cNvGrpSpPr/>
+        <p:nvPr/>
+      </p:nvGrpSpPr>
+      <p:grpSpPr>
+        <a:xfrm>
+          <a:off x="0" y="0"/>
+          <a:ext cx="0" cy="0"/>
+          <a:chOff x="0" y="0"/>
+          <a:chExt cx="0" cy="0"/>
+        </a:xfrm>
+      </p:grpSpPr>
+      <p:sp>
+        <p:nvSpPr>
+          <p:cNvPr id="2" name="제목 1">
+            <a:extLst>
+              <a:ext uri="{FF2B5EF4-FFF2-40B4-BE49-F238E27FC236}">
+                <a16:creationId xmlns:a16="http://schemas.microsoft.com/office/drawing/2014/main" id="{CBABC1ED-69F5-4AE0-9969-AC5A908C7275}"/>
+              </a:ext>
+            </a:extLst>
+          </p:cNvPr>
+          <p:cNvSpPr>
+            <a:spLocks noGrp="1"/>
+          </p:cNvSpPr>
+          <p:nvPr>
+            <p:ph type="title"/>
+          </p:nvPr>
+        </p:nvSpPr>
+        <p:spPr>
+          <a:xfrm>
+            <a:off x="182083" y="0"/>
+            <a:ext cx="7886700" cy="994200"/>
+          </a:xfrm>
+        </p:spPr>
+        <p:txBody>
+          <a:bodyPr/>
+          <a:lstStyle/>
+          <a:p>
+            <a:r>
+              <a:rPr lang="en-US" altLang="ko-KR" b="1" dirty="0" smtClean="0"/>
+              <a:t>03. </a:t>
+            </a:r>
+            <a:r>
+              <a:rPr lang="ko-KR" altLang="en-US" b="1" dirty="0" smtClean="0"/>
+              <a:t>요구사항</a:t>
+            </a:r>
+            <a:endParaRPr lang="ko-KR" altLang="en-US" b="1" dirty="0"/>
+          </a:p>
+        </p:txBody>
+      </p:sp>
+      <p:pic>
+        <p:nvPicPr>
+          <p:cNvPr id="4" name="Google Shape;88;p13" descr="작은 원이 있는 그리드"/>
+          <p:cNvPicPr preferRelativeResize="0"/>
+          <p:nvPr/>
+        </p:nvPicPr>
+        <p:blipFill rotWithShape="1">
+          <a:blip r:embed="rId2">
+            <a:alphaModFix/>
+          </a:blip>
+          <a:srcRect/>
+          <a:stretch/>
+        </p:blipFill>
+        <p:spPr>
+          <a:xfrm rot="17572839" flipV="1">
+            <a:off x="7686300" y="-718616"/>
+            <a:ext cx="2239349" cy="2239343"/>
+          </a:xfrm>
+          <a:prstGeom prst="rect">
+            <a:avLst/>
+          </a:prstGeom>
+          <a:noFill/>
+          <a:ln>
+            <a:noFill/>
+          </a:ln>
+        </p:spPr>
+      </p:pic>
+      <p:sp>
+        <p:nvSpPr>
+          <p:cNvPr id="32" name="슬라이드 번호 개체 틀 31"/>
+          <p:cNvSpPr>
+            <a:spLocks noGrp="1"/>
+          </p:cNvSpPr>
+          <p:nvPr>
+            <p:ph type="sldNum" idx="12"/>
+          </p:nvPr>
+        </p:nvSpPr>
+        <p:spPr>
+          <a:xfrm>
+            <a:off x="6968313" y="4767263"/>
+            <a:ext cx="2057400" cy="273900"/>
+          </a:xfrm>
+        </p:spPr>
+        <p:txBody>
+          <a:bodyPr/>
+          <a:lstStyle/>
+          <a:p>
+            <a:pPr marL="0" lvl="0" indent="0" algn="r" rtl="0">
+              <a:spcBef>
+                <a:spcPts val="0"/>
+              </a:spcBef>
+              <a:spcAft>
+                <a:spcPts val="0"/>
+              </a:spcAft>
+              <a:buNone/>
+            </a:pPr>
+            <a:fld id="{00000000-1234-1234-1234-123412341234}" type="slidenum">
+              <a:rPr lang="en-US" altLang="ko" smtClean="0"/>
+              <a:t>6</a:t>
+            </a:fld>
+            <a:endParaRPr lang="ko" altLang="en-US" dirty="0"/>
+          </a:p>
+        </p:txBody>
+      </p:sp>
+      <p:sp>
+        <p:nvSpPr>
+          <p:cNvPr id="5" name="직사각형 4"/>
+          <p:cNvSpPr/>
+          <p:nvPr/>
+        </p:nvSpPr>
+        <p:spPr>
+          <a:xfrm>
+            <a:off x="595423" y="1077289"/>
+            <a:ext cx="7938977" cy="3600893"/>
+          </a:xfrm>
+          <a:prstGeom prst="rect">
+            <a:avLst/>
+          </a:prstGeom>
+          <a:solidFill>
+            <a:schemeClr val="bg1"/>
+          </a:solidFill>
+          <a:ln>
+            <a:noFill/>
+          </a:ln>
+        </p:spPr>
+        <p:style>
+          <a:lnRef idx="2">
+            <a:schemeClr val="accent1">
+              <a:shade val="50000"/>
+            </a:schemeClr>
+          </a:lnRef>
+          <a:fillRef idx="1">
+            <a:schemeClr val="accent1"/>
+          </a:fillRef>
+          <a:effectRef idx="0">
+            <a:schemeClr val="accent1"/>
+          </a:effectRef>
+          <a:fontRef idx="minor">
+            <a:schemeClr val="lt1"/>
+          </a:fontRef>
+        </p:style>
+        <p:txBody>
+          <a:bodyPr rtlCol="0" anchor="ctr"/>
+          <a:lstStyle/>
+          <a:p>
+            <a:pPr algn="ctr"/>
+            <a:endParaRPr lang="ko-KR" altLang="en-US"/>
+          </a:p>
+        </p:txBody>
+      </p:sp>
+      <p:sp>
+        <p:nvSpPr>
+          <p:cNvPr id="7" name="직사각형 6"/>
+          <p:cNvSpPr/>
+          <p:nvPr/>
+        </p:nvSpPr>
+        <p:spPr>
+          <a:xfrm>
+            <a:off x="825796" y="1077289"/>
+            <a:ext cx="7297478" cy="3647152"/>
+          </a:xfrm>
+          <a:prstGeom prst="rect">
+            <a:avLst/>
+          </a:prstGeom>
+        </p:spPr>
+        <p:txBody>
+          <a:bodyPr wrap="square">
+            <a:spAutoFit/>
+          </a:bodyPr>
+          <a:lstStyle/>
+          <a:p>
+            <a:pPr>
+              <a:lnSpc>
+                <a:spcPct val="150000"/>
+              </a:lnSpc>
+            </a:pPr>
+            <a:r>
+              <a:rPr lang="ko-KR" altLang="en-US" dirty="0"/>
+              <a:t>1. 사용자는 옷을 대여할 수 있다.(기간 1일 ~ 7일)</a:t>
+            </a:r>
+          </a:p>
+          <a:p>
+            <a:pPr>
+              <a:lnSpc>
+                <a:spcPct val="150000"/>
+              </a:lnSpc>
+            </a:pPr>
+            <a:r>
+              <a:rPr lang="ko-KR" altLang="en-US" dirty="0"/>
+              <a:t>2. 사용자는 </a:t>
+            </a:r>
+            <a:r>
+              <a:rPr lang="ko-KR" altLang="en-US" dirty="0" err="1"/>
+              <a:t>대여글</a:t>
+            </a:r>
+            <a:r>
+              <a:rPr lang="ko-KR" altLang="en-US" dirty="0"/>
+              <a:t> 리스트에서 작성자의 평점 및 후기, 이전 글 리스트를 볼 수 있다.</a:t>
+            </a:r>
+          </a:p>
+          <a:p>
+            <a:pPr>
+              <a:lnSpc>
+                <a:spcPct val="150000"/>
+              </a:lnSpc>
+            </a:pPr>
+            <a:r>
+              <a:rPr lang="ko-KR" altLang="en-US" dirty="0"/>
+              <a:t>3. 사용자는 </a:t>
+            </a:r>
+            <a:r>
+              <a:rPr lang="ko-KR" altLang="en-US" dirty="0" err="1"/>
+              <a:t>대여글</a:t>
+            </a:r>
+            <a:r>
+              <a:rPr lang="ko-KR" altLang="en-US" dirty="0"/>
+              <a:t> 리스트 확인 시, 동일 성별의 글만 확인할 수 있다.</a:t>
+            </a:r>
+          </a:p>
+          <a:p>
+            <a:pPr>
+              <a:lnSpc>
+                <a:spcPct val="150000"/>
+              </a:lnSpc>
+            </a:pPr>
+            <a:r>
+              <a:rPr lang="ko-KR" altLang="en-US" dirty="0"/>
+              <a:t>4. 사용자는 </a:t>
+            </a:r>
+            <a:r>
+              <a:rPr lang="ko-KR" altLang="en-US" dirty="0" err="1"/>
+              <a:t>대여글</a:t>
+            </a:r>
+            <a:r>
+              <a:rPr lang="ko-KR" altLang="en-US" dirty="0"/>
+              <a:t> 리스트를 </a:t>
+            </a:r>
+            <a:r>
+              <a:rPr lang="ko-KR" altLang="en-US" dirty="0" err="1"/>
+              <a:t>필터링으로</a:t>
+            </a:r>
+            <a:r>
+              <a:rPr lang="ko-KR" altLang="en-US" dirty="0"/>
+              <a:t> 확인할 수 있다.</a:t>
+            </a:r>
+          </a:p>
+          <a:p>
+            <a:pPr>
+              <a:lnSpc>
+                <a:spcPct val="150000"/>
+              </a:lnSpc>
+            </a:pPr>
+            <a:r>
+              <a:rPr lang="ko-KR" altLang="en-US" dirty="0"/>
+              <a:t>5. </a:t>
+            </a:r>
+            <a:r>
+              <a:rPr lang="ko-KR" altLang="en-US" dirty="0" err="1"/>
+              <a:t>대여글을</a:t>
+            </a:r>
+            <a:r>
+              <a:rPr lang="ko-KR" altLang="en-US" dirty="0"/>
+              <a:t> 작성할 때 옷의 스타일을 구분할 수 있다.</a:t>
+            </a:r>
+          </a:p>
+          <a:p>
+            <a:pPr>
+              <a:lnSpc>
+                <a:spcPct val="150000"/>
+              </a:lnSpc>
+            </a:pPr>
+            <a:r>
+              <a:rPr lang="ko-KR" altLang="en-US" dirty="0"/>
+              <a:t>6. </a:t>
+            </a:r>
+            <a:r>
+              <a:rPr lang="ko-KR" altLang="en-US" dirty="0" err="1"/>
+              <a:t>대여글을</a:t>
+            </a:r>
+            <a:r>
+              <a:rPr lang="ko-KR" altLang="en-US" dirty="0"/>
+              <a:t> 작성할 때 상/하의/신발(속옷 제외)</a:t>
+            </a:r>
+            <a:r>
+              <a:rPr lang="ko-KR" altLang="en-US" dirty="0" err="1"/>
+              <a:t>를</a:t>
+            </a:r>
+            <a:r>
+              <a:rPr lang="ko-KR" altLang="en-US" dirty="0"/>
+              <a:t> 구분할 수 있다.</a:t>
+            </a:r>
+          </a:p>
+          <a:p>
+            <a:pPr>
+              <a:lnSpc>
+                <a:spcPct val="150000"/>
+              </a:lnSpc>
+            </a:pPr>
+            <a:r>
+              <a:rPr lang="ko-KR" altLang="en-US" dirty="0"/>
+              <a:t>7. </a:t>
+            </a:r>
+            <a:r>
+              <a:rPr lang="ko-KR" altLang="en-US" dirty="0" err="1"/>
+              <a:t>대여글을</a:t>
+            </a:r>
+            <a:r>
+              <a:rPr lang="ko-KR" altLang="en-US" dirty="0"/>
+              <a:t> 작성할 때 이미지 파일을 </a:t>
+            </a:r>
+            <a:r>
+              <a:rPr lang="ko-KR" altLang="en-US" dirty="0" smtClean="0"/>
+              <a:t>업로드할 </a:t>
+            </a:r>
+            <a:r>
+              <a:rPr lang="ko-KR" altLang="en-US" dirty="0"/>
+              <a:t>수 있다.</a:t>
+            </a:r>
+          </a:p>
+          <a:p>
+            <a:pPr>
+              <a:lnSpc>
+                <a:spcPct val="150000"/>
+              </a:lnSpc>
+            </a:pPr>
+            <a:r>
+              <a:rPr lang="ko-KR" altLang="en-US" dirty="0"/>
+              <a:t>8. </a:t>
+            </a:r>
+            <a:r>
+              <a:rPr lang="ko-KR" altLang="en-US" dirty="0" err="1"/>
+              <a:t>대여글을</a:t>
+            </a:r>
+            <a:r>
+              <a:rPr lang="ko-KR" altLang="en-US" dirty="0"/>
+              <a:t> 작성할 때 최대 대여 기간 및 일정을 지정할 수 있다.</a:t>
+            </a:r>
+          </a:p>
+          <a:p>
+            <a:pPr>
+              <a:lnSpc>
+                <a:spcPct val="150000"/>
+              </a:lnSpc>
+            </a:pPr>
+            <a:r>
+              <a:rPr lang="ko-KR" altLang="en-US" dirty="0"/>
+              <a:t>9. 사용자는 옷 반납 후 평점을 지정할 수 있다. </a:t>
+            </a:r>
+          </a:p>
+          <a:p>
+            <a:pPr>
+              <a:lnSpc>
+                <a:spcPct val="150000"/>
+              </a:lnSpc>
+            </a:pPr>
+            <a:r>
+              <a:rPr lang="ko-KR" altLang="en-US" dirty="0"/>
+              <a:t>10. 대여에 대한 보상은 가상의 포인트로 지불한다.</a:t>
+            </a:r>
+          </a:p>
+          <a:p>
+            <a:pPr>
+              <a:lnSpc>
+                <a:spcPct val="150000"/>
+              </a:lnSpc>
+            </a:pPr>
+            <a:r>
+              <a:rPr lang="ko-KR" altLang="en-US" dirty="0"/>
+              <a:t>11. 사용자는 본인의 대여 이력을 확인할 수 있다.</a:t>
+            </a:r>
           </a:p>
         </p:txBody>
       </p:sp>
     </p:spTree>
     <p:extLst>
       <p:ext uri="{BB962C8B-B14F-4D97-AF65-F5344CB8AC3E}">
-        <p14:creationId xmlns:p14="http://schemas.microsoft.com/office/powerpoint/2010/main" val="3642968249"/>
+        <p14:creationId xmlns:p14="http://schemas.microsoft.com/office/powerpoint/2010/main" val="453170773"/>
+      </p:ext>
+    </p:extLst>
+  </p:cSld>
+  <p:clrMapOvr>
+    <a:masterClrMapping/>
+  </p:clrMapOvr>
+  <p:timing>
+    <p:tnLst>
+      <p:par>
+        <p:cTn id="1" dur="indefinite" restart="never" nodeType="tmRoot"/>
+      </p:par>
+    </p:tnLst>
+  </p:timing>
+</p:sld>
+</file>
+
+<file path=ppt/slides/slide7.xml><?xml version="1.0" encoding="utf-8"?>
+<p:sld xmlns:a="http://schemas.openxmlformats.org/drawingml/2006/main" xmlns:r="http://schemas.openxmlformats.org/officeDocument/2006/relationships" xmlns:p="http://schemas.openxmlformats.org/presentationml/2006/main">
+  <p:cSld>
+    <p:spTree>
+      <p:nvGrpSpPr>
+        <p:cNvPr id="1" name=""/>
+        <p:cNvGrpSpPr/>
+        <p:nvPr/>
+      </p:nvGrpSpPr>
+      <p:grpSpPr>
+        <a:xfrm>
+          <a:off x="0" y="0"/>
+          <a:ext cx="0" cy="0"/>
+          <a:chOff x="0" y="0"/>
+          <a:chExt cx="0" cy="0"/>
+        </a:xfrm>
+      </p:grpSpPr>
+      <p:sp>
+        <p:nvSpPr>
+          <p:cNvPr id="2" name="제목 1">
+            <a:extLst>
+              <a:ext uri="{FF2B5EF4-FFF2-40B4-BE49-F238E27FC236}">
+                <a16:creationId xmlns:a16="http://schemas.microsoft.com/office/drawing/2014/main" id="{CBABC1ED-69F5-4AE0-9969-AC5A908C7275}"/>
+              </a:ext>
+            </a:extLst>
+          </p:cNvPr>
+          <p:cNvSpPr>
+            <a:spLocks noGrp="1"/>
+          </p:cNvSpPr>
+          <p:nvPr>
+            <p:ph type="title"/>
+          </p:nvPr>
+        </p:nvSpPr>
+        <p:spPr>
+          <a:xfrm>
+            <a:off x="182083" y="0"/>
+            <a:ext cx="7886700" cy="994200"/>
+          </a:xfrm>
+        </p:spPr>
+        <p:txBody>
+          <a:bodyPr/>
+          <a:lstStyle/>
+          <a:p>
+            <a:r>
+              <a:rPr lang="en-US" altLang="ko-KR" b="1" dirty="0" smtClean="0"/>
+              <a:t>04. </a:t>
+            </a:r>
+            <a:r>
+              <a:rPr lang="ko-KR" altLang="en-US" b="1" dirty="0" smtClean="0"/>
+              <a:t>시연 영상</a:t>
+            </a:r>
+            <a:endParaRPr lang="ko-KR" altLang="en-US" b="1" dirty="0"/>
+          </a:p>
+        </p:txBody>
+      </p:sp>
+      <p:pic>
+        <p:nvPicPr>
+          <p:cNvPr id="4" name="Google Shape;88;p13" descr="작은 원이 있는 그리드"/>
+          <p:cNvPicPr preferRelativeResize="0"/>
+          <p:nvPr/>
+        </p:nvPicPr>
+        <p:blipFill rotWithShape="1">
+          <a:blip r:embed="rId2">
+            <a:alphaModFix/>
+          </a:blip>
+          <a:srcRect/>
+          <a:stretch/>
+        </p:blipFill>
+        <p:spPr>
+          <a:xfrm rot="17572839" flipV="1">
+            <a:off x="7686300" y="-718616"/>
+            <a:ext cx="2239349" cy="2239343"/>
+          </a:xfrm>
+          <a:prstGeom prst="rect">
+            <a:avLst/>
+          </a:prstGeom>
+          <a:noFill/>
+          <a:ln>
+            <a:noFill/>
+          </a:ln>
+        </p:spPr>
+      </p:pic>
+      <p:sp>
+        <p:nvSpPr>
+          <p:cNvPr id="32" name="슬라이드 번호 개체 틀 31"/>
+          <p:cNvSpPr>
+            <a:spLocks noGrp="1"/>
+          </p:cNvSpPr>
+          <p:nvPr>
+            <p:ph type="sldNum" idx="12"/>
+          </p:nvPr>
+        </p:nvSpPr>
+        <p:spPr>
+          <a:xfrm>
+            <a:off x="6968313" y="4767263"/>
+            <a:ext cx="2057400" cy="273900"/>
+          </a:xfrm>
+        </p:spPr>
+        <p:txBody>
+          <a:bodyPr/>
+          <a:lstStyle/>
+          <a:p>
+            <a:pPr marL="0" lvl="0" indent="0" algn="r" rtl="0">
+              <a:spcBef>
+                <a:spcPts val="0"/>
+              </a:spcBef>
+              <a:spcAft>
+                <a:spcPts val="0"/>
+              </a:spcAft>
+              <a:buNone/>
+            </a:pPr>
+            <a:fld id="{00000000-1234-1234-1234-123412341234}" type="slidenum">
+              <a:rPr lang="en-US" altLang="ko" smtClean="0"/>
+              <a:t>7</a:t>
+            </a:fld>
+            <a:endParaRPr lang="ko" altLang="en-US" dirty="0"/>
+          </a:p>
+        </p:txBody>
+      </p:sp>
+    </p:spTree>
+    <p:extLst>
+      <p:ext uri="{BB962C8B-B14F-4D97-AF65-F5344CB8AC3E}">
+        <p14:creationId xmlns:p14="http://schemas.microsoft.com/office/powerpoint/2010/main" val="3000733567"/>
+      </p:ext>
+    </p:extLst>
+  </p:cSld>
+  <p:clrMapOvr>
+    <a:masterClrMapping/>
+  </p:clrMapOvr>
+  <p:timing>
+    <p:tnLst>
+      <p:par>
+        <p:cTn id="1" dur="indefinite" restart="never" nodeType="tmRoot"/>
+      </p:par>
+    </p:tnLst>
+  </p:timing>
+</p:sld>
+</file>
+
+<file path=ppt/slides/slide8.xml><?xml version="1.0" encoding="utf-8"?>
+<p:sld xmlns:a="http://schemas.openxmlformats.org/drawingml/2006/main" xmlns:r="http://schemas.openxmlformats.org/officeDocument/2006/relationships" xmlns:p="http://schemas.openxmlformats.org/presentationml/2006/main">
+  <p:cSld>
+    <p:spTree>
+      <p:nvGrpSpPr>
+        <p:cNvPr id="1" name=""/>
+        <p:cNvGrpSpPr/>
+        <p:nvPr/>
+      </p:nvGrpSpPr>
+      <p:grpSpPr>
+        <a:xfrm>
+          <a:off x="0" y="0"/>
+          <a:ext cx="0" cy="0"/>
+          <a:chOff x="0" y="0"/>
+          <a:chExt cx="0" cy="0"/>
+        </a:xfrm>
+      </p:grpSpPr>
+      <p:sp>
+        <p:nvSpPr>
+          <p:cNvPr id="2" name="제목 1">
+            <a:extLst>
+              <a:ext uri="{FF2B5EF4-FFF2-40B4-BE49-F238E27FC236}">
+                <a16:creationId xmlns:a16="http://schemas.microsoft.com/office/drawing/2014/main" id="{CBABC1ED-69F5-4AE0-9969-AC5A908C7275}"/>
+              </a:ext>
+            </a:extLst>
+          </p:cNvPr>
+          <p:cNvSpPr>
+            <a:spLocks noGrp="1"/>
+          </p:cNvSpPr>
+          <p:nvPr>
+            <p:ph type="title"/>
+          </p:nvPr>
+        </p:nvSpPr>
+        <p:spPr>
+          <a:xfrm>
+            <a:off x="182083" y="0"/>
+            <a:ext cx="7886700" cy="994200"/>
+          </a:xfrm>
+        </p:spPr>
+        <p:txBody>
+          <a:bodyPr/>
+          <a:lstStyle/>
+          <a:p>
+            <a:r>
+              <a:rPr lang="en-US" altLang="ko-KR" b="1" dirty="0" smtClean="0"/>
+              <a:t>05. </a:t>
+            </a:r>
+            <a:r>
+              <a:rPr lang="ko-KR" altLang="en-US" b="1" dirty="0" smtClean="0"/>
+              <a:t>코드 리뷰</a:t>
+            </a:r>
+            <a:endParaRPr lang="ko-KR" altLang="en-US" b="1" dirty="0"/>
+          </a:p>
+        </p:txBody>
+      </p:sp>
+      <p:pic>
+        <p:nvPicPr>
+          <p:cNvPr id="4" name="Google Shape;88;p13" descr="작은 원이 있는 그리드"/>
+          <p:cNvPicPr preferRelativeResize="0"/>
+          <p:nvPr/>
+        </p:nvPicPr>
+        <p:blipFill rotWithShape="1">
+          <a:blip r:embed="rId2">
+            <a:alphaModFix/>
+          </a:blip>
+          <a:srcRect/>
+          <a:stretch/>
+        </p:blipFill>
+        <p:spPr>
+          <a:xfrm rot="17572839" flipV="1">
+            <a:off x="7686300" y="-718616"/>
+            <a:ext cx="2239349" cy="2239343"/>
+          </a:xfrm>
+          <a:prstGeom prst="rect">
+            <a:avLst/>
+          </a:prstGeom>
+          <a:noFill/>
+          <a:ln>
+            <a:noFill/>
+          </a:ln>
+        </p:spPr>
+      </p:pic>
+      <p:sp>
+        <p:nvSpPr>
+          <p:cNvPr id="32" name="슬라이드 번호 개체 틀 31"/>
+          <p:cNvSpPr>
+            <a:spLocks noGrp="1"/>
+          </p:cNvSpPr>
+          <p:nvPr>
+            <p:ph type="sldNum" idx="12"/>
+          </p:nvPr>
+        </p:nvSpPr>
+        <p:spPr>
+          <a:xfrm>
+            <a:off x="6968313" y="4767263"/>
+            <a:ext cx="2057400" cy="273900"/>
+          </a:xfrm>
+        </p:spPr>
+        <p:txBody>
+          <a:bodyPr/>
+          <a:lstStyle/>
+          <a:p>
+            <a:pPr marL="0" lvl="0" indent="0" algn="r" rtl="0">
+              <a:spcBef>
+                <a:spcPts val="0"/>
+              </a:spcBef>
+              <a:spcAft>
+                <a:spcPts val="0"/>
+              </a:spcAft>
+              <a:buNone/>
+            </a:pPr>
+            <a:fld id="{00000000-1234-1234-1234-123412341234}" type="slidenum">
+              <a:rPr lang="en-US" altLang="ko" smtClean="0"/>
+              <a:t>8</a:t>
+            </a:fld>
+            <a:endParaRPr lang="ko" altLang="en-US" dirty="0"/>
+          </a:p>
+        </p:txBody>
+      </p:sp>
+    </p:spTree>
+    <p:extLst>
+      <p:ext uri="{BB962C8B-B14F-4D97-AF65-F5344CB8AC3E}">
+        <p14:creationId xmlns:p14="http://schemas.microsoft.com/office/powerpoint/2010/main" val="1686729513"/>
+      </p:ext>
+    </p:extLst>
+  </p:cSld>
+  <p:clrMapOvr>
+    <a:masterClrMapping/>
+  </p:clrMapOvr>
+  <p:timing>
+    <p:tnLst>
+      <p:par>
+        <p:cTn id="1" dur="indefinite" restart="never" nodeType="tmRoot"/>
+      </p:par>
+    </p:tnLst>
+  </p:timing>
+</p:sld>
+</file>
+
+<file path=ppt/slides/slide9.xml><?xml version="1.0" encoding="utf-8"?>
+<p:sld xmlns:a="http://schemas.openxmlformats.org/drawingml/2006/main" xmlns:r="http://schemas.openxmlformats.org/officeDocument/2006/relationships" xmlns:p="http://schemas.openxmlformats.org/presentationml/2006/main">
+  <p:cSld>
+    <p:spTree>
+      <p:nvGrpSpPr>
+        <p:cNvPr id="1" name=""/>
+        <p:cNvGrpSpPr/>
+        <p:nvPr/>
+      </p:nvGrpSpPr>
+      <p:grpSpPr>
+        <a:xfrm>
+          <a:off x="0" y="0"/>
+          <a:ext cx="0" cy="0"/>
+          <a:chOff x="0" y="0"/>
+          <a:chExt cx="0" cy="0"/>
+        </a:xfrm>
+      </p:grpSpPr>
+      <p:sp>
+        <p:nvSpPr>
+          <p:cNvPr id="2" name="제목 1">
+            <a:extLst>
+              <a:ext uri="{FF2B5EF4-FFF2-40B4-BE49-F238E27FC236}">
+                <a16:creationId xmlns:a16="http://schemas.microsoft.com/office/drawing/2014/main" id="{CBABC1ED-69F5-4AE0-9969-AC5A908C7275}"/>
+              </a:ext>
+            </a:extLst>
+          </p:cNvPr>
+          <p:cNvSpPr>
+            <a:spLocks noGrp="1"/>
+          </p:cNvSpPr>
+          <p:nvPr>
+            <p:ph type="title"/>
+          </p:nvPr>
+        </p:nvSpPr>
+        <p:spPr>
+          <a:xfrm>
+            <a:off x="182083" y="0"/>
+            <a:ext cx="7886700" cy="994200"/>
+          </a:xfrm>
+        </p:spPr>
+        <p:txBody>
+          <a:bodyPr/>
+          <a:lstStyle/>
+          <a:p>
+            <a:r>
+              <a:rPr lang="en-US" altLang="ko-KR" b="1" dirty="0" smtClean="0"/>
+              <a:t>06. </a:t>
+            </a:r>
+            <a:r>
+              <a:rPr lang="ko-KR" altLang="en-US" b="1" dirty="0" smtClean="0"/>
+              <a:t>개선 방안</a:t>
+            </a:r>
+            <a:endParaRPr lang="ko-KR" altLang="en-US" b="1" dirty="0"/>
+          </a:p>
+        </p:txBody>
+      </p:sp>
+      <p:pic>
+        <p:nvPicPr>
+          <p:cNvPr id="4" name="Google Shape;88;p13" descr="작은 원이 있는 그리드"/>
+          <p:cNvPicPr preferRelativeResize="0"/>
+          <p:nvPr/>
+        </p:nvPicPr>
+        <p:blipFill rotWithShape="1">
+          <a:blip r:embed="rId2">
+            <a:alphaModFix/>
+          </a:blip>
+          <a:srcRect/>
+          <a:stretch/>
+        </p:blipFill>
+        <p:spPr>
+          <a:xfrm rot="17572839" flipV="1">
+            <a:off x="7686300" y="-718616"/>
+            <a:ext cx="2239349" cy="2239343"/>
+          </a:xfrm>
+          <a:prstGeom prst="rect">
+            <a:avLst/>
+          </a:prstGeom>
+          <a:noFill/>
+          <a:ln>
+            <a:noFill/>
+          </a:ln>
+        </p:spPr>
+      </p:pic>
+      <p:sp>
+        <p:nvSpPr>
+          <p:cNvPr id="32" name="슬라이드 번호 개체 틀 31"/>
+          <p:cNvSpPr>
+            <a:spLocks noGrp="1"/>
+          </p:cNvSpPr>
+          <p:nvPr>
+            <p:ph type="sldNum" idx="12"/>
+          </p:nvPr>
+        </p:nvSpPr>
+        <p:spPr>
+          <a:xfrm>
+            <a:off x="6968313" y="4767263"/>
+            <a:ext cx="2057400" cy="273900"/>
+          </a:xfrm>
+        </p:spPr>
+        <p:txBody>
+          <a:bodyPr/>
+          <a:lstStyle/>
+          <a:p>
+            <a:pPr marL="0" lvl="0" indent="0" algn="r" rtl="0">
+              <a:spcBef>
+                <a:spcPts val="0"/>
+              </a:spcBef>
+              <a:spcAft>
+                <a:spcPts val="0"/>
+              </a:spcAft>
+              <a:buNone/>
+            </a:pPr>
+            <a:fld id="{00000000-1234-1234-1234-123412341234}" type="slidenum">
+              <a:rPr lang="en-US" altLang="ko" smtClean="0"/>
+              <a:t>9</a:t>
+            </a:fld>
+            <a:endParaRPr lang="ko" altLang="en-US" dirty="0"/>
+          </a:p>
+        </p:txBody>
+      </p:sp>
+    </p:spTree>
+    <p:extLst>
+      <p:ext uri="{BB962C8B-B14F-4D97-AF65-F5344CB8AC3E}">
+        <p14:creationId xmlns:p14="http://schemas.microsoft.com/office/powerpoint/2010/main" val="587668098"/>
       </p:ext>
     </p:extLst>
   </p:cSld>

--- a/doc/입어바라.pptx
+++ b/doc/입어바라.pptx
@@ -5,7 +5,7 @@
     <p:sldMasterId id="2147483659" r:id="rId1"/>
   </p:sldMasterIdLst>
   <p:notesMasterIdLst>
-    <p:notesMasterId r:id="rId12"/>
+    <p:notesMasterId r:id="rId13"/>
   </p:notesMasterIdLst>
   <p:sldIdLst>
     <p:sldId id="256" r:id="rId2"/>
@@ -16,8 +16,9 @@
     <p:sldId id="261" r:id="rId7"/>
     <p:sldId id="262" r:id="rId8"/>
     <p:sldId id="263" r:id="rId9"/>
-    <p:sldId id="264" r:id="rId10"/>
-    <p:sldId id="265" r:id="rId11"/>
+    <p:sldId id="266" r:id="rId10"/>
+    <p:sldId id="264" r:id="rId11"/>
+    <p:sldId id="265" r:id="rId12"/>
   </p:sldIdLst>
   <p:sldSz cx="9144000" cy="5143500" type="screen16x9"/>
   <p:notesSz cx="6858000" cy="9144000"/>
@@ -11646,6 +11647,145 @@
           <a:p>
             <a:r>
               <a:rPr lang="en-US" altLang="ko-KR" b="1" dirty="0" smtClean="0"/>
+              <a:t>06. </a:t>
+            </a:r>
+            <a:r>
+              <a:rPr lang="ko-KR" altLang="en-US" b="1" dirty="0" smtClean="0"/>
+              <a:t>개선 방안</a:t>
+            </a:r>
+            <a:endParaRPr lang="ko-KR" altLang="en-US" b="1" dirty="0"/>
+          </a:p>
+        </p:txBody>
+      </p:sp>
+      <p:pic>
+        <p:nvPicPr>
+          <p:cNvPr id="4" name="Google Shape;88;p13" descr="작은 원이 있는 그리드"/>
+          <p:cNvPicPr preferRelativeResize="0"/>
+          <p:nvPr/>
+        </p:nvPicPr>
+        <p:blipFill rotWithShape="1">
+          <a:blip r:embed="rId2">
+            <a:alphaModFix/>
+          </a:blip>
+          <a:srcRect/>
+          <a:stretch/>
+        </p:blipFill>
+        <p:spPr>
+          <a:xfrm rot="17572839" flipV="1">
+            <a:off x="7686300" y="-718616"/>
+            <a:ext cx="2239349" cy="2239343"/>
+          </a:xfrm>
+          <a:prstGeom prst="rect">
+            <a:avLst/>
+          </a:prstGeom>
+          <a:noFill/>
+          <a:ln>
+            <a:noFill/>
+          </a:ln>
+        </p:spPr>
+      </p:pic>
+      <p:sp>
+        <p:nvSpPr>
+          <p:cNvPr id="32" name="슬라이드 번호 개체 틀 31"/>
+          <p:cNvSpPr>
+            <a:spLocks noGrp="1"/>
+          </p:cNvSpPr>
+          <p:nvPr>
+            <p:ph type="sldNum" idx="12"/>
+          </p:nvPr>
+        </p:nvSpPr>
+        <p:spPr>
+          <a:xfrm>
+            <a:off x="6968313" y="4767263"/>
+            <a:ext cx="2057400" cy="273900"/>
+          </a:xfrm>
+        </p:spPr>
+        <p:txBody>
+          <a:bodyPr/>
+          <a:lstStyle/>
+          <a:p>
+            <a:pPr marL="0" lvl="0" indent="0" algn="r" rtl="0">
+              <a:spcBef>
+                <a:spcPts val="0"/>
+              </a:spcBef>
+              <a:spcAft>
+                <a:spcPts val="0"/>
+              </a:spcAft>
+              <a:buNone/>
+            </a:pPr>
+            <a:fld id="{00000000-1234-1234-1234-123412341234}" type="slidenum">
+              <a:rPr lang="en-US" altLang="ko" smtClean="0"/>
+              <a:t>10</a:t>
+            </a:fld>
+            <a:endParaRPr lang="ko" altLang="en-US" dirty="0"/>
+          </a:p>
+        </p:txBody>
+      </p:sp>
+    </p:spTree>
+    <p:extLst>
+      <p:ext uri="{BB962C8B-B14F-4D97-AF65-F5344CB8AC3E}">
+        <p14:creationId xmlns:p14="http://schemas.microsoft.com/office/powerpoint/2010/main" val="587668098"/>
+      </p:ext>
+    </p:extLst>
+  </p:cSld>
+  <p:clrMapOvr>
+    <a:masterClrMapping/>
+  </p:clrMapOvr>
+  <p:timing>
+    <p:tnLst>
+      <p:par>
+        <p:cTn id="1" dur="indefinite" restart="never" nodeType="tmRoot"/>
+      </p:par>
+    </p:tnLst>
+  </p:timing>
+</p:sld>
+</file>
+
+<file path=ppt/slides/slide11.xml><?xml version="1.0" encoding="utf-8"?>
+<p:sld xmlns:a="http://schemas.openxmlformats.org/drawingml/2006/main" xmlns:r="http://schemas.openxmlformats.org/officeDocument/2006/relationships" xmlns:p="http://schemas.openxmlformats.org/presentationml/2006/main">
+  <p:cSld>
+    <p:spTree>
+      <p:nvGrpSpPr>
+        <p:cNvPr id="1" name=""/>
+        <p:cNvGrpSpPr/>
+        <p:nvPr/>
+      </p:nvGrpSpPr>
+      <p:grpSpPr>
+        <a:xfrm>
+          <a:off x="0" y="0"/>
+          <a:ext cx="0" cy="0"/>
+          <a:chOff x="0" y="0"/>
+          <a:chExt cx="0" cy="0"/>
+        </a:xfrm>
+      </p:grpSpPr>
+      <p:sp>
+        <p:nvSpPr>
+          <p:cNvPr id="2" name="제목 1">
+            <a:extLst>
+              <a:ext uri="{FF2B5EF4-FFF2-40B4-BE49-F238E27FC236}">
+                <a16:creationId xmlns:a16="http://schemas.microsoft.com/office/drawing/2014/main" id="{CBABC1ED-69F5-4AE0-9969-AC5A908C7275}"/>
+              </a:ext>
+            </a:extLst>
+          </p:cNvPr>
+          <p:cNvSpPr>
+            <a:spLocks noGrp="1"/>
+          </p:cNvSpPr>
+          <p:nvPr>
+            <p:ph type="title"/>
+          </p:nvPr>
+        </p:nvSpPr>
+        <p:spPr>
+          <a:xfrm>
+            <a:off x="182083" y="0"/>
+            <a:ext cx="7886700" cy="994200"/>
+          </a:xfrm>
+        </p:spPr>
+        <p:txBody>
+          <a:bodyPr/>
+          <a:lstStyle/>
+          <a:p>
+            <a:r>
+              <a:rPr lang="en-US" altLang="ko-KR" b="1" dirty="0" smtClean="0"/>
               <a:t>07. Q&amp;A</a:t>
             </a:r>
             <a:endParaRPr lang="ko-KR" altLang="en-US" b="1" dirty="0"/>
@@ -11710,7 +11850,7 @@
             </a:pPr>
             <a:fld id="{00000000-1234-1234-1234-123412341234}" type="slidenum">
               <a:rPr lang="en-US" altLang="ko" smtClean="0"/>
-              <a:t>10</a:t>
+              <a:t>11</a:t>
             </a:fld>
             <a:endParaRPr lang="ko" altLang="en-US" dirty="0"/>
           </a:p>
@@ -16980,7 +17120,7 @@
                 <a:latin typeface="+mn-ea"/>
                 <a:ea typeface="+mn-ea"/>
               </a:rPr>
-              <a:t>코드 리뷰</a:t>
+              <a:t>개발 방법</a:t>
             </a:r>
             <a:endParaRPr lang="ko-KR" altLang="en-US" sz="1800" dirty="0">
               <a:solidFill>
@@ -19166,6 +19306,497 @@
           </p:txBody>
         </p:sp>
       </p:grpSp>
+      <p:sp>
+        <p:nvSpPr>
+          <p:cNvPr id="3" name="TextBox 2"/>
+          <p:cNvSpPr txBox="1"/>
+          <p:nvPr/>
+        </p:nvSpPr>
+        <p:spPr>
+          <a:xfrm>
+            <a:off x="5038151" y="1717969"/>
+            <a:ext cx="2114681" cy="830997"/>
+          </a:xfrm>
+          <a:prstGeom prst="rect">
+            <a:avLst/>
+          </a:prstGeom>
+          <a:noFill/>
+        </p:spPr>
+        <p:txBody>
+          <a:bodyPr wrap="none" rtlCol="0">
+            <a:spAutoFit/>
+          </a:bodyPr>
+          <a:lstStyle/>
+          <a:p>
+            <a:pPr marL="171450" indent="-171450">
+              <a:buFont typeface="Arial" panose="020B0604020202020204" pitchFamily="34" charset="0"/>
+              <a:buChar char="•"/>
+            </a:pPr>
+            <a:r>
+              <a:rPr lang="en-US" altLang="ko-KR" sz="1200" dirty="0" smtClean="0">
+                <a:latin typeface="+mn-ea"/>
+                <a:ea typeface="+mn-ea"/>
+              </a:rPr>
+              <a:t>DB </a:t>
+            </a:r>
+            <a:r>
+              <a:rPr lang="ko-KR" altLang="en-US" sz="1200" dirty="0" smtClean="0">
+                <a:latin typeface="+mn-ea"/>
+                <a:ea typeface="+mn-ea"/>
+              </a:rPr>
+              <a:t>구조 작성</a:t>
+            </a:r>
+            <a:endParaRPr lang="en-US" altLang="ko-KR" sz="1200" dirty="0" smtClean="0">
+              <a:latin typeface="+mn-ea"/>
+              <a:ea typeface="+mn-ea"/>
+            </a:endParaRPr>
+          </a:p>
+          <a:p>
+            <a:pPr marL="171450" indent="-171450">
+              <a:buFont typeface="Arial" panose="020B0604020202020204" pitchFamily="34" charset="0"/>
+              <a:buChar char="•"/>
+            </a:pPr>
+            <a:r>
+              <a:rPr lang="ko-KR" altLang="en-US" sz="1200" dirty="0" smtClean="0">
+                <a:latin typeface="+mn-ea"/>
+                <a:ea typeface="+mn-ea"/>
+              </a:rPr>
+              <a:t>요구사항 정의</a:t>
+            </a:r>
+            <a:endParaRPr lang="en-US" altLang="ko-KR" sz="1200" dirty="0" smtClean="0">
+              <a:latin typeface="+mn-ea"/>
+              <a:ea typeface="+mn-ea"/>
+            </a:endParaRPr>
+          </a:p>
+          <a:p>
+            <a:pPr marL="171450" indent="-171450">
+              <a:buFont typeface="Arial" panose="020B0604020202020204" pitchFamily="34" charset="0"/>
+              <a:buChar char="•"/>
+            </a:pPr>
+            <a:r>
+              <a:rPr lang="ko-KR" altLang="en-US" sz="1200" dirty="0" smtClean="0">
+                <a:latin typeface="+mn-ea"/>
+                <a:ea typeface="+mn-ea"/>
+              </a:rPr>
+              <a:t>게시물 확인 및 대여 기능</a:t>
+            </a:r>
+            <a:endParaRPr lang="en-US" altLang="ko-KR" sz="1200" dirty="0" smtClean="0">
+              <a:latin typeface="+mn-ea"/>
+              <a:ea typeface="+mn-ea"/>
+            </a:endParaRPr>
+          </a:p>
+          <a:p>
+            <a:pPr marL="171450" indent="-171450">
+              <a:buFont typeface="Arial" panose="020B0604020202020204" pitchFamily="34" charset="0"/>
+              <a:buChar char="•"/>
+            </a:pPr>
+            <a:r>
+              <a:rPr lang="ko-KR" altLang="en-US" sz="1200" dirty="0" smtClean="0">
+                <a:latin typeface="+mn-ea"/>
+                <a:ea typeface="+mn-ea"/>
+              </a:rPr>
+              <a:t>게시물 상세보기 기능</a:t>
+            </a:r>
+            <a:endParaRPr lang="ko-KR" altLang="en-US" sz="1200" dirty="0">
+              <a:latin typeface="+mn-ea"/>
+              <a:ea typeface="+mn-ea"/>
+            </a:endParaRPr>
+          </a:p>
+        </p:txBody>
+      </p:sp>
+      <p:sp>
+        <p:nvSpPr>
+          <p:cNvPr id="22" name="TextBox 21"/>
+          <p:cNvSpPr txBox="1"/>
+          <p:nvPr/>
+        </p:nvSpPr>
+        <p:spPr>
+          <a:xfrm>
+            <a:off x="927011" y="1717969"/>
+            <a:ext cx="1620957" cy="830997"/>
+          </a:xfrm>
+          <a:prstGeom prst="rect">
+            <a:avLst/>
+          </a:prstGeom>
+          <a:noFill/>
+        </p:spPr>
+        <p:txBody>
+          <a:bodyPr wrap="none" rtlCol="0">
+            <a:spAutoFit/>
+          </a:bodyPr>
+          <a:lstStyle/>
+          <a:p>
+            <a:pPr marL="171450" indent="-171450">
+              <a:buFont typeface="Arial" panose="020B0604020202020204" pitchFamily="34" charset="0"/>
+              <a:buChar char="•"/>
+            </a:pPr>
+            <a:r>
+              <a:rPr lang="ko-KR" altLang="en-US" sz="1200" dirty="0" smtClean="0">
+                <a:latin typeface="+mn-ea"/>
+                <a:ea typeface="+mn-ea"/>
+              </a:rPr>
+              <a:t>요구사항 정의</a:t>
+            </a:r>
+            <a:endParaRPr lang="en-US" altLang="ko-KR" sz="1200" dirty="0" smtClean="0">
+              <a:latin typeface="+mn-ea"/>
+              <a:ea typeface="+mn-ea"/>
+            </a:endParaRPr>
+          </a:p>
+          <a:p>
+            <a:pPr marL="171450" indent="-171450">
+              <a:buFont typeface="Arial" panose="020B0604020202020204" pitchFamily="34" charset="0"/>
+              <a:buChar char="•"/>
+            </a:pPr>
+            <a:r>
+              <a:rPr lang="ko-KR" altLang="en-US" sz="1200" dirty="0" smtClean="0">
+                <a:latin typeface="+mn-ea"/>
+                <a:ea typeface="+mn-ea"/>
+              </a:rPr>
+              <a:t>메인 폼 기능</a:t>
+            </a:r>
+            <a:endParaRPr lang="en-US" altLang="ko-KR" sz="1200" dirty="0" smtClean="0">
+              <a:latin typeface="+mn-ea"/>
+              <a:ea typeface="+mn-ea"/>
+            </a:endParaRPr>
+          </a:p>
+          <a:p>
+            <a:pPr marL="171450" indent="-171450">
+              <a:buFont typeface="Arial" panose="020B0604020202020204" pitchFamily="34" charset="0"/>
+              <a:buChar char="•"/>
+            </a:pPr>
+            <a:r>
+              <a:rPr lang="ko-KR" altLang="en-US" sz="1200" dirty="0" smtClean="0">
+                <a:latin typeface="+mn-ea"/>
+                <a:ea typeface="+mn-ea"/>
+              </a:rPr>
+              <a:t>게시물 작성 기능</a:t>
+            </a:r>
+            <a:endParaRPr lang="en-US" altLang="ko-KR" sz="1200" dirty="0" smtClean="0">
+              <a:latin typeface="+mn-ea"/>
+              <a:ea typeface="+mn-ea"/>
+            </a:endParaRPr>
+          </a:p>
+          <a:p>
+            <a:pPr marL="171450" indent="-171450">
+              <a:buFont typeface="Arial" panose="020B0604020202020204" pitchFamily="34" charset="0"/>
+              <a:buChar char="•"/>
+            </a:pPr>
+            <a:r>
+              <a:rPr lang="ko-KR" altLang="en-US" sz="1200" dirty="0" err="1" smtClean="0">
+                <a:latin typeface="+mn-ea"/>
+                <a:ea typeface="+mn-ea"/>
+              </a:rPr>
+              <a:t>카카오맵</a:t>
+            </a:r>
+            <a:r>
+              <a:rPr lang="ko-KR" altLang="en-US" sz="1200" dirty="0" smtClean="0">
+                <a:latin typeface="+mn-ea"/>
+                <a:ea typeface="+mn-ea"/>
+              </a:rPr>
+              <a:t> </a:t>
+            </a:r>
+            <a:r>
+              <a:rPr lang="en-US" altLang="ko-KR" sz="1200" dirty="0" smtClean="0">
+                <a:latin typeface="+mn-ea"/>
+                <a:ea typeface="+mn-ea"/>
+              </a:rPr>
+              <a:t>API </a:t>
+            </a:r>
+            <a:r>
+              <a:rPr lang="ko-KR" altLang="en-US" sz="1200" dirty="0" smtClean="0">
+                <a:latin typeface="+mn-ea"/>
+                <a:ea typeface="+mn-ea"/>
+              </a:rPr>
+              <a:t>사용</a:t>
+            </a:r>
+            <a:endParaRPr lang="ko-KR" altLang="en-US" sz="1200" dirty="0">
+              <a:latin typeface="+mn-ea"/>
+              <a:ea typeface="+mn-ea"/>
+            </a:endParaRPr>
+          </a:p>
+        </p:txBody>
+      </p:sp>
+      <p:sp>
+        <p:nvSpPr>
+          <p:cNvPr id="23" name="TextBox 22"/>
+          <p:cNvSpPr txBox="1"/>
+          <p:nvPr/>
+        </p:nvSpPr>
+        <p:spPr>
+          <a:xfrm>
+            <a:off x="5038151" y="3583717"/>
+            <a:ext cx="2302233" cy="1015663"/>
+          </a:xfrm>
+          <a:prstGeom prst="rect">
+            <a:avLst/>
+          </a:prstGeom>
+          <a:noFill/>
+        </p:spPr>
+        <p:txBody>
+          <a:bodyPr wrap="none" rtlCol="0">
+            <a:spAutoFit/>
+          </a:bodyPr>
+          <a:lstStyle/>
+          <a:p>
+            <a:pPr marL="171450" indent="-171450">
+              <a:buFont typeface="Arial" panose="020B0604020202020204" pitchFamily="34" charset="0"/>
+              <a:buChar char="•"/>
+            </a:pPr>
+            <a:r>
+              <a:rPr lang="en-US" altLang="ko-KR" sz="1200" dirty="0" smtClean="0">
+                <a:latin typeface="+mn-ea"/>
+                <a:ea typeface="+mn-ea"/>
+              </a:rPr>
+              <a:t>DB </a:t>
+            </a:r>
+            <a:r>
+              <a:rPr lang="ko-KR" altLang="en-US" sz="1200" dirty="0" smtClean="0">
+                <a:latin typeface="+mn-ea"/>
+                <a:ea typeface="+mn-ea"/>
+              </a:rPr>
+              <a:t>코어 개발</a:t>
+            </a:r>
+            <a:endParaRPr lang="en-US" altLang="ko-KR" sz="1200" dirty="0" smtClean="0">
+              <a:latin typeface="+mn-ea"/>
+              <a:ea typeface="+mn-ea"/>
+            </a:endParaRPr>
+          </a:p>
+          <a:p>
+            <a:pPr marL="171450" indent="-171450">
+              <a:buFont typeface="Arial" panose="020B0604020202020204" pitchFamily="34" charset="0"/>
+              <a:buChar char="•"/>
+            </a:pPr>
+            <a:r>
+              <a:rPr lang="ko-KR" altLang="en-US" sz="1200" dirty="0" smtClean="0">
+                <a:latin typeface="+mn-ea"/>
+                <a:ea typeface="+mn-ea"/>
+              </a:rPr>
+              <a:t>요구사항 정의</a:t>
+            </a:r>
+            <a:endParaRPr lang="en-US" altLang="ko-KR" sz="1200" dirty="0" smtClean="0">
+              <a:latin typeface="+mn-ea"/>
+              <a:ea typeface="+mn-ea"/>
+            </a:endParaRPr>
+          </a:p>
+          <a:p>
+            <a:pPr marL="171450" indent="-171450">
+              <a:buFont typeface="Arial" panose="020B0604020202020204" pitchFamily="34" charset="0"/>
+              <a:buChar char="•"/>
+            </a:pPr>
+            <a:r>
+              <a:rPr lang="ko-KR" altLang="en-US" sz="1200" dirty="0" smtClean="0">
+                <a:latin typeface="+mn-ea"/>
+                <a:ea typeface="+mn-ea"/>
+              </a:rPr>
+              <a:t>유저 폼 기능</a:t>
+            </a:r>
+            <a:endParaRPr lang="en-US" altLang="ko-KR" sz="1200" dirty="0" smtClean="0">
+              <a:latin typeface="+mn-ea"/>
+              <a:ea typeface="+mn-ea"/>
+            </a:endParaRPr>
+          </a:p>
+          <a:p>
+            <a:pPr marL="171450" indent="-171450">
+              <a:buFont typeface="Arial" panose="020B0604020202020204" pitchFamily="34" charset="0"/>
+              <a:buChar char="•"/>
+            </a:pPr>
+            <a:r>
+              <a:rPr lang="ko-KR" altLang="en-US" sz="1200" dirty="0" err="1" smtClean="0">
+                <a:latin typeface="+mn-ea"/>
+                <a:ea typeface="+mn-ea"/>
+              </a:rPr>
+              <a:t>카카오맵</a:t>
+            </a:r>
+            <a:r>
+              <a:rPr lang="ko-KR" altLang="en-US" sz="1200" dirty="0" smtClean="0">
+                <a:latin typeface="+mn-ea"/>
+                <a:ea typeface="+mn-ea"/>
+              </a:rPr>
+              <a:t> </a:t>
+            </a:r>
+            <a:r>
+              <a:rPr lang="en-US" altLang="ko-KR" sz="1200" dirty="0" smtClean="0">
+                <a:latin typeface="+mn-ea"/>
+                <a:ea typeface="+mn-ea"/>
+              </a:rPr>
+              <a:t>API </a:t>
+            </a:r>
+            <a:r>
+              <a:rPr lang="ko-KR" altLang="en-US" sz="1200" dirty="0" smtClean="0">
+                <a:latin typeface="+mn-ea"/>
+                <a:ea typeface="+mn-ea"/>
+              </a:rPr>
+              <a:t>사용</a:t>
+            </a:r>
+            <a:endParaRPr lang="en-US" altLang="ko-KR" sz="1200" dirty="0" smtClean="0">
+              <a:latin typeface="+mn-ea"/>
+              <a:ea typeface="+mn-ea"/>
+            </a:endParaRPr>
+          </a:p>
+          <a:p>
+            <a:pPr marL="171450" indent="-171450">
+              <a:buFont typeface="Arial" panose="020B0604020202020204" pitchFamily="34" charset="0"/>
+              <a:buChar char="•"/>
+            </a:pPr>
+            <a:r>
+              <a:rPr lang="ko-KR" altLang="en-US" sz="1200" dirty="0" err="1" smtClean="0">
+                <a:latin typeface="+mn-ea"/>
+                <a:ea typeface="+mn-ea"/>
+              </a:rPr>
+              <a:t>보더</a:t>
+            </a:r>
+            <a:r>
+              <a:rPr lang="en-US" altLang="ko-KR" sz="1200" dirty="0" smtClean="0">
+                <a:latin typeface="+mn-ea"/>
+                <a:ea typeface="+mn-ea"/>
+              </a:rPr>
+              <a:t>,</a:t>
+            </a:r>
+            <a:r>
+              <a:rPr lang="ko-KR" altLang="en-US" sz="1200" dirty="0" smtClean="0">
+                <a:latin typeface="+mn-ea"/>
+                <a:ea typeface="+mn-ea"/>
+              </a:rPr>
+              <a:t> 게시물 화면 전환 기능</a:t>
+            </a:r>
+            <a:endParaRPr lang="ko-KR" altLang="en-US" sz="1200" dirty="0">
+              <a:latin typeface="+mn-ea"/>
+              <a:ea typeface="+mn-ea"/>
+            </a:endParaRPr>
+          </a:p>
+        </p:txBody>
+      </p:sp>
+      <p:sp>
+        <p:nvSpPr>
+          <p:cNvPr id="24" name="TextBox 23"/>
+          <p:cNvSpPr txBox="1"/>
+          <p:nvPr/>
+        </p:nvSpPr>
+        <p:spPr>
+          <a:xfrm>
+            <a:off x="927011" y="3583718"/>
+            <a:ext cx="2302233" cy="1015663"/>
+          </a:xfrm>
+          <a:prstGeom prst="rect">
+            <a:avLst/>
+          </a:prstGeom>
+          <a:noFill/>
+        </p:spPr>
+        <p:txBody>
+          <a:bodyPr wrap="none" rtlCol="0">
+            <a:spAutoFit/>
+          </a:bodyPr>
+          <a:lstStyle/>
+          <a:p>
+            <a:pPr marL="171450" indent="-171450">
+              <a:buFont typeface="Arial" panose="020B0604020202020204" pitchFamily="34" charset="0"/>
+              <a:buChar char="•"/>
+            </a:pPr>
+            <a:r>
+              <a:rPr lang="ko-KR" altLang="en-US" sz="1200" dirty="0" smtClean="0">
+                <a:latin typeface="+mn-ea"/>
+                <a:ea typeface="+mn-ea"/>
+              </a:rPr>
+              <a:t>요구사항 정의</a:t>
+            </a:r>
+            <a:endParaRPr lang="en-US" altLang="ko-KR" sz="1200" dirty="0" smtClean="0">
+              <a:latin typeface="+mn-ea"/>
+              <a:ea typeface="+mn-ea"/>
+            </a:endParaRPr>
+          </a:p>
+          <a:p>
+            <a:pPr marL="171450" indent="-171450">
+              <a:buFont typeface="Arial" panose="020B0604020202020204" pitchFamily="34" charset="0"/>
+              <a:buChar char="•"/>
+            </a:pPr>
+            <a:r>
+              <a:rPr lang="ko-KR" altLang="en-US" sz="1200" dirty="0" smtClean="0">
+                <a:latin typeface="+mn-ea"/>
+                <a:ea typeface="+mn-ea"/>
+              </a:rPr>
+              <a:t>메인 폼 기능</a:t>
+            </a:r>
+            <a:endParaRPr lang="en-US" altLang="ko-KR" sz="1200" dirty="0" smtClean="0">
+              <a:latin typeface="+mn-ea"/>
+              <a:ea typeface="+mn-ea"/>
+            </a:endParaRPr>
+          </a:p>
+          <a:p>
+            <a:pPr marL="171450" indent="-171450">
+              <a:buFont typeface="Arial" panose="020B0604020202020204" pitchFamily="34" charset="0"/>
+              <a:buChar char="•"/>
+            </a:pPr>
+            <a:r>
+              <a:rPr lang="ko-KR" altLang="en-US" sz="1200" dirty="0" err="1" smtClean="0">
+                <a:latin typeface="+mn-ea"/>
+                <a:ea typeface="+mn-ea"/>
+              </a:rPr>
+              <a:t>보더</a:t>
+            </a:r>
+            <a:r>
+              <a:rPr lang="ko-KR" altLang="en-US" sz="1200" dirty="0" smtClean="0">
+                <a:latin typeface="+mn-ea"/>
+                <a:ea typeface="+mn-ea"/>
+              </a:rPr>
+              <a:t> 기능</a:t>
+            </a:r>
+            <a:endParaRPr lang="en-US" altLang="ko-KR" sz="1200" dirty="0" smtClean="0">
+              <a:latin typeface="+mn-ea"/>
+              <a:ea typeface="+mn-ea"/>
+            </a:endParaRPr>
+          </a:p>
+          <a:p>
+            <a:pPr marL="171450" indent="-171450">
+              <a:buFont typeface="Arial" panose="020B0604020202020204" pitchFamily="34" charset="0"/>
+              <a:buChar char="•"/>
+            </a:pPr>
+            <a:r>
+              <a:rPr lang="ko-KR" altLang="en-US" sz="1200" dirty="0" smtClean="0">
+                <a:latin typeface="+mn-ea"/>
+                <a:ea typeface="+mn-ea"/>
+              </a:rPr>
+              <a:t>게시물 상세보기 기능</a:t>
+            </a:r>
+            <a:endParaRPr lang="en-US" altLang="ko-KR" sz="1200" dirty="0" smtClean="0">
+              <a:latin typeface="+mn-ea"/>
+              <a:ea typeface="+mn-ea"/>
+            </a:endParaRPr>
+          </a:p>
+          <a:p>
+            <a:pPr marL="171450" indent="-171450">
+              <a:buFont typeface="Arial" panose="020B0604020202020204" pitchFamily="34" charset="0"/>
+              <a:buChar char="•"/>
+            </a:pPr>
+            <a:r>
+              <a:rPr lang="ko-KR" altLang="en-US" sz="1200" dirty="0" err="1">
+                <a:latin typeface="+mn-ea"/>
+              </a:rPr>
+              <a:t>보더</a:t>
+            </a:r>
+            <a:r>
+              <a:rPr lang="en-US" altLang="ko-KR" sz="1200" dirty="0">
+                <a:latin typeface="+mn-ea"/>
+              </a:rPr>
+              <a:t>,</a:t>
+            </a:r>
+            <a:r>
+              <a:rPr lang="ko-KR" altLang="en-US" sz="1200" dirty="0">
+                <a:latin typeface="+mn-ea"/>
+              </a:rPr>
+              <a:t> 게시물 화면 전환 </a:t>
+            </a:r>
+            <a:r>
+              <a:rPr lang="ko-KR" altLang="en-US" sz="1200" dirty="0" smtClean="0">
+                <a:latin typeface="+mn-ea"/>
+              </a:rPr>
+              <a:t>기능</a:t>
+            </a:r>
+            <a:endParaRPr lang="ko-KR" altLang="en-US" sz="1200" dirty="0">
+              <a:latin typeface="+mn-ea"/>
+            </a:endParaRPr>
+          </a:p>
+        </p:txBody>
+      </p:sp>
     </p:spTree>
     <p:extLst>
       <p:ext uri="{BB962C8B-B14F-4D97-AF65-F5344CB8AC3E}">
@@ -20410,8 +21041,8 @@
         </p:nvSpPr>
         <p:spPr>
           <a:xfrm>
-            <a:off x="595423" y="1077289"/>
-            <a:ext cx="7938977" cy="3600893"/>
+            <a:off x="843517" y="1077289"/>
+            <a:ext cx="7473360" cy="3600893"/>
           </a:xfrm>
           <a:prstGeom prst="rect">
             <a:avLst/>
@@ -20456,7 +21087,7 @@
         </p:nvSpPr>
         <p:spPr>
           <a:xfrm>
-            <a:off x="825796" y="1077289"/>
+            <a:off x="947628" y="1077289"/>
             <a:ext cx="7297478" cy="3647152"/>
           </a:xfrm>
           <a:prstGeom prst="rect">
@@ -20475,7 +21106,16 @@
               </a:lnSpc>
             </a:pPr>
             <a:r>
-              <a:rPr lang="ko-KR" altLang="en-US" dirty="0"/>
+              <a:rPr lang="ko-KR" altLang="en-US" dirty="0">
+                <a:solidFill>
+                  <a:schemeClr val="tx1">
+                    <a:lumMod val="65000"/>
+                    <a:lumOff val="35000"/>
+                  </a:schemeClr>
+                </a:solidFill>
+                <a:latin typeface="+mn-ea"/>
+                <a:ea typeface="+mn-ea"/>
+              </a:rPr>
               <a:t>1. 사용자는 옷을 대여할 수 있다.(기간 1일 ~ 7일)</a:t>
             </a:r>
           </a:p>
@@ -20486,15 +21126,42 @@
               </a:lnSpc>
             </a:pPr>
             <a:r>
-              <a:rPr lang="ko-KR" altLang="en-US" dirty="0"/>
+              <a:rPr lang="ko-KR" altLang="en-US" dirty="0">
+                <a:solidFill>
+                  <a:schemeClr val="tx1">
+                    <a:lumMod val="65000"/>
+                    <a:lumOff val="35000"/>
+                  </a:schemeClr>
+                </a:solidFill>
+                <a:latin typeface="+mn-ea"/>
+                <a:ea typeface="+mn-ea"/>
+              </a:rPr>
               <a:t>2. 사용자는 </a:t>
             </a:r>
             <a:r>
-              <a:rPr lang="ko-KR" altLang="en-US" dirty="0" err="1"/>
+              <a:rPr lang="ko-KR" altLang="en-US" dirty="0" err="1">
+                <a:solidFill>
+                  <a:schemeClr val="tx1">
+                    <a:lumMod val="65000"/>
+                    <a:lumOff val="35000"/>
+                  </a:schemeClr>
+                </a:solidFill>
+                <a:latin typeface="+mn-ea"/>
+                <a:ea typeface="+mn-ea"/>
+              </a:rPr>
               <a:t>대여글</a:t>
             </a:r>
             <a:r>
-              <a:rPr lang="ko-KR" altLang="en-US" dirty="0"/>
+              <a:rPr lang="ko-KR" altLang="en-US" dirty="0">
+                <a:solidFill>
+                  <a:schemeClr val="tx1">
+                    <a:lumMod val="65000"/>
+                    <a:lumOff val="35000"/>
+                  </a:schemeClr>
+                </a:solidFill>
+                <a:latin typeface="+mn-ea"/>
+                <a:ea typeface="+mn-ea"/>
+              </a:rPr>
               <a:t> 리스트에서 작성자의 평점 및 후기, 이전 글 리스트를 볼 수 있다.</a:t>
             </a:r>
           </a:p>
@@ -20505,15 +21172,42 @@
               </a:lnSpc>
             </a:pPr>
             <a:r>
-              <a:rPr lang="ko-KR" altLang="en-US" dirty="0"/>
+              <a:rPr lang="ko-KR" altLang="en-US" dirty="0">
+                <a:solidFill>
+                  <a:schemeClr val="tx1">
+                    <a:lumMod val="65000"/>
+                    <a:lumOff val="35000"/>
+                  </a:schemeClr>
+                </a:solidFill>
+                <a:latin typeface="+mn-ea"/>
+                <a:ea typeface="+mn-ea"/>
+              </a:rPr>
               <a:t>3. 사용자는 </a:t>
             </a:r>
             <a:r>
-              <a:rPr lang="ko-KR" altLang="en-US" dirty="0" err="1"/>
+              <a:rPr lang="ko-KR" altLang="en-US" dirty="0" err="1">
+                <a:solidFill>
+                  <a:schemeClr val="tx1">
+                    <a:lumMod val="65000"/>
+                    <a:lumOff val="35000"/>
+                  </a:schemeClr>
+                </a:solidFill>
+                <a:latin typeface="+mn-ea"/>
+                <a:ea typeface="+mn-ea"/>
+              </a:rPr>
               <a:t>대여글</a:t>
             </a:r>
             <a:r>
-              <a:rPr lang="ko-KR" altLang="en-US" dirty="0"/>
+              <a:rPr lang="ko-KR" altLang="en-US" dirty="0">
+                <a:solidFill>
+                  <a:schemeClr val="tx1">
+                    <a:lumMod val="65000"/>
+                    <a:lumOff val="35000"/>
+                  </a:schemeClr>
+                </a:solidFill>
+                <a:latin typeface="+mn-ea"/>
+                <a:ea typeface="+mn-ea"/>
+              </a:rPr>
               <a:t> 리스트 확인 시, 동일 성별의 글만 확인할 수 있다.</a:t>
             </a:r>
           </a:p>
@@ -20524,23 +21218,68 @@
               </a:lnSpc>
             </a:pPr>
             <a:r>
-              <a:rPr lang="ko-KR" altLang="en-US" dirty="0"/>
+              <a:rPr lang="ko-KR" altLang="en-US" dirty="0">
+                <a:solidFill>
+                  <a:schemeClr val="tx1">
+                    <a:lumMod val="65000"/>
+                    <a:lumOff val="35000"/>
+                  </a:schemeClr>
+                </a:solidFill>
+                <a:latin typeface="+mn-ea"/>
+                <a:ea typeface="+mn-ea"/>
+              </a:rPr>
               <a:t>4. 사용자는 </a:t>
             </a:r>
             <a:r>
-              <a:rPr lang="ko-KR" altLang="en-US" dirty="0" err="1"/>
+              <a:rPr lang="ko-KR" altLang="en-US" dirty="0" err="1">
+                <a:solidFill>
+                  <a:schemeClr val="tx1">
+                    <a:lumMod val="65000"/>
+                    <a:lumOff val="35000"/>
+                  </a:schemeClr>
+                </a:solidFill>
+                <a:latin typeface="+mn-ea"/>
+                <a:ea typeface="+mn-ea"/>
+              </a:rPr>
               <a:t>대여글</a:t>
             </a:r>
             <a:r>
-              <a:rPr lang="ko-KR" altLang="en-US" dirty="0"/>
+              <a:rPr lang="ko-KR" altLang="en-US" dirty="0">
+                <a:solidFill>
+                  <a:schemeClr val="tx1">
+                    <a:lumMod val="65000"/>
+                    <a:lumOff val="35000"/>
+                  </a:schemeClr>
+                </a:solidFill>
+                <a:latin typeface="+mn-ea"/>
+                <a:ea typeface="+mn-ea"/>
+              </a:rPr>
               <a:t> 리스트를 </a:t>
             </a:r>
             <a:r>
-              <a:rPr lang="ko-KR" altLang="en-US" dirty="0" err="1"/>
+              <a:rPr lang="ko-KR" altLang="en-US" dirty="0" err="1">
+                <a:solidFill>
+                  <a:schemeClr val="tx1">
+                    <a:lumMod val="65000"/>
+                    <a:lumOff val="35000"/>
+                  </a:schemeClr>
+                </a:solidFill>
+                <a:latin typeface="+mn-ea"/>
+                <a:ea typeface="+mn-ea"/>
+              </a:rPr>
               <a:t>필터링으로</a:t>
             </a:r>
             <a:r>
-              <a:rPr lang="ko-KR" altLang="en-US" dirty="0"/>
+              <a:rPr lang="ko-KR" altLang="en-US" dirty="0">
+                <a:solidFill>
+                  <a:schemeClr val="tx1">
+                    <a:lumMod val="65000"/>
+                    <a:lumOff val="35000"/>
+                  </a:schemeClr>
+                </a:solidFill>
+                <a:latin typeface="+mn-ea"/>
+                <a:ea typeface="+mn-ea"/>
+              </a:rPr>
               <a:t> 확인할 수 있다.</a:t>
             </a:r>
           </a:p>
@@ -20551,15 +21290,42 @@
               </a:lnSpc>
             </a:pPr>
             <a:r>
-              <a:rPr lang="ko-KR" altLang="en-US" dirty="0"/>
+              <a:rPr lang="ko-KR" altLang="en-US" dirty="0">
+                <a:solidFill>
+                  <a:schemeClr val="tx1">
+                    <a:lumMod val="65000"/>
+                    <a:lumOff val="35000"/>
+                  </a:schemeClr>
+                </a:solidFill>
+                <a:latin typeface="+mn-ea"/>
+                <a:ea typeface="+mn-ea"/>
+              </a:rPr>
               <a:t>5. </a:t>
             </a:r>
             <a:r>
-              <a:rPr lang="ko-KR" altLang="en-US" dirty="0" err="1"/>
+              <a:rPr lang="ko-KR" altLang="en-US" dirty="0" err="1">
+                <a:solidFill>
+                  <a:schemeClr val="tx1">
+                    <a:lumMod val="65000"/>
+                    <a:lumOff val="35000"/>
+                  </a:schemeClr>
+                </a:solidFill>
+                <a:latin typeface="+mn-ea"/>
+                <a:ea typeface="+mn-ea"/>
+              </a:rPr>
               <a:t>대여글을</a:t>
             </a:r>
             <a:r>
-              <a:rPr lang="ko-KR" altLang="en-US" dirty="0"/>
+              <a:rPr lang="ko-KR" altLang="en-US" dirty="0">
+                <a:solidFill>
+                  <a:schemeClr val="tx1">
+                    <a:lumMod val="65000"/>
+                    <a:lumOff val="35000"/>
+                  </a:schemeClr>
+                </a:solidFill>
+                <a:latin typeface="+mn-ea"/>
+                <a:ea typeface="+mn-ea"/>
+              </a:rPr>
               <a:t> 작성할 때 옷의 스타일을 구분할 수 있다.</a:t>
             </a:r>
           </a:p>
@@ -20570,23 +21336,68 @@
               </a:lnSpc>
             </a:pPr>
             <a:r>
-              <a:rPr lang="ko-KR" altLang="en-US" dirty="0"/>
+              <a:rPr lang="ko-KR" altLang="en-US" dirty="0">
+                <a:solidFill>
+                  <a:schemeClr val="tx1">
+                    <a:lumMod val="65000"/>
+                    <a:lumOff val="35000"/>
+                  </a:schemeClr>
+                </a:solidFill>
+                <a:latin typeface="+mn-ea"/>
+                <a:ea typeface="+mn-ea"/>
+              </a:rPr>
               <a:t>6. </a:t>
             </a:r>
             <a:r>
-              <a:rPr lang="ko-KR" altLang="en-US" dirty="0" err="1"/>
+              <a:rPr lang="ko-KR" altLang="en-US" dirty="0" err="1">
+                <a:solidFill>
+                  <a:schemeClr val="tx1">
+                    <a:lumMod val="65000"/>
+                    <a:lumOff val="35000"/>
+                  </a:schemeClr>
+                </a:solidFill>
+                <a:latin typeface="+mn-ea"/>
+                <a:ea typeface="+mn-ea"/>
+              </a:rPr>
               <a:t>대여글을</a:t>
             </a:r>
             <a:r>
-              <a:rPr lang="ko-KR" altLang="en-US" dirty="0"/>
+              <a:rPr lang="ko-KR" altLang="en-US" dirty="0">
+                <a:solidFill>
+                  <a:schemeClr val="tx1">
+                    <a:lumMod val="65000"/>
+                    <a:lumOff val="35000"/>
+                  </a:schemeClr>
+                </a:solidFill>
+                <a:latin typeface="+mn-ea"/>
+                <a:ea typeface="+mn-ea"/>
+              </a:rPr>
               <a:t> 작성할 때 상/하의/신발(속옷 제외)</a:t>
             </a:r>
             <a:r>
-              <a:rPr lang="ko-KR" altLang="en-US" dirty="0" err="1"/>
+              <a:rPr lang="ko-KR" altLang="en-US" dirty="0" err="1">
+                <a:solidFill>
+                  <a:schemeClr val="tx1">
+                    <a:lumMod val="65000"/>
+                    <a:lumOff val="35000"/>
+                  </a:schemeClr>
+                </a:solidFill>
+                <a:latin typeface="+mn-ea"/>
+                <a:ea typeface="+mn-ea"/>
+              </a:rPr>
               <a:t>를</a:t>
             </a:r>
             <a:r>
-              <a:rPr lang="ko-KR" altLang="en-US" dirty="0"/>
+              <a:rPr lang="ko-KR" altLang="en-US" dirty="0">
+                <a:solidFill>
+                  <a:schemeClr val="tx1">
+                    <a:lumMod val="65000"/>
+                    <a:lumOff val="35000"/>
+                  </a:schemeClr>
+                </a:solidFill>
+                <a:latin typeface="+mn-ea"/>
+                <a:ea typeface="+mn-ea"/>
+              </a:rPr>
               <a:t> 구분할 수 있다.</a:t>
             </a:r>
           </a:p>
@@ -20597,23 +21408,68 @@
               </a:lnSpc>
             </a:pPr>
             <a:r>
-              <a:rPr lang="ko-KR" altLang="en-US" dirty="0"/>
+              <a:rPr lang="ko-KR" altLang="en-US" dirty="0">
+                <a:solidFill>
+                  <a:schemeClr val="tx1">
+                    <a:lumMod val="65000"/>
+                    <a:lumOff val="35000"/>
+                  </a:schemeClr>
+                </a:solidFill>
+                <a:latin typeface="+mn-ea"/>
+                <a:ea typeface="+mn-ea"/>
+              </a:rPr>
               <a:t>7. </a:t>
             </a:r>
             <a:r>
-              <a:rPr lang="ko-KR" altLang="en-US" dirty="0" err="1"/>
+              <a:rPr lang="ko-KR" altLang="en-US" dirty="0" err="1">
+                <a:solidFill>
+                  <a:schemeClr val="tx1">
+                    <a:lumMod val="65000"/>
+                    <a:lumOff val="35000"/>
+                  </a:schemeClr>
+                </a:solidFill>
+                <a:latin typeface="+mn-ea"/>
+                <a:ea typeface="+mn-ea"/>
+              </a:rPr>
               <a:t>대여글을</a:t>
             </a:r>
             <a:r>
-              <a:rPr lang="ko-KR" altLang="en-US" dirty="0"/>
+              <a:rPr lang="ko-KR" altLang="en-US" dirty="0">
+                <a:solidFill>
+                  <a:schemeClr val="tx1">
+                    <a:lumMod val="65000"/>
+                    <a:lumOff val="35000"/>
+                  </a:schemeClr>
+                </a:solidFill>
+                <a:latin typeface="+mn-ea"/>
+                <a:ea typeface="+mn-ea"/>
+              </a:rPr>
               <a:t> 작성할 때 이미지 파일을 </a:t>
             </a:r>
             <a:r>
-              <a:rPr lang="ko-KR" altLang="en-US" dirty="0" smtClean="0"/>
+              <a:rPr lang="ko-KR" altLang="en-US" dirty="0" smtClean="0">
+                <a:solidFill>
+                  <a:schemeClr val="tx1">
+                    <a:lumMod val="65000"/>
+                    <a:lumOff val="35000"/>
+                  </a:schemeClr>
+                </a:solidFill>
+                <a:latin typeface="+mn-ea"/>
+                <a:ea typeface="+mn-ea"/>
+              </a:rPr>
               <a:t>업로드할 </a:t>
             </a:r>
             <a:r>
-              <a:rPr lang="ko-KR" altLang="en-US" dirty="0"/>
+              <a:rPr lang="ko-KR" altLang="en-US" dirty="0">
+                <a:solidFill>
+                  <a:schemeClr val="tx1">
+                    <a:lumMod val="65000"/>
+                    <a:lumOff val="35000"/>
+                  </a:schemeClr>
+                </a:solidFill>
+                <a:latin typeface="+mn-ea"/>
+                <a:ea typeface="+mn-ea"/>
+              </a:rPr>
               <a:t>수 있다.</a:t>
             </a:r>
           </a:p>
@@ -20624,15 +21480,42 @@
               </a:lnSpc>
             </a:pPr>
             <a:r>
-              <a:rPr lang="ko-KR" altLang="en-US" dirty="0"/>
+              <a:rPr lang="ko-KR" altLang="en-US" dirty="0">
+                <a:solidFill>
+                  <a:schemeClr val="tx1">
+                    <a:lumMod val="65000"/>
+                    <a:lumOff val="35000"/>
+                  </a:schemeClr>
+                </a:solidFill>
+                <a:latin typeface="+mn-ea"/>
+                <a:ea typeface="+mn-ea"/>
+              </a:rPr>
               <a:t>8. </a:t>
             </a:r>
             <a:r>
-              <a:rPr lang="ko-KR" altLang="en-US" dirty="0" err="1"/>
+              <a:rPr lang="ko-KR" altLang="en-US" dirty="0" err="1">
+                <a:solidFill>
+                  <a:schemeClr val="tx1">
+                    <a:lumMod val="65000"/>
+                    <a:lumOff val="35000"/>
+                  </a:schemeClr>
+                </a:solidFill>
+                <a:latin typeface="+mn-ea"/>
+                <a:ea typeface="+mn-ea"/>
+              </a:rPr>
               <a:t>대여글을</a:t>
             </a:r>
             <a:r>
-              <a:rPr lang="ko-KR" altLang="en-US" dirty="0"/>
+              <a:rPr lang="ko-KR" altLang="en-US" dirty="0">
+                <a:solidFill>
+                  <a:schemeClr val="tx1">
+                    <a:lumMod val="65000"/>
+                    <a:lumOff val="35000"/>
+                  </a:schemeClr>
+                </a:solidFill>
+                <a:latin typeface="+mn-ea"/>
+                <a:ea typeface="+mn-ea"/>
+              </a:rPr>
               <a:t> 작성할 때 최대 대여 기간 및 일정을 지정할 수 있다.</a:t>
             </a:r>
           </a:p>
@@ -20643,7 +21526,16 @@
               </a:lnSpc>
             </a:pPr>
             <a:r>
-              <a:rPr lang="ko-KR" altLang="en-US" dirty="0"/>
+              <a:rPr lang="ko-KR" altLang="en-US" dirty="0">
+                <a:solidFill>
+                  <a:schemeClr val="tx1">
+                    <a:lumMod val="65000"/>
+                    <a:lumOff val="35000"/>
+                  </a:schemeClr>
+                </a:solidFill>
+                <a:latin typeface="+mn-ea"/>
+                <a:ea typeface="+mn-ea"/>
+              </a:rPr>
               <a:t>9. 사용자는 옷 반납 후 평점을 지정할 수 있다. </a:t>
             </a:r>
           </a:p>
@@ -20654,7 +21546,16 @@
               </a:lnSpc>
             </a:pPr>
             <a:r>
-              <a:rPr lang="ko-KR" altLang="en-US" dirty="0"/>
+              <a:rPr lang="ko-KR" altLang="en-US" dirty="0">
+                <a:solidFill>
+                  <a:schemeClr val="tx1">
+                    <a:lumMod val="65000"/>
+                    <a:lumOff val="35000"/>
+                  </a:schemeClr>
+                </a:solidFill>
+                <a:latin typeface="+mn-ea"/>
+                <a:ea typeface="+mn-ea"/>
+              </a:rPr>
               <a:t>10. 대여에 대한 보상은 가상의 포인트로 지불한다.</a:t>
             </a:r>
           </a:p>
@@ -20665,7 +21566,16 @@
               </a:lnSpc>
             </a:pPr>
             <a:r>
-              <a:rPr lang="ko-KR" altLang="en-US" dirty="0"/>
+              <a:rPr lang="ko-KR" altLang="en-US" dirty="0">
+                <a:solidFill>
+                  <a:schemeClr val="tx1">
+                    <a:lumMod val="65000"/>
+                    <a:lumOff val="35000"/>
+                  </a:schemeClr>
+                </a:solidFill>
+                <a:latin typeface="+mn-ea"/>
+                <a:ea typeface="+mn-ea"/>
+              </a:rPr>
               <a:t>11. 사용자는 본인의 대여 이력을 확인할 수 있다.</a:t>
             </a:r>
           </a:p>
@@ -20879,7 +21789,15 @@
             </a:r>
             <a:r>
               <a:rPr lang="ko-KR" altLang="en-US" b="1" dirty="0" smtClean="0"/>
-              <a:t>코드 리뷰</a:t>
+              <a:t>개발 방법 </a:t>
+            </a:r>
+            <a:r>
+              <a:rPr lang="en-US" altLang="ko-KR" b="1" dirty="0" smtClean="0"/>
+              <a:t>– </a:t>
+            </a:r>
+            <a:r>
+              <a:rPr lang="en-US" altLang="ko-KR" b="1" dirty="0" smtClean="0"/>
+              <a:t>DB (1)</a:t>
             </a:r>
             <a:endParaRPr lang="ko-KR" altLang="en-US" b="1" dirty="0"/>
           </a:p>
@@ -20946,6 +21864,839 @@
               <a:t>8</a:t>
             </a:fld>
             <a:endParaRPr lang="ko" altLang="en-US" dirty="0"/>
+          </a:p>
+        </p:txBody>
+      </p:sp>
+      <p:grpSp>
+        <p:nvGrpSpPr>
+          <p:cNvPr id="5" name="그룹 4"/>
+          <p:cNvGrpSpPr/>
+          <p:nvPr/>
+        </p:nvGrpSpPr>
+        <p:grpSpPr>
+          <a:xfrm>
+            <a:off x="353568" y="1333737"/>
+            <a:ext cx="2448560" cy="1098184"/>
+            <a:chOff x="822960" y="1233455"/>
+            <a:chExt cx="2448560" cy="1098184"/>
+          </a:xfrm>
+        </p:grpSpPr>
+        <p:sp>
+          <p:nvSpPr>
+            <p:cNvPr id="3" name="모서리가 둥근 직사각형 2"/>
+            <p:cNvSpPr/>
+            <p:nvPr/>
+          </p:nvSpPr>
+          <p:spPr>
+            <a:xfrm>
+              <a:off x="822960" y="1233455"/>
+              <a:ext cx="2448560" cy="1098184"/>
+            </a:xfrm>
+            <a:prstGeom prst="roundRect">
+              <a:avLst>
+                <a:gd name="adj" fmla="val 5010"/>
+              </a:avLst>
+            </a:prstGeom>
+            <a:solidFill>
+              <a:schemeClr val="bg1"/>
+            </a:solidFill>
+            <a:ln>
+              <a:noFill/>
+            </a:ln>
+          </p:spPr>
+          <p:style>
+            <a:lnRef idx="2">
+              <a:schemeClr val="accent1">
+                <a:shade val="50000"/>
+              </a:schemeClr>
+            </a:lnRef>
+            <a:fillRef idx="1">
+              <a:schemeClr val="accent1"/>
+            </a:fillRef>
+            <a:effectRef idx="0">
+              <a:schemeClr val="accent1"/>
+            </a:effectRef>
+            <a:fontRef idx="minor">
+              <a:schemeClr val="lt1"/>
+            </a:fontRef>
+          </p:style>
+          <p:txBody>
+            <a:bodyPr rtlCol="0" anchor="ctr"/>
+            <a:lstStyle/>
+            <a:p>
+              <a:pPr algn="ctr"/>
+              <a:endParaRPr lang="ko-KR" altLang="en-US"/>
+            </a:p>
+          </p:txBody>
+        </p:sp>
+        <p:pic>
+          <p:nvPicPr>
+            <p:cNvPr id="1026" name="Picture 2" descr="SQLite - ဝီကီပီးဒီးယား"/>
+            <p:cNvPicPr>
+              <a:picLocks noChangeAspect="1" noChangeArrowheads="1"/>
+            </p:cNvPicPr>
+            <p:nvPr/>
+          </p:nvPicPr>
+          <p:blipFill>
+            <a:blip r:embed="rId3">
+              <a:extLst>
+                <a:ext uri="{28A0092B-C50C-407E-A947-70E740481C1C}">
+                  <a14:useLocalDpi xmlns:a14="http://schemas.microsoft.com/office/drawing/2010/main" val="0"/>
+                </a:ext>
+              </a:extLst>
+            </a:blip>
+            <a:srcRect/>
+            <a:stretch>
+              <a:fillRect/>
+            </a:stretch>
+          </p:blipFill>
+          <p:spPr bwMode="auto">
+            <a:xfrm>
+              <a:off x="866775" y="1233455"/>
+              <a:ext cx="2316029" cy="1098184"/>
+            </a:xfrm>
+            <a:prstGeom prst="rect">
+              <a:avLst/>
+            </a:prstGeom>
+            <a:noFill/>
+            <a:extLst>
+              <a:ext uri="{909E8E84-426E-40DD-AFC4-6F175D3DCCD1}">
+                <a14:hiddenFill xmlns:a14="http://schemas.microsoft.com/office/drawing/2010/main">
+                  <a:solidFill>
+                    <a:srgbClr val="FFFFFF"/>
+                  </a:solidFill>
+                </a14:hiddenFill>
+              </a:ext>
+            </a:extLst>
+          </p:spPr>
+        </p:pic>
+      </p:grpSp>
+      <p:pic>
+        <p:nvPicPr>
+          <p:cNvPr id="7" name="그림 6"/>
+          <p:cNvPicPr>
+            <a:picLocks noChangeAspect="1"/>
+          </p:cNvPicPr>
+          <p:nvPr/>
+        </p:nvPicPr>
+        <p:blipFill>
+          <a:blip r:embed="rId4"/>
+          <a:stretch>
+            <a:fillRect/>
+          </a:stretch>
+        </p:blipFill>
+        <p:spPr>
+          <a:xfrm>
+            <a:off x="3014871" y="1333737"/>
+            <a:ext cx="5921253" cy="3093988"/>
+          </a:xfrm>
+          <a:prstGeom prst="rect">
+            <a:avLst/>
+          </a:prstGeom>
+        </p:spPr>
+      </p:pic>
+      <p:pic>
+        <p:nvPicPr>
+          <p:cNvPr id="8" name="Picture 2" descr="HeidiSQL - 위키백과, 우리 모두의 백과사전"/>
+          <p:cNvPicPr>
+            <a:picLocks noChangeAspect="1" noChangeArrowheads="1"/>
+          </p:cNvPicPr>
+          <p:nvPr/>
+        </p:nvPicPr>
+        <p:blipFill>
+          <a:blip r:embed="rId5">
+            <a:extLst>
+              <a:ext uri="{28A0092B-C50C-407E-A947-70E740481C1C}">
+                <a14:useLocalDpi xmlns:a14="http://schemas.microsoft.com/office/drawing/2010/main" val="0"/>
+              </a:ext>
+            </a:extLst>
+          </a:blip>
+          <a:srcRect/>
+          <a:stretch>
+            <a:fillRect/>
+          </a:stretch>
+        </p:blipFill>
+        <p:spPr bwMode="auto">
+          <a:xfrm>
+            <a:off x="629335" y="2583218"/>
+            <a:ext cx="1844507" cy="1844507"/>
+          </a:xfrm>
+          <a:prstGeom prst="rect">
+            <a:avLst/>
+          </a:prstGeom>
+          <a:noFill/>
+          <a:extLst>
+            <a:ext uri="{909E8E84-426E-40DD-AFC4-6F175D3DCCD1}">
+              <a14:hiddenFill xmlns:a14="http://schemas.microsoft.com/office/drawing/2010/main">
+                <a:solidFill>
+                  <a:srgbClr val="FFFFFF"/>
+                </a:solidFill>
+              </a14:hiddenFill>
+            </a:ext>
+          </a:extLst>
+        </p:spPr>
+      </p:pic>
+      <p:sp>
+        <p:nvSpPr>
+          <p:cNvPr id="9" name="TextBox 8"/>
+          <p:cNvSpPr txBox="1"/>
+          <p:nvPr/>
+        </p:nvSpPr>
+        <p:spPr>
+          <a:xfrm>
+            <a:off x="4196314" y="1697857"/>
+            <a:ext cx="1047082" cy="1131079"/>
+          </a:xfrm>
+          <a:prstGeom prst="rect">
+            <a:avLst/>
+          </a:prstGeom>
+          <a:noFill/>
+        </p:spPr>
+        <p:txBody>
+          <a:bodyPr wrap="none" rtlCol="0">
+            <a:spAutoFit/>
+          </a:bodyPr>
+          <a:lstStyle/>
+          <a:p>
+            <a:pPr>
+              <a:lnSpc>
+                <a:spcPct val="150000"/>
+              </a:lnSpc>
+            </a:pPr>
+            <a:r>
+              <a:rPr lang="ko-KR" altLang="en-US" sz="900" dirty="0" smtClean="0">
+                <a:solidFill>
+                  <a:schemeClr val="tx1">
+                    <a:lumMod val="65000"/>
+                    <a:lumOff val="35000"/>
+                  </a:schemeClr>
+                </a:solidFill>
+                <a:latin typeface="+mn-ea"/>
+                <a:ea typeface="+mn-ea"/>
+              </a:rPr>
+              <a:t>사용자 번호</a:t>
+            </a:r>
+            <a:r>
+              <a:rPr lang="en-US" altLang="ko-KR" sz="900" dirty="0" smtClean="0">
+                <a:solidFill>
+                  <a:schemeClr val="tx1">
+                    <a:lumMod val="65000"/>
+                    <a:lumOff val="35000"/>
+                  </a:schemeClr>
+                </a:solidFill>
+                <a:latin typeface="+mn-ea"/>
+                <a:ea typeface="+mn-ea"/>
+              </a:rPr>
+              <a:t>(PK)</a:t>
+            </a:r>
+            <a:br>
+              <a:rPr lang="en-US" altLang="ko-KR" sz="900" dirty="0" smtClean="0">
+                <a:solidFill>
+                  <a:schemeClr val="tx1">
+                    <a:lumMod val="65000"/>
+                    <a:lumOff val="35000"/>
+                  </a:schemeClr>
+                </a:solidFill>
+                <a:latin typeface="+mn-ea"/>
+                <a:ea typeface="+mn-ea"/>
+              </a:rPr>
+            </a:br>
+            <a:r>
+              <a:rPr lang="ko-KR" altLang="en-US" sz="900" dirty="0" smtClean="0">
+                <a:solidFill>
+                  <a:schemeClr val="tx1">
+                    <a:lumMod val="65000"/>
+                    <a:lumOff val="35000"/>
+                  </a:schemeClr>
+                </a:solidFill>
+                <a:latin typeface="+mn-ea"/>
+                <a:ea typeface="+mn-ea"/>
+              </a:rPr>
+              <a:t>사용자 이름</a:t>
+            </a:r>
+            <a:r>
+              <a:rPr lang="en-US" altLang="ko-KR" sz="900" dirty="0" smtClean="0">
+                <a:solidFill>
+                  <a:schemeClr val="tx1">
+                    <a:lumMod val="65000"/>
+                    <a:lumOff val="35000"/>
+                  </a:schemeClr>
+                </a:solidFill>
+                <a:latin typeface="+mn-ea"/>
+                <a:ea typeface="+mn-ea"/>
+              </a:rPr>
+              <a:t/>
+            </a:r>
+            <a:br>
+              <a:rPr lang="en-US" altLang="ko-KR" sz="900" dirty="0" smtClean="0">
+                <a:solidFill>
+                  <a:schemeClr val="tx1">
+                    <a:lumMod val="65000"/>
+                    <a:lumOff val="35000"/>
+                  </a:schemeClr>
+                </a:solidFill>
+                <a:latin typeface="+mn-ea"/>
+                <a:ea typeface="+mn-ea"/>
+              </a:rPr>
+            </a:br>
+            <a:r>
+              <a:rPr lang="ko-KR" altLang="en-US" sz="900" dirty="0" smtClean="0">
+                <a:solidFill>
+                  <a:schemeClr val="tx1">
+                    <a:lumMod val="65000"/>
+                    <a:lumOff val="35000"/>
+                  </a:schemeClr>
+                </a:solidFill>
+                <a:latin typeface="+mn-ea"/>
+                <a:ea typeface="+mn-ea"/>
+              </a:rPr>
+              <a:t>사용자 생년월일</a:t>
+            </a:r>
+            <a:r>
+              <a:rPr lang="en-US" altLang="ko-KR" sz="900" dirty="0" smtClean="0">
+                <a:solidFill>
+                  <a:schemeClr val="tx1">
+                    <a:lumMod val="65000"/>
+                    <a:lumOff val="35000"/>
+                  </a:schemeClr>
+                </a:solidFill>
+                <a:latin typeface="+mn-ea"/>
+                <a:ea typeface="+mn-ea"/>
+              </a:rPr>
+              <a:t/>
+            </a:r>
+            <a:br>
+              <a:rPr lang="en-US" altLang="ko-KR" sz="900" dirty="0" smtClean="0">
+                <a:solidFill>
+                  <a:schemeClr val="tx1">
+                    <a:lumMod val="65000"/>
+                    <a:lumOff val="35000"/>
+                  </a:schemeClr>
+                </a:solidFill>
+                <a:latin typeface="+mn-ea"/>
+                <a:ea typeface="+mn-ea"/>
+              </a:rPr>
+            </a:br>
+            <a:r>
+              <a:rPr lang="ko-KR" altLang="en-US" sz="900" dirty="0" smtClean="0">
+                <a:solidFill>
+                  <a:schemeClr val="tx1">
+                    <a:lumMod val="65000"/>
+                    <a:lumOff val="35000"/>
+                  </a:schemeClr>
+                </a:solidFill>
+                <a:latin typeface="+mn-ea"/>
+                <a:ea typeface="+mn-ea"/>
+              </a:rPr>
+              <a:t>사용자 성별</a:t>
+            </a:r>
+            <a:r>
+              <a:rPr lang="en-US" altLang="ko-KR" sz="900" dirty="0" smtClean="0">
+                <a:solidFill>
+                  <a:schemeClr val="tx1">
+                    <a:lumMod val="65000"/>
+                    <a:lumOff val="35000"/>
+                  </a:schemeClr>
+                </a:solidFill>
+                <a:latin typeface="+mn-ea"/>
+                <a:ea typeface="+mn-ea"/>
+              </a:rPr>
+              <a:t/>
+            </a:r>
+            <a:br>
+              <a:rPr lang="en-US" altLang="ko-KR" sz="900" dirty="0" smtClean="0">
+                <a:solidFill>
+                  <a:schemeClr val="tx1">
+                    <a:lumMod val="65000"/>
+                    <a:lumOff val="35000"/>
+                  </a:schemeClr>
+                </a:solidFill>
+                <a:latin typeface="+mn-ea"/>
+                <a:ea typeface="+mn-ea"/>
+              </a:rPr>
+            </a:br>
+            <a:r>
+              <a:rPr lang="ko-KR" altLang="en-US" sz="900" dirty="0" smtClean="0">
+                <a:solidFill>
+                  <a:schemeClr val="tx1">
+                    <a:lumMod val="65000"/>
+                    <a:lumOff val="35000"/>
+                  </a:schemeClr>
+                </a:solidFill>
+                <a:latin typeface="+mn-ea"/>
+                <a:ea typeface="+mn-ea"/>
+              </a:rPr>
+              <a:t>사용자 </a:t>
+            </a:r>
+            <a:r>
+              <a:rPr lang="ko-KR" altLang="en-US" sz="900" dirty="0" err="1" smtClean="0">
+                <a:solidFill>
+                  <a:schemeClr val="tx1">
+                    <a:lumMod val="65000"/>
+                    <a:lumOff val="35000"/>
+                  </a:schemeClr>
+                </a:solidFill>
+                <a:latin typeface="+mn-ea"/>
+                <a:ea typeface="+mn-ea"/>
+              </a:rPr>
+              <a:t>거래주소</a:t>
+            </a:r>
+            <a:endParaRPr lang="ko-KR" altLang="en-US" sz="900" dirty="0">
+              <a:solidFill>
+                <a:schemeClr val="tx1">
+                  <a:lumMod val="65000"/>
+                  <a:lumOff val="35000"/>
+                </a:schemeClr>
+              </a:solidFill>
+              <a:latin typeface="+mn-ea"/>
+              <a:ea typeface="+mn-ea"/>
+            </a:endParaRPr>
+          </a:p>
+        </p:txBody>
+      </p:sp>
+      <p:sp>
+        <p:nvSpPr>
+          <p:cNvPr id="12" name="TextBox 11"/>
+          <p:cNvSpPr txBox="1"/>
+          <p:nvPr/>
+        </p:nvSpPr>
+        <p:spPr>
+          <a:xfrm>
+            <a:off x="7617399" y="1713758"/>
+            <a:ext cx="1319592" cy="2377574"/>
+          </a:xfrm>
+          <a:prstGeom prst="rect">
+            <a:avLst/>
+          </a:prstGeom>
+          <a:noFill/>
+        </p:spPr>
+        <p:txBody>
+          <a:bodyPr wrap="none" rtlCol="0">
+            <a:spAutoFit/>
+          </a:bodyPr>
+          <a:lstStyle/>
+          <a:p>
+            <a:pPr>
+              <a:lnSpc>
+                <a:spcPct val="150000"/>
+              </a:lnSpc>
+            </a:pPr>
+            <a:r>
+              <a:rPr lang="ko-KR" altLang="en-US" sz="900" dirty="0" smtClean="0">
+                <a:solidFill>
+                  <a:schemeClr val="tx1">
+                    <a:lumMod val="65000"/>
+                    <a:lumOff val="35000"/>
+                  </a:schemeClr>
+                </a:solidFill>
+                <a:latin typeface="+mn-ea"/>
+                <a:ea typeface="+mn-ea"/>
+              </a:rPr>
+              <a:t>게시물 번호 </a:t>
+            </a:r>
+            <a:r>
+              <a:rPr lang="en-US" altLang="ko-KR" sz="900" dirty="0" smtClean="0">
+                <a:solidFill>
+                  <a:schemeClr val="tx1">
+                    <a:lumMod val="65000"/>
+                    <a:lumOff val="35000"/>
+                  </a:schemeClr>
+                </a:solidFill>
+                <a:latin typeface="+mn-ea"/>
+                <a:ea typeface="+mn-ea"/>
+              </a:rPr>
+              <a:t>(PK)</a:t>
+            </a:r>
+            <a:br>
+              <a:rPr lang="en-US" altLang="ko-KR" sz="900" dirty="0" smtClean="0">
+                <a:solidFill>
+                  <a:schemeClr val="tx1">
+                    <a:lumMod val="65000"/>
+                    <a:lumOff val="35000"/>
+                  </a:schemeClr>
+                </a:solidFill>
+                <a:latin typeface="+mn-ea"/>
+                <a:ea typeface="+mn-ea"/>
+              </a:rPr>
+            </a:br>
+            <a:r>
+              <a:rPr lang="ko-KR" altLang="en-US" sz="900" dirty="0" smtClean="0">
+                <a:solidFill>
+                  <a:schemeClr val="tx1">
+                    <a:lumMod val="65000"/>
+                    <a:lumOff val="35000"/>
+                  </a:schemeClr>
+                </a:solidFill>
+                <a:latin typeface="+mn-ea"/>
+                <a:ea typeface="+mn-ea"/>
+              </a:rPr>
+              <a:t>게시물 제목</a:t>
+            </a:r>
+            <a:r>
+              <a:rPr lang="en-US" altLang="ko-KR" sz="900" dirty="0" smtClean="0">
+                <a:solidFill>
+                  <a:schemeClr val="tx1">
+                    <a:lumMod val="65000"/>
+                    <a:lumOff val="35000"/>
+                  </a:schemeClr>
+                </a:solidFill>
+                <a:latin typeface="+mn-ea"/>
+                <a:ea typeface="+mn-ea"/>
+              </a:rPr>
+              <a:t/>
+            </a:r>
+            <a:br>
+              <a:rPr lang="en-US" altLang="ko-KR" sz="900" dirty="0" smtClean="0">
+                <a:solidFill>
+                  <a:schemeClr val="tx1">
+                    <a:lumMod val="65000"/>
+                    <a:lumOff val="35000"/>
+                  </a:schemeClr>
+                </a:solidFill>
+                <a:latin typeface="+mn-ea"/>
+                <a:ea typeface="+mn-ea"/>
+              </a:rPr>
+            </a:br>
+            <a:r>
+              <a:rPr lang="ko-KR" altLang="en-US" sz="900" dirty="0" smtClean="0">
+                <a:solidFill>
+                  <a:schemeClr val="tx1">
+                    <a:lumMod val="65000"/>
+                    <a:lumOff val="35000"/>
+                  </a:schemeClr>
+                </a:solidFill>
+                <a:latin typeface="+mn-ea"/>
+                <a:ea typeface="+mn-ea"/>
+              </a:rPr>
+              <a:t>게시물 부제목</a:t>
+            </a:r>
+            <a:r>
+              <a:rPr lang="en-US" altLang="ko-KR" sz="900" dirty="0" smtClean="0">
+                <a:solidFill>
+                  <a:schemeClr val="tx1">
+                    <a:lumMod val="65000"/>
+                    <a:lumOff val="35000"/>
+                  </a:schemeClr>
+                </a:solidFill>
+                <a:latin typeface="+mn-ea"/>
+                <a:ea typeface="+mn-ea"/>
+              </a:rPr>
+              <a:t/>
+            </a:r>
+            <a:br>
+              <a:rPr lang="en-US" altLang="ko-KR" sz="900" dirty="0" smtClean="0">
+                <a:solidFill>
+                  <a:schemeClr val="tx1">
+                    <a:lumMod val="65000"/>
+                    <a:lumOff val="35000"/>
+                  </a:schemeClr>
+                </a:solidFill>
+                <a:latin typeface="+mn-ea"/>
+                <a:ea typeface="+mn-ea"/>
+              </a:rPr>
+            </a:br>
+            <a:r>
+              <a:rPr lang="ko-KR" altLang="en-US" sz="900" dirty="0" smtClean="0">
+                <a:solidFill>
+                  <a:schemeClr val="tx1">
+                    <a:lumMod val="65000"/>
+                    <a:lumOff val="35000"/>
+                  </a:schemeClr>
+                </a:solidFill>
+                <a:latin typeface="+mn-ea"/>
+                <a:ea typeface="+mn-ea"/>
+              </a:rPr>
+              <a:t>게시물 설명</a:t>
+            </a:r>
+            <a:r>
+              <a:rPr lang="en-US" altLang="ko-KR" sz="900" dirty="0" smtClean="0">
+                <a:solidFill>
+                  <a:schemeClr val="tx1">
+                    <a:lumMod val="65000"/>
+                    <a:lumOff val="35000"/>
+                  </a:schemeClr>
+                </a:solidFill>
+                <a:latin typeface="+mn-ea"/>
+                <a:ea typeface="+mn-ea"/>
+              </a:rPr>
+              <a:t/>
+            </a:r>
+            <a:br>
+              <a:rPr lang="en-US" altLang="ko-KR" sz="900" dirty="0" smtClean="0">
+                <a:solidFill>
+                  <a:schemeClr val="tx1">
+                    <a:lumMod val="65000"/>
+                    <a:lumOff val="35000"/>
+                  </a:schemeClr>
+                </a:solidFill>
+                <a:latin typeface="+mn-ea"/>
+                <a:ea typeface="+mn-ea"/>
+              </a:rPr>
+            </a:br>
+            <a:r>
+              <a:rPr lang="ko-KR" altLang="en-US" sz="900" dirty="0" smtClean="0">
+                <a:solidFill>
+                  <a:schemeClr val="tx1">
+                    <a:lumMod val="65000"/>
+                    <a:lumOff val="35000"/>
+                  </a:schemeClr>
+                </a:solidFill>
+                <a:latin typeface="+mn-ea"/>
+                <a:ea typeface="+mn-ea"/>
+              </a:rPr>
+              <a:t>게시물 작성 시간</a:t>
+            </a:r>
+            <a:r>
+              <a:rPr lang="en-US" altLang="ko-KR" sz="900" dirty="0" smtClean="0">
+                <a:solidFill>
+                  <a:schemeClr val="tx1">
+                    <a:lumMod val="65000"/>
+                    <a:lumOff val="35000"/>
+                  </a:schemeClr>
+                </a:solidFill>
+                <a:latin typeface="+mn-ea"/>
+                <a:ea typeface="+mn-ea"/>
+              </a:rPr>
+              <a:t/>
+            </a:r>
+            <a:br>
+              <a:rPr lang="en-US" altLang="ko-KR" sz="900" dirty="0" smtClean="0">
+                <a:solidFill>
+                  <a:schemeClr val="tx1">
+                    <a:lumMod val="65000"/>
+                    <a:lumOff val="35000"/>
+                  </a:schemeClr>
+                </a:solidFill>
+                <a:latin typeface="+mn-ea"/>
+                <a:ea typeface="+mn-ea"/>
+              </a:rPr>
+            </a:br>
+            <a:r>
+              <a:rPr lang="ko-KR" altLang="en-US" sz="900" dirty="0" smtClean="0">
+                <a:solidFill>
+                  <a:schemeClr val="tx1">
+                    <a:lumMod val="65000"/>
+                    <a:lumOff val="35000"/>
+                  </a:schemeClr>
+                </a:solidFill>
+                <a:latin typeface="+mn-ea"/>
+                <a:ea typeface="+mn-ea"/>
+              </a:rPr>
+              <a:t>게시물 만료 시간</a:t>
+            </a:r>
+            <a:r>
+              <a:rPr lang="en-US" altLang="ko-KR" sz="900" dirty="0" smtClean="0">
+                <a:solidFill>
+                  <a:schemeClr val="tx1">
+                    <a:lumMod val="65000"/>
+                    <a:lumOff val="35000"/>
+                  </a:schemeClr>
+                </a:solidFill>
+                <a:latin typeface="+mn-ea"/>
+                <a:ea typeface="+mn-ea"/>
+              </a:rPr>
+              <a:t/>
+            </a:r>
+            <a:br>
+              <a:rPr lang="en-US" altLang="ko-KR" sz="900" dirty="0" smtClean="0">
+                <a:solidFill>
+                  <a:schemeClr val="tx1">
+                    <a:lumMod val="65000"/>
+                    <a:lumOff val="35000"/>
+                  </a:schemeClr>
+                </a:solidFill>
+                <a:latin typeface="+mn-ea"/>
+                <a:ea typeface="+mn-ea"/>
+              </a:rPr>
+            </a:br>
+            <a:r>
+              <a:rPr lang="ko-KR" altLang="en-US" sz="900" dirty="0" smtClean="0">
+                <a:solidFill>
+                  <a:schemeClr val="tx1">
+                    <a:lumMod val="65000"/>
+                    <a:lumOff val="35000"/>
+                  </a:schemeClr>
+                </a:solidFill>
+                <a:latin typeface="+mn-ea"/>
+                <a:ea typeface="+mn-ea"/>
+              </a:rPr>
+              <a:t>게시물 카테고리</a:t>
+            </a:r>
+            <a:r>
+              <a:rPr lang="en-US" altLang="ko-KR" sz="900" dirty="0" smtClean="0">
+                <a:solidFill>
+                  <a:schemeClr val="tx1">
+                    <a:lumMod val="65000"/>
+                    <a:lumOff val="35000"/>
+                  </a:schemeClr>
+                </a:solidFill>
+                <a:latin typeface="+mn-ea"/>
+                <a:ea typeface="+mn-ea"/>
+              </a:rPr>
+              <a:t/>
+            </a:r>
+            <a:br>
+              <a:rPr lang="en-US" altLang="ko-KR" sz="900" dirty="0" smtClean="0">
+                <a:solidFill>
+                  <a:schemeClr val="tx1">
+                    <a:lumMod val="65000"/>
+                    <a:lumOff val="35000"/>
+                  </a:schemeClr>
+                </a:solidFill>
+                <a:latin typeface="+mn-ea"/>
+                <a:ea typeface="+mn-ea"/>
+              </a:rPr>
+            </a:br>
+            <a:r>
+              <a:rPr lang="ko-KR" altLang="en-US" sz="900" dirty="0" smtClean="0">
+                <a:solidFill>
+                  <a:schemeClr val="tx1">
+                    <a:lumMod val="65000"/>
+                    <a:lumOff val="35000"/>
+                  </a:schemeClr>
+                </a:solidFill>
+                <a:latin typeface="+mn-ea"/>
+                <a:ea typeface="+mn-ea"/>
+              </a:rPr>
+              <a:t>게시물 열람 횟수</a:t>
+            </a:r>
+            <a:r>
+              <a:rPr lang="en-US" altLang="ko-KR" sz="900" dirty="0" smtClean="0">
+                <a:solidFill>
+                  <a:schemeClr val="tx1">
+                    <a:lumMod val="65000"/>
+                    <a:lumOff val="35000"/>
+                  </a:schemeClr>
+                </a:solidFill>
+                <a:latin typeface="+mn-ea"/>
+                <a:ea typeface="+mn-ea"/>
+              </a:rPr>
+              <a:t/>
+            </a:r>
+            <a:br>
+              <a:rPr lang="en-US" altLang="ko-KR" sz="900" dirty="0" smtClean="0">
+                <a:solidFill>
+                  <a:schemeClr val="tx1">
+                    <a:lumMod val="65000"/>
+                    <a:lumOff val="35000"/>
+                  </a:schemeClr>
+                </a:solidFill>
+                <a:latin typeface="+mn-ea"/>
+                <a:ea typeface="+mn-ea"/>
+              </a:rPr>
+            </a:br>
+            <a:r>
+              <a:rPr lang="ko-KR" altLang="en-US" sz="900" dirty="0" smtClean="0">
+                <a:solidFill>
+                  <a:schemeClr val="tx1">
+                    <a:lumMod val="65000"/>
+                    <a:lumOff val="35000"/>
+                  </a:schemeClr>
+                </a:solidFill>
+                <a:latin typeface="+mn-ea"/>
+                <a:ea typeface="+mn-ea"/>
+              </a:rPr>
+              <a:t>게시물 점수</a:t>
+            </a:r>
+            <a:r>
+              <a:rPr lang="en-US" altLang="ko-KR" sz="900" dirty="0" smtClean="0">
+                <a:solidFill>
+                  <a:schemeClr val="tx1">
+                    <a:lumMod val="65000"/>
+                    <a:lumOff val="35000"/>
+                  </a:schemeClr>
+                </a:solidFill>
+                <a:latin typeface="+mn-ea"/>
+                <a:ea typeface="+mn-ea"/>
+              </a:rPr>
+              <a:t/>
+            </a:r>
+            <a:br>
+              <a:rPr lang="en-US" altLang="ko-KR" sz="900" dirty="0" smtClean="0">
+                <a:solidFill>
+                  <a:schemeClr val="tx1">
+                    <a:lumMod val="65000"/>
+                    <a:lumOff val="35000"/>
+                  </a:schemeClr>
+                </a:solidFill>
+                <a:latin typeface="+mn-ea"/>
+                <a:ea typeface="+mn-ea"/>
+              </a:rPr>
+            </a:br>
+            <a:r>
+              <a:rPr lang="ko-KR" altLang="en-US" sz="900" dirty="0" smtClean="0">
+                <a:solidFill>
+                  <a:schemeClr val="tx1">
+                    <a:lumMod val="65000"/>
+                    <a:lumOff val="35000"/>
+                  </a:schemeClr>
+                </a:solidFill>
+                <a:latin typeface="+mn-ea"/>
+                <a:ea typeface="+mn-ea"/>
+              </a:rPr>
+              <a:t>게시물 대여 현황</a:t>
+            </a:r>
+            <a:r>
+              <a:rPr lang="en-US" altLang="ko-KR" sz="900" dirty="0" smtClean="0">
+                <a:solidFill>
+                  <a:schemeClr val="tx1">
+                    <a:lumMod val="65000"/>
+                    <a:lumOff val="35000"/>
+                  </a:schemeClr>
+                </a:solidFill>
+                <a:latin typeface="+mn-ea"/>
+                <a:ea typeface="+mn-ea"/>
+              </a:rPr>
+              <a:t/>
+            </a:r>
+            <a:br>
+              <a:rPr lang="en-US" altLang="ko-KR" sz="900" dirty="0" smtClean="0">
+                <a:solidFill>
+                  <a:schemeClr val="tx1">
+                    <a:lumMod val="65000"/>
+                    <a:lumOff val="35000"/>
+                  </a:schemeClr>
+                </a:solidFill>
+                <a:latin typeface="+mn-ea"/>
+                <a:ea typeface="+mn-ea"/>
+              </a:rPr>
+            </a:br>
+            <a:r>
+              <a:rPr lang="ko-KR" altLang="en-US" sz="900" dirty="0" smtClean="0">
+                <a:solidFill>
+                  <a:schemeClr val="tx1">
+                    <a:lumMod val="65000"/>
+                    <a:lumOff val="35000"/>
+                  </a:schemeClr>
+                </a:solidFill>
+                <a:latin typeface="+mn-ea"/>
+                <a:ea typeface="+mn-ea"/>
+              </a:rPr>
+              <a:t>게시물 작성 유저</a:t>
+            </a:r>
+            <a:r>
+              <a:rPr lang="en-US" altLang="ko-KR" sz="900" dirty="0" smtClean="0">
+                <a:solidFill>
+                  <a:schemeClr val="tx1">
+                    <a:lumMod val="65000"/>
+                    <a:lumOff val="35000"/>
+                  </a:schemeClr>
+                </a:solidFill>
+                <a:latin typeface="+mn-ea"/>
+                <a:ea typeface="+mn-ea"/>
+              </a:rPr>
+              <a:t>(FK)</a:t>
+            </a:r>
+            <a:endParaRPr lang="ko-KR" altLang="en-US" sz="900" dirty="0">
+              <a:solidFill>
+                <a:schemeClr val="tx1">
+                  <a:lumMod val="65000"/>
+                  <a:lumOff val="35000"/>
+                </a:schemeClr>
+              </a:solidFill>
+              <a:latin typeface="+mn-ea"/>
+              <a:ea typeface="+mn-ea"/>
+            </a:endParaRPr>
           </a:p>
         </p:txBody>
       </p:sp>
@@ -21013,12 +22764,20 @@
           <a:lstStyle/>
           <a:p>
             <a:r>
-              <a:rPr lang="en-US" altLang="ko-KR" b="1" dirty="0" smtClean="0"/>
-              <a:t>06. </a:t>
+              <a:rPr lang="en-US" altLang="ko-KR" b="1" dirty="0"/>
+              <a:t>05. </a:t>
             </a:r>
             <a:r>
-              <a:rPr lang="ko-KR" altLang="en-US" b="1" dirty="0" smtClean="0"/>
-              <a:t>개선 방안</a:t>
+              <a:rPr lang="ko-KR" altLang="en-US" b="1" dirty="0"/>
+              <a:t>개발 방법 </a:t>
+            </a:r>
+            <a:r>
+              <a:rPr lang="en-US" altLang="ko-KR" b="1" dirty="0"/>
+              <a:t>– DB </a:t>
+            </a:r>
+            <a:r>
+              <a:rPr lang="en-US" altLang="ko-KR" b="1" dirty="0" smtClean="0"/>
+              <a:t>(2)</a:t>
             </a:r>
             <a:endParaRPr lang="ko-KR" altLang="en-US" b="1" dirty="0"/>
           </a:p>
@@ -21088,10 +22847,221 @@
           </a:p>
         </p:txBody>
       </p:sp>
+      <p:pic>
+        <p:nvPicPr>
+          <p:cNvPr id="10" name="그림 9"/>
+          <p:cNvPicPr>
+            <a:picLocks noChangeAspect="1"/>
+          </p:cNvPicPr>
+          <p:nvPr/>
+        </p:nvPicPr>
+        <p:blipFill>
+          <a:blip r:embed="rId3"/>
+          <a:stretch>
+            <a:fillRect/>
+          </a:stretch>
+        </p:blipFill>
+        <p:spPr>
+          <a:xfrm>
+            <a:off x="182083" y="913840"/>
+            <a:ext cx="4526792" cy="3615630"/>
+          </a:xfrm>
+          <a:prstGeom prst="rect">
+            <a:avLst/>
+          </a:prstGeom>
+        </p:spPr>
+      </p:pic>
+      <p:pic>
+        <p:nvPicPr>
+          <p:cNvPr id="13" name="그림 12"/>
+          <p:cNvPicPr>
+            <a:picLocks noChangeAspect="1"/>
+          </p:cNvPicPr>
+          <p:nvPr/>
+        </p:nvPicPr>
+        <p:blipFill>
+          <a:blip r:embed="rId4"/>
+          <a:stretch>
+            <a:fillRect/>
+          </a:stretch>
+        </p:blipFill>
+        <p:spPr>
+          <a:xfrm>
+            <a:off x="4708875" y="1016742"/>
+            <a:ext cx="2301439" cy="434378"/>
+          </a:xfrm>
+          <a:prstGeom prst="rect">
+            <a:avLst/>
+          </a:prstGeom>
+        </p:spPr>
+      </p:pic>
+      <p:pic>
+        <p:nvPicPr>
+          <p:cNvPr id="14" name="그림 13"/>
+          <p:cNvPicPr>
+            <a:picLocks noChangeAspect="1"/>
+          </p:cNvPicPr>
+          <p:nvPr/>
+        </p:nvPicPr>
+        <p:blipFill>
+          <a:blip r:embed="rId5"/>
+          <a:stretch>
+            <a:fillRect/>
+          </a:stretch>
+        </p:blipFill>
+        <p:spPr>
+          <a:xfrm>
+            <a:off x="4708875" y="1908040"/>
+            <a:ext cx="3581710" cy="708721"/>
+          </a:xfrm>
+          <a:prstGeom prst="rect">
+            <a:avLst/>
+          </a:prstGeom>
+        </p:spPr>
+      </p:pic>
+      <p:pic>
+        <p:nvPicPr>
+          <p:cNvPr id="15" name="그림 14"/>
+          <p:cNvPicPr>
+            <a:picLocks noChangeAspect="1"/>
+          </p:cNvPicPr>
+          <p:nvPr/>
+        </p:nvPicPr>
+        <p:blipFill>
+          <a:blip r:embed="rId6"/>
+          <a:stretch>
+            <a:fillRect/>
+          </a:stretch>
+        </p:blipFill>
+        <p:spPr>
+          <a:xfrm>
+            <a:off x="4708875" y="2950928"/>
+            <a:ext cx="4381880" cy="784928"/>
+          </a:xfrm>
+          <a:prstGeom prst="rect">
+            <a:avLst/>
+          </a:prstGeom>
+        </p:spPr>
+      </p:pic>
+      <p:cxnSp>
+        <p:nvCxnSpPr>
+          <p:cNvPr id="17" name="꺾인 연결선 16"/>
+          <p:cNvCxnSpPr>
+            <a:endCxn id="13" idx="1"/>
+          </p:cNvCxnSpPr>
+          <p:nvPr/>
+        </p:nvCxnSpPr>
+        <p:spPr>
+          <a:xfrm flipV="1">
+            <a:off x="1804416" y="1233931"/>
+            <a:ext cx="2904459" cy="1984757"/>
+          </a:xfrm>
+          <a:prstGeom prst="bentConnector3">
+            <a:avLst>
+              <a:gd name="adj1" fmla="val 50000"/>
+            </a:avLst>
+          </a:prstGeom>
+          <a:ln>
+            <a:solidFill>
+              <a:schemeClr val="bg1"/>
+            </a:solidFill>
+          </a:ln>
+        </p:spPr>
+        <p:style>
+          <a:lnRef idx="1">
+            <a:schemeClr val="accent1"/>
+          </a:lnRef>
+          <a:fillRef idx="0">
+            <a:schemeClr val="accent1"/>
+          </a:fillRef>
+          <a:effectRef idx="0">
+            <a:schemeClr val="accent1"/>
+          </a:effectRef>
+          <a:fontRef idx="minor">
+            <a:schemeClr val="tx1"/>
+          </a:fontRef>
+        </p:style>
+      </p:cxnSp>
+      <p:cxnSp>
+        <p:nvCxnSpPr>
+          <p:cNvPr id="22" name="꺾인 연결선 21"/>
+          <p:cNvCxnSpPr>
+            <a:endCxn id="14" idx="1"/>
+          </p:cNvCxnSpPr>
+          <p:nvPr/>
+        </p:nvCxnSpPr>
+        <p:spPr>
+          <a:xfrm flipV="1">
+            <a:off x="2944077" y="2262401"/>
+            <a:ext cx="1764798" cy="1340480"/>
+          </a:xfrm>
+          <a:prstGeom prst="bentConnector3">
+            <a:avLst>
+              <a:gd name="adj1" fmla="val 66580"/>
+            </a:avLst>
+          </a:prstGeom>
+          <a:ln>
+            <a:solidFill>
+              <a:schemeClr val="bg1"/>
+            </a:solidFill>
+          </a:ln>
+        </p:spPr>
+        <p:style>
+          <a:lnRef idx="1">
+            <a:schemeClr val="accent1"/>
+          </a:lnRef>
+          <a:fillRef idx="0">
+            <a:schemeClr val="accent1"/>
+          </a:fillRef>
+          <a:effectRef idx="0">
+            <a:schemeClr val="accent1"/>
+          </a:effectRef>
+          <a:fontRef idx="minor">
+            <a:schemeClr val="tx1"/>
+          </a:fontRef>
+        </p:style>
+      </p:cxnSp>
+      <p:cxnSp>
+        <p:nvCxnSpPr>
+          <p:cNvPr id="26" name="꺾인 연결선 25"/>
+          <p:cNvCxnSpPr>
+            <a:endCxn id="15" idx="1"/>
+          </p:cNvCxnSpPr>
+          <p:nvPr/>
+        </p:nvCxnSpPr>
+        <p:spPr>
+          <a:xfrm rot="5400000" flipH="1" flipV="1">
+            <a:off x="4218209" y="3435055"/>
+            <a:ext cx="582328" cy="399003"/>
+          </a:xfrm>
+          <a:prstGeom prst="bentConnector2">
+            <a:avLst/>
+          </a:prstGeom>
+          <a:ln>
+            <a:solidFill>
+              <a:schemeClr val="bg1"/>
+            </a:solidFill>
+          </a:ln>
+        </p:spPr>
+        <p:style>
+          <a:lnRef idx="1">
+            <a:schemeClr val="accent1"/>
+          </a:lnRef>
+          <a:fillRef idx="0">
+            <a:schemeClr val="accent1"/>
+          </a:fillRef>
+          <a:effectRef idx="0">
+            <a:schemeClr val="accent1"/>
+          </a:effectRef>
+          <a:fontRef idx="minor">
+            <a:schemeClr val="tx1"/>
+          </a:fontRef>
+        </p:style>
+      </p:cxnSp>
     </p:spTree>
     <p:extLst>
       <p:ext uri="{BB962C8B-B14F-4D97-AF65-F5344CB8AC3E}">
-        <p14:creationId xmlns:p14="http://schemas.microsoft.com/office/powerpoint/2010/main" val="587668098"/>
+        <p14:creationId xmlns:p14="http://schemas.microsoft.com/office/powerpoint/2010/main" val="455638583"/>
       </p:ext>
     </p:extLst>
   </p:cSld>
